--- a/P7_03_presentation.pptx
+++ b/P7_03_presentation.pptx
@@ -9,6 +9,11 @@
     <p:sldId id="257" r:id="rId3"/>
     <p:sldId id="258" r:id="rId4"/>
     <p:sldId id="259" r:id="rId5"/>
+    <p:sldId id="260" r:id="rId6"/>
+    <p:sldId id="261" r:id="rId7"/>
+    <p:sldId id="262" r:id="rId8"/>
+    <p:sldId id="263" r:id="rId9"/>
+    <p:sldId id="264" r:id="rId10"/>
   </p:sldIdLst>
   <p:sldSz cx="12192000" cy="6858000"/>
   <p:notesSz cx="6858000" cy="9144000"/>
@@ -107,7 +112,1184 @@
       </a:defRPr>
     </a:lvl9pPr>
   </p:defaultTextStyle>
+  <p:extLst>
+    <p:ext uri="{EFAFB233-063F-42B5-8137-9DF3F51BA10A}">
+      <p15:sldGuideLst xmlns:p15="http://schemas.microsoft.com/office/powerpoint/2012/main"/>
+    </p:ext>
+  </p:extLst>
 </p:presentation>
+</file>
+
+<file path=ppt/commentAuthors.xml><?xml version="1.0" encoding="utf-8"?>
+<p:cmAuthorLst xmlns:a="http://schemas.openxmlformats.org/drawingml/2006/main" xmlns:r="http://schemas.openxmlformats.org/officeDocument/2006/relationships" xmlns:p="http://schemas.openxmlformats.org/presentationml/2006/main">
+  <p:cmAuthor id="1" name="Pierre Bellegueule" initials="PB" lastIdx="1" clrIdx="0">
+    <p:extLst>
+      <p:ext uri="{19B8F6BF-5375-455C-9EA6-DF929625EA0E}">
+        <p15:presenceInfo xmlns:p15="http://schemas.microsoft.com/office/powerpoint/2012/main" userId="Pierre Bellegueule" providerId="None"/>
+      </p:ext>
+    </p:extLst>
+  </p:cmAuthor>
+</p:cmAuthorLst>
+</file>
+
+<file path=ppt/ink/ink1.xml><?xml version="1.0" encoding="utf-8"?>
+<inkml:ink xmlns:inkml="http://www.w3.org/2003/InkML">
+  <inkml:definitions>
+    <inkml:context xml:id="ctx0">
+      <inkml:inkSource xml:id="inkSrc0">
+        <inkml:traceFormat>
+          <inkml:channel name="X" type="integer" min="-2.14748E9" max="2.14748E9" units="cm"/>
+          <inkml:channel name="Y" type="integer" min="-2.14748E9" max="2.14748E9" units="cm"/>
+        </inkml:traceFormat>
+        <inkml:channelProperties>
+          <inkml:channelProperty channel="X" name="resolution" value="1000" units="1/cm"/>
+          <inkml:channelProperty channel="Y" name="resolution" value="1000" units="1/cm"/>
+        </inkml:channelProperties>
+      </inkml:inkSource>
+      <inkml:timestamp xml:id="ts0" timeString="2021-10-05T15:07:17.895"/>
+    </inkml:context>
+    <inkml:brush xml:id="br0">
+      <inkml:brushProperty name="width" value="0.2" units="cm"/>
+      <inkml:brushProperty name="height" value="0.4" units="cm"/>
+      <inkml:brushProperty name="color" value="#FFFC00"/>
+      <inkml:brushProperty name="tip" value="rectangle"/>
+      <inkml:brushProperty name="rasterOp" value="maskPen"/>
+      <inkml:brushProperty name="ignorePressure" value="1"/>
+    </inkml:brush>
+  </inkml:definitions>
+  <inkml:trace contextRef="#ctx0" brushRef="#br0">0 1,'882'0,"-794"6,4 0,936-6,-1017 0</inkml:trace>
+</inkml:ink>
+</file>
+
+<file path=ppt/ink/ink10.xml><?xml version="1.0" encoding="utf-8"?>
+<inkml:ink xmlns:inkml="http://www.w3.org/2003/InkML">
+  <inkml:definitions>
+    <inkml:context xml:id="ctx0">
+      <inkml:inkSource xml:id="inkSrc0">
+        <inkml:traceFormat>
+          <inkml:channel name="X" type="integer" min="-2.14748E9" max="2.14748E9" units="cm"/>
+          <inkml:channel name="Y" type="integer" min="-2.14748E9" max="2.14748E9" units="cm"/>
+        </inkml:traceFormat>
+        <inkml:channelProperties>
+          <inkml:channelProperty channel="X" name="resolution" value="1000" units="1/cm"/>
+          <inkml:channelProperty channel="Y" name="resolution" value="1000" units="1/cm"/>
+        </inkml:channelProperties>
+      </inkml:inkSource>
+      <inkml:timestamp xml:id="ts0" timeString="2021-10-05T15:08:04.711"/>
+    </inkml:context>
+    <inkml:brush xml:id="br0">
+      <inkml:brushProperty name="width" value="0.2" units="cm"/>
+      <inkml:brushProperty name="height" value="0.4" units="cm"/>
+      <inkml:brushProperty name="color" value="#FFFC00"/>
+      <inkml:brushProperty name="tip" value="rectangle"/>
+      <inkml:brushProperty name="rasterOp" value="maskPen"/>
+      <inkml:brushProperty name="ignorePressure" value="1"/>
+    </inkml:brush>
+  </inkml:definitions>
+  <inkml:trace contextRef="#ctx0" brushRef="#br0">0 52,'17'-1,"-1"-1,0-1,1 0,-1-1,19-8,-18 6,1 1,0 0,36-3,258 6,-156 4,-76-4,87 4,-148 0,30 8,-34-6,0-1,0 0,23 0,12-3,-40 0</inkml:trace>
+</inkml:ink>
+</file>
+
+<file path=ppt/ink/ink11.xml><?xml version="1.0" encoding="utf-8"?>
+<inkml:ink xmlns:inkml="http://www.w3.org/2003/InkML">
+  <inkml:definitions>
+    <inkml:context xml:id="ctx0">
+      <inkml:inkSource xml:id="inkSrc0">
+        <inkml:traceFormat>
+          <inkml:channel name="X" type="integer" min="-2.14748E9" max="2.14748E9" units="cm"/>
+          <inkml:channel name="Y" type="integer" min="-2.14748E9" max="2.14748E9" units="cm"/>
+        </inkml:traceFormat>
+        <inkml:channelProperties>
+          <inkml:channelProperty channel="X" name="resolution" value="1000" units="1/cm"/>
+          <inkml:channelProperty channel="Y" name="resolution" value="1000" units="1/cm"/>
+        </inkml:channelProperties>
+      </inkml:inkSource>
+      <inkml:timestamp xml:id="ts0" timeString="2021-10-05T15:08:17.612"/>
+    </inkml:context>
+    <inkml:brush xml:id="br0">
+      <inkml:brushProperty name="width" value="0.2" units="cm"/>
+      <inkml:brushProperty name="height" value="0.4" units="cm"/>
+      <inkml:brushProperty name="color" value="#FFFC00"/>
+      <inkml:brushProperty name="tip" value="rectangle"/>
+      <inkml:brushProperty name="rasterOp" value="maskPen"/>
+      <inkml:brushProperty name="ignorePressure" value="1"/>
+    </inkml:brush>
+  </inkml:definitions>
+  <inkml:trace contextRef="#ctx0" brushRef="#br0">0 15,'275'-11,"-21"8,-137 4,791-1,-764 14,-34-16,86 3,-147 4,63 3,-100-9</inkml:trace>
+</inkml:ink>
+</file>
+
+<file path=ppt/ink/ink12.xml><?xml version="1.0" encoding="utf-8"?>
+<inkml:ink xmlns:inkml="http://www.w3.org/2003/InkML">
+  <inkml:definitions>
+    <inkml:context xml:id="ctx0">
+      <inkml:inkSource xml:id="inkSrc0">
+        <inkml:traceFormat>
+          <inkml:channel name="X" type="integer" min="-2.14748E9" max="2.14748E9" units="cm"/>
+          <inkml:channel name="Y" type="integer" min="-2.14748E9" max="2.14748E9" units="cm"/>
+        </inkml:traceFormat>
+        <inkml:channelProperties>
+          <inkml:channelProperty channel="X" name="resolution" value="1000" units="1/cm"/>
+          <inkml:channelProperty channel="Y" name="resolution" value="1000" units="1/cm"/>
+        </inkml:channelProperties>
+      </inkml:inkSource>
+      <inkml:timestamp xml:id="ts0" timeString="2021-10-05T15:08:20.133"/>
+    </inkml:context>
+    <inkml:brush xml:id="br0">
+      <inkml:brushProperty name="width" value="0.2" units="cm"/>
+      <inkml:brushProperty name="height" value="0.4" units="cm"/>
+      <inkml:brushProperty name="color" value="#FFFC00"/>
+      <inkml:brushProperty name="tip" value="rectangle"/>
+      <inkml:brushProperty name="rasterOp" value="maskPen"/>
+      <inkml:brushProperty name="ignorePressure" value="1"/>
+    </inkml:brush>
+  </inkml:definitions>
+  <inkml:trace contextRef="#ctx0" brushRef="#br0">0 0,'296'10,"32"-5,-186-7,219 2,-350 0</inkml:trace>
+</inkml:ink>
+</file>
+
+<file path=ppt/ink/ink13.xml><?xml version="1.0" encoding="utf-8"?>
+<inkml:ink xmlns:inkml="http://www.w3.org/2003/InkML">
+  <inkml:definitions>
+    <inkml:context xml:id="ctx0">
+      <inkml:inkSource xml:id="inkSrc0">
+        <inkml:traceFormat>
+          <inkml:channel name="X" type="integer" min="-2.14748E9" max="2.14748E9" units="cm"/>
+          <inkml:channel name="Y" type="integer" min="-2.14748E9" max="2.14748E9" units="cm"/>
+        </inkml:traceFormat>
+        <inkml:channelProperties>
+          <inkml:channelProperty channel="X" name="resolution" value="1000" units="1/cm"/>
+          <inkml:channelProperty channel="Y" name="resolution" value="1000" units="1/cm"/>
+        </inkml:channelProperties>
+      </inkml:inkSource>
+      <inkml:timestamp xml:id="ts0" timeString="2021-10-05T15:08:24.574"/>
+    </inkml:context>
+    <inkml:brush xml:id="br0">
+      <inkml:brushProperty name="width" value="0.2" units="cm"/>
+      <inkml:brushProperty name="height" value="0.4" units="cm"/>
+      <inkml:brushProperty name="color" value="#FFFC00"/>
+      <inkml:brushProperty name="tip" value="rectangle"/>
+      <inkml:brushProperty name="rasterOp" value="maskPen"/>
+      <inkml:brushProperty name="ignorePressure" value="1"/>
+    </inkml:brush>
+  </inkml:definitions>
+  <inkml:trace contextRef="#ctx0" brushRef="#br0">1 1,'1122'0,"-1109"0</inkml:trace>
+</inkml:ink>
+</file>
+
+<file path=ppt/ink/ink14.xml><?xml version="1.0" encoding="utf-8"?>
+<inkml:ink xmlns:inkml="http://www.w3.org/2003/InkML">
+  <inkml:definitions>
+    <inkml:context xml:id="ctx0">
+      <inkml:inkSource xml:id="inkSrc0">
+        <inkml:traceFormat>
+          <inkml:channel name="X" type="integer" min="-2.14748E9" max="2.14748E9" units="cm"/>
+          <inkml:channel name="Y" type="integer" min="-2.14748E9" max="2.14748E9" units="cm"/>
+        </inkml:traceFormat>
+        <inkml:channelProperties>
+          <inkml:channelProperty channel="X" name="resolution" value="1000" units="1/cm"/>
+          <inkml:channelProperty channel="Y" name="resolution" value="1000" units="1/cm"/>
+        </inkml:channelProperties>
+      </inkml:inkSource>
+      <inkml:timestamp xml:id="ts0" timeString="2021-10-05T15:08:27.818"/>
+    </inkml:context>
+    <inkml:brush xml:id="br0">
+      <inkml:brushProperty name="width" value="0.2" units="cm"/>
+      <inkml:brushProperty name="height" value="0.4" units="cm"/>
+      <inkml:brushProperty name="color" value="#FFFC00"/>
+      <inkml:brushProperty name="tip" value="rectangle"/>
+      <inkml:brushProperty name="rasterOp" value="maskPen"/>
+      <inkml:brushProperty name="ignorePressure" value="1"/>
+    </inkml:brush>
+  </inkml:definitions>
+  <inkml:trace contextRef="#ctx0" brushRef="#br0">1 38,'46'0,"71"-10,-72 3,7-2,103-3,822 13,-522-1,-390 6,-47-3,29 1,53-5,-89 1</inkml:trace>
+</inkml:ink>
+</file>
+
+<file path=ppt/ink/ink15.xml><?xml version="1.0" encoding="utf-8"?>
+<inkml:ink xmlns:inkml="http://www.w3.org/2003/InkML">
+  <inkml:definitions>
+    <inkml:context xml:id="ctx0">
+      <inkml:inkSource xml:id="inkSrc0">
+        <inkml:traceFormat>
+          <inkml:channel name="X" type="integer" min="-2.14748E9" max="2.14748E9" units="cm"/>
+          <inkml:channel name="Y" type="integer" min="-2.14748E9" max="2.14748E9" units="cm"/>
+        </inkml:traceFormat>
+        <inkml:channelProperties>
+          <inkml:channelProperty channel="X" name="resolution" value="1000" units="1/cm"/>
+          <inkml:channelProperty channel="Y" name="resolution" value="1000" units="1/cm"/>
+        </inkml:channelProperties>
+      </inkml:inkSource>
+      <inkml:timestamp xml:id="ts0" timeString="2021-10-05T15:08:37.147"/>
+    </inkml:context>
+    <inkml:brush xml:id="br0">
+      <inkml:brushProperty name="width" value="0.2" units="cm"/>
+      <inkml:brushProperty name="height" value="0.4" units="cm"/>
+      <inkml:brushProperty name="color" value="#FFFC00"/>
+      <inkml:brushProperty name="tip" value="rectangle"/>
+      <inkml:brushProperty name="rasterOp" value="maskPen"/>
+      <inkml:brushProperty name="ignorePressure" value="1"/>
+    </inkml:brush>
+  </inkml:definitions>
+  <inkml:trace contextRef="#ctx0" brushRef="#br0">0 15,'69'0,"214"-8,56 2,-204 7,193-1,-304 3,-14-1</inkml:trace>
+</inkml:ink>
+</file>
+
+<file path=ppt/ink/ink16.xml><?xml version="1.0" encoding="utf-8"?>
+<inkml:ink xmlns:inkml="http://www.w3.org/2003/InkML">
+  <inkml:definitions>
+    <inkml:context xml:id="ctx0">
+      <inkml:inkSource xml:id="inkSrc0">
+        <inkml:traceFormat>
+          <inkml:channel name="X" type="integer" min="-2.14748E9" max="2.14748E9" units="cm"/>
+          <inkml:channel name="Y" type="integer" min="-2.14748E9" max="2.14748E9" units="cm"/>
+        </inkml:traceFormat>
+        <inkml:channelProperties>
+          <inkml:channelProperty channel="X" name="resolution" value="1000" units="1/cm"/>
+          <inkml:channelProperty channel="Y" name="resolution" value="1000" units="1/cm"/>
+        </inkml:channelProperties>
+      </inkml:inkSource>
+      <inkml:timestamp xml:id="ts0" timeString="2021-10-05T15:08:40.280"/>
+    </inkml:context>
+    <inkml:brush xml:id="br0">
+      <inkml:brushProperty name="width" value="0.2" units="cm"/>
+      <inkml:brushProperty name="height" value="0.4" units="cm"/>
+      <inkml:brushProperty name="color" value="#FFFC00"/>
+      <inkml:brushProperty name="tip" value="rectangle"/>
+      <inkml:brushProperty name="rasterOp" value="maskPen"/>
+      <inkml:brushProperty name="ignorePressure" value="1"/>
+    </inkml:brush>
+  </inkml:definitions>
+  <inkml:trace contextRef="#ctx0" brushRef="#br0">1 40,'0'-1,"0"1,0-1,1 1,-1-1,0 1,1-1,-1 1,0 0,1-1,-1 1,1 0,-1-1,0 1,1 0,-1-1,1 1,-1 0,1 0,-1 0,1 0,-1-1,1 1,0 0,-1 0,1 0,18-2,-16 2,113-9,76-8,-139 13,84 4,-54 2,7-3,96 2,-108 11,-55-7,1-1,38 0,624-5,-371 2,-270 5,-16-1,-18-4</inkml:trace>
+</inkml:ink>
+</file>
+
+<file path=ppt/ink/ink17.xml><?xml version="1.0" encoding="utf-8"?>
+<inkml:ink xmlns:inkml="http://www.w3.org/2003/InkML">
+  <inkml:definitions>
+    <inkml:context xml:id="ctx0">
+      <inkml:inkSource xml:id="inkSrc0">
+        <inkml:traceFormat>
+          <inkml:channel name="X" type="integer" min="-2.14748E9" max="2.14748E9" units="cm"/>
+          <inkml:channel name="Y" type="integer" min="-2.14748E9" max="2.14748E9" units="cm"/>
+        </inkml:traceFormat>
+        <inkml:channelProperties>
+          <inkml:channelProperty channel="X" name="resolution" value="1000" units="1/cm"/>
+          <inkml:channelProperty channel="Y" name="resolution" value="1000" units="1/cm"/>
+        </inkml:channelProperties>
+      </inkml:inkSource>
+      <inkml:timestamp xml:id="ts0" timeString="2021-10-05T15:08:49.678"/>
+    </inkml:context>
+    <inkml:brush xml:id="br0">
+      <inkml:brushProperty name="width" value="0.2" units="cm"/>
+      <inkml:brushProperty name="height" value="0.4" units="cm"/>
+      <inkml:brushProperty name="color" value="#FFFC00"/>
+      <inkml:brushProperty name="tip" value="rectangle"/>
+      <inkml:brushProperty name="rasterOp" value="maskPen"/>
+      <inkml:brushProperty name="ignorePressure" value="1"/>
+    </inkml:brush>
+  </inkml:definitions>
+  <inkml:trace contextRef="#ctx0" brushRef="#br0">0 0,'790'0,"-771"1,1 1,33 8,-34-6,1 0,36 1,-31-6,-14 1</inkml:trace>
+</inkml:ink>
+</file>
+
+<file path=ppt/ink/ink18.xml><?xml version="1.0" encoding="utf-8"?>
+<inkml:ink xmlns:inkml="http://www.w3.org/2003/InkML">
+  <inkml:definitions>
+    <inkml:context xml:id="ctx0">
+      <inkml:inkSource xml:id="inkSrc0">
+        <inkml:traceFormat>
+          <inkml:channel name="X" type="integer" min="-2.14748E9" max="2.14748E9" units="cm"/>
+          <inkml:channel name="Y" type="integer" min="-2.14748E9" max="2.14748E9" units="cm"/>
+        </inkml:traceFormat>
+        <inkml:channelProperties>
+          <inkml:channelProperty channel="X" name="resolution" value="1000" units="1/cm"/>
+          <inkml:channelProperty channel="Y" name="resolution" value="1000" units="1/cm"/>
+        </inkml:channelProperties>
+      </inkml:inkSource>
+      <inkml:timestamp xml:id="ts0" timeString="2021-10-05T15:08:52.465"/>
+    </inkml:context>
+    <inkml:brush xml:id="br0">
+      <inkml:brushProperty name="width" value="0.2" units="cm"/>
+      <inkml:brushProperty name="height" value="0.4" units="cm"/>
+      <inkml:brushProperty name="color" value="#FFFC00"/>
+      <inkml:brushProperty name="tip" value="rectangle"/>
+      <inkml:brushProperty name="rasterOp" value="maskPen"/>
+      <inkml:brushProperty name="ignorePressure" value="1"/>
+    </inkml:brush>
+  </inkml:definitions>
+  <inkml:trace contextRef="#ctx0" brushRef="#br0">1 1,'496'0,"-407"6,3 1,536-8,-554 8,4-1,5 0,0 1,107 8,-94-8,109-4,-117-4,-77 1</inkml:trace>
+</inkml:ink>
+</file>
+
+<file path=ppt/ink/ink19.xml><?xml version="1.0" encoding="utf-8"?>
+<inkml:ink xmlns:inkml="http://www.w3.org/2003/InkML">
+  <inkml:definitions>
+    <inkml:context xml:id="ctx0">
+      <inkml:inkSource xml:id="inkSrc0">
+        <inkml:traceFormat>
+          <inkml:channel name="X" type="integer" min="-2.14748E9" max="2.14748E9" units="cm"/>
+          <inkml:channel name="Y" type="integer" min="-2.14748E9" max="2.14748E9" units="cm"/>
+        </inkml:traceFormat>
+        <inkml:channelProperties>
+          <inkml:channelProperty channel="X" name="resolution" value="1000" units="1/cm"/>
+          <inkml:channelProperty channel="Y" name="resolution" value="1000" units="1/cm"/>
+        </inkml:channelProperties>
+      </inkml:inkSource>
+      <inkml:timestamp xml:id="ts0" timeString="2021-10-05T15:08:58.087"/>
+    </inkml:context>
+    <inkml:brush xml:id="br0">
+      <inkml:brushProperty name="width" value="0.2" units="cm"/>
+      <inkml:brushProperty name="height" value="0.4" units="cm"/>
+      <inkml:brushProperty name="color" value="#FFFC00"/>
+      <inkml:brushProperty name="tip" value="rectangle"/>
+      <inkml:brushProperty name="rasterOp" value="maskPen"/>
+      <inkml:brushProperty name="ignorePressure" value="1"/>
+    </inkml:brush>
+  </inkml:definitions>
+  <inkml:trace contextRef="#ctx0" brushRef="#br0">0 15,'78'-12,"240"10,-175 3,-35 12,-11-7,23 1,-84-7,54 9,-3 5,-76-13</inkml:trace>
+</inkml:ink>
+</file>
+
+<file path=ppt/ink/ink2.xml><?xml version="1.0" encoding="utf-8"?>
+<inkml:ink xmlns:inkml="http://www.w3.org/2003/InkML">
+  <inkml:definitions>
+    <inkml:context xml:id="ctx0">
+      <inkml:inkSource xml:id="inkSrc0">
+        <inkml:traceFormat>
+          <inkml:channel name="X" type="integer" min="-2.14748E9" max="2.14748E9" units="cm"/>
+          <inkml:channel name="Y" type="integer" min="-2.14748E9" max="2.14748E9" units="cm"/>
+        </inkml:traceFormat>
+        <inkml:channelProperties>
+          <inkml:channelProperty channel="X" name="resolution" value="1000" units="1/cm"/>
+          <inkml:channelProperty channel="Y" name="resolution" value="1000" units="1/cm"/>
+        </inkml:channelProperties>
+      </inkml:inkSource>
+      <inkml:timestamp xml:id="ts0" timeString="2021-10-05T15:07:22.121"/>
+    </inkml:context>
+    <inkml:brush xml:id="br0">
+      <inkml:brushProperty name="width" value="0.2" units="cm"/>
+      <inkml:brushProperty name="height" value="0.4" units="cm"/>
+      <inkml:brushProperty name="color" value="#FFFC00"/>
+      <inkml:brushProperty name="tip" value="rectangle"/>
+      <inkml:brushProperty name="rasterOp" value="maskPen"/>
+      <inkml:brushProperty name="ignorePressure" value="1"/>
+    </inkml:brush>
+  </inkml:definitions>
+  <inkml:trace contextRef="#ctx0" brushRef="#br0">0 1,'55'7,"-20"-1,139 6,777-12,-940 0</inkml:trace>
+</inkml:ink>
+</file>
+
+<file path=ppt/ink/ink20.xml><?xml version="1.0" encoding="utf-8"?>
+<inkml:ink xmlns:inkml="http://www.w3.org/2003/InkML">
+  <inkml:definitions>
+    <inkml:context xml:id="ctx0">
+      <inkml:inkSource xml:id="inkSrc0">
+        <inkml:traceFormat>
+          <inkml:channel name="X" type="integer" min="-2.14748E9" max="2.14748E9" units="cm"/>
+          <inkml:channel name="Y" type="integer" min="-2.14748E9" max="2.14748E9" units="cm"/>
+        </inkml:traceFormat>
+        <inkml:channelProperties>
+          <inkml:channelProperty channel="X" name="resolution" value="1000" units="1/cm"/>
+          <inkml:channelProperty channel="Y" name="resolution" value="1000" units="1/cm"/>
+        </inkml:channelProperties>
+      </inkml:inkSource>
+      <inkml:timestamp xml:id="ts0" timeString="2021-10-05T15:09:00.655"/>
+    </inkml:context>
+    <inkml:brush xml:id="br0">
+      <inkml:brushProperty name="width" value="0.2" units="cm"/>
+      <inkml:brushProperty name="height" value="0.4" units="cm"/>
+      <inkml:brushProperty name="color" value="#FFFC00"/>
+      <inkml:brushProperty name="tip" value="rectangle"/>
+      <inkml:brushProperty name="rasterOp" value="maskPen"/>
+      <inkml:brushProperty name="ignorePressure" value="1"/>
+    </inkml:brush>
+  </inkml:definitions>
+  <inkml:trace contextRef="#ctx0" brushRef="#br0">0 1,'584'0,"-494"7,-31-1,-2-1,57 2,453-7,-473 6,1 1,-4 0,-39-1,-5-1,43 2,72-8,-151 1</inkml:trace>
+</inkml:ink>
+</file>
+
+<file path=ppt/ink/ink21.xml><?xml version="1.0" encoding="utf-8"?>
+<inkml:ink xmlns:inkml="http://www.w3.org/2003/InkML">
+  <inkml:definitions>
+    <inkml:context xml:id="ctx0">
+      <inkml:inkSource xml:id="inkSrc0">
+        <inkml:traceFormat>
+          <inkml:channel name="X" type="integer" min="-2.14748E9" max="2.14748E9" units="cm"/>
+          <inkml:channel name="Y" type="integer" min="-2.14748E9" max="2.14748E9" units="cm"/>
+        </inkml:traceFormat>
+        <inkml:channelProperties>
+          <inkml:channelProperty channel="X" name="resolution" value="1000" units="1/cm"/>
+          <inkml:channelProperty channel="Y" name="resolution" value="1000" units="1/cm"/>
+        </inkml:channelProperties>
+      </inkml:inkSource>
+      <inkml:timestamp xml:id="ts0" timeString="2021-10-05T15:09:04.619"/>
+    </inkml:context>
+    <inkml:brush xml:id="br0">
+      <inkml:brushProperty name="width" value="0.2" units="cm"/>
+      <inkml:brushProperty name="height" value="0.4" units="cm"/>
+      <inkml:brushProperty name="color" value="#FFFC00"/>
+      <inkml:brushProperty name="tip" value="rectangle"/>
+      <inkml:brushProperty name="rasterOp" value="maskPen"/>
+      <inkml:brushProperty name="ignorePressure" value="1"/>
+    </inkml:brush>
+  </inkml:definitions>
+  <inkml:trace contextRef="#ctx0" brushRef="#br0">0 1,'74'0,"327"9,-73-4,-186-7,-71 2,-61 0</inkml:trace>
+</inkml:ink>
+</file>
+
+<file path=ppt/ink/ink22.xml><?xml version="1.0" encoding="utf-8"?>
+<inkml:ink xmlns:inkml="http://www.w3.org/2003/InkML">
+  <inkml:definitions>
+    <inkml:context xml:id="ctx0">
+      <inkml:inkSource xml:id="inkSrc0">
+        <inkml:traceFormat>
+          <inkml:channel name="X" type="integer" min="-2.14748E9" max="2.14748E9" units="cm"/>
+          <inkml:channel name="Y" type="integer" min="-2.14748E9" max="2.14748E9" units="cm"/>
+        </inkml:traceFormat>
+        <inkml:channelProperties>
+          <inkml:channelProperty channel="X" name="resolution" value="1000" units="1/cm"/>
+          <inkml:channelProperty channel="Y" name="resolution" value="1000" units="1/cm"/>
+        </inkml:channelProperties>
+      </inkml:inkSource>
+      <inkml:timestamp xml:id="ts0" timeString="2021-10-05T15:09:07.435"/>
+    </inkml:context>
+    <inkml:brush xml:id="br0">
+      <inkml:brushProperty name="width" value="0.2" units="cm"/>
+      <inkml:brushProperty name="height" value="0.4" units="cm"/>
+      <inkml:brushProperty name="color" value="#FFFC00"/>
+      <inkml:brushProperty name="tip" value="rectangle"/>
+      <inkml:brushProperty name="rasterOp" value="maskPen"/>
+      <inkml:brushProperty name="ignorePressure" value="1"/>
+    </inkml:brush>
+  </inkml:definitions>
+  <inkml:trace contextRef="#ctx0" brushRef="#br0">0 0,'1214'0,"-1105"8,-45-2,152 16,-3-7,-186-15,0 1,1 2,38 7,-52-6,1-1,0-1,29 0,-33-2</inkml:trace>
+</inkml:ink>
+</file>
+
+<file path=ppt/ink/ink23.xml><?xml version="1.0" encoding="utf-8"?>
+<inkml:ink xmlns:inkml="http://www.w3.org/2003/InkML">
+  <inkml:definitions>
+    <inkml:context xml:id="ctx0">
+      <inkml:inkSource xml:id="inkSrc0">
+        <inkml:traceFormat>
+          <inkml:channel name="X" type="integer" min="-2.14748E9" max="2.14748E9" units="cm"/>
+          <inkml:channel name="Y" type="integer" min="-2.14748E9" max="2.14748E9" units="cm"/>
+        </inkml:traceFormat>
+        <inkml:channelProperties>
+          <inkml:channelProperty channel="X" name="resolution" value="1000" units="1/cm"/>
+          <inkml:channelProperty channel="Y" name="resolution" value="1000" units="1/cm"/>
+        </inkml:channelProperties>
+      </inkml:inkSource>
+      <inkml:timestamp xml:id="ts0" timeString="2021-10-05T15:09:14.830"/>
+    </inkml:context>
+    <inkml:brush xml:id="br0">
+      <inkml:brushProperty name="width" value="0.2" units="cm"/>
+      <inkml:brushProperty name="height" value="0.4" units="cm"/>
+      <inkml:brushProperty name="color" value="#FFFC00"/>
+      <inkml:brushProperty name="tip" value="rectangle"/>
+      <inkml:brushProperty name="rasterOp" value="maskPen"/>
+      <inkml:brushProperty name="ignorePressure" value="1"/>
+    </inkml:brush>
+  </inkml:definitions>
+  <inkml:trace contextRef="#ctx0" brushRef="#br0">0 0,'216'10,"38"-5,-143-7,-8 1,112 3,-85 9,92 2,-47 0,477-14,-641 1</inkml:trace>
+</inkml:ink>
+</file>
+
+<file path=ppt/ink/ink24.xml><?xml version="1.0" encoding="utf-8"?>
+<inkml:ink xmlns:inkml="http://www.w3.org/2003/InkML">
+  <inkml:definitions>
+    <inkml:context xml:id="ctx0">
+      <inkml:inkSource xml:id="inkSrc0">
+        <inkml:traceFormat>
+          <inkml:channel name="X" type="integer" min="-2.14748E9" max="2.14748E9" units="cm"/>
+          <inkml:channel name="Y" type="integer" min="-2.14748E9" max="2.14748E9" units="cm"/>
+        </inkml:traceFormat>
+        <inkml:channelProperties>
+          <inkml:channelProperty channel="X" name="resolution" value="1000" units="1/cm"/>
+          <inkml:channelProperty channel="Y" name="resolution" value="1000" units="1/cm"/>
+        </inkml:channelProperties>
+      </inkml:inkSource>
+      <inkml:timestamp xml:id="ts0" timeString="2021-10-05T15:09:17.844"/>
+    </inkml:context>
+    <inkml:brush xml:id="br0">
+      <inkml:brushProperty name="width" value="0.2" units="cm"/>
+      <inkml:brushProperty name="height" value="0.4" units="cm"/>
+      <inkml:brushProperty name="color" value="#FFFC00"/>
+      <inkml:brushProperty name="tip" value="rectangle"/>
+      <inkml:brushProperty name="rasterOp" value="maskPen"/>
+      <inkml:brushProperty name="ignorePressure" value="1"/>
+    </inkml:brush>
+  </inkml:definitions>
+  <inkml:trace contextRef="#ctx0" brushRef="#br0">1 1,'601'0,"-585"1,-1 0,0 1,20 6,-20-4,0-1,0 0,22 0,-35-3,22 0,0 0,0 2,42 8,18 5,-76-12</inkml:trace>
+</inkml:ink>
+</file>
+
+<file path=ppt/ink/ink25.xml><?xml version="1.0" encoding="utf-8"?>
+<inkml:ink xmlns:inkml="http://www.w3.org/2003/InkML">
+  <inkml:definitions>
+    <inkml:context xml:id="ctx0">
+      <inkml:inkSource xml:id="inkSrc0">
+        <inkml:traceFormat>
+          <inkml:channel name="X" type="integer" min="-2.14748E9" max="2.14748E9" units="cm"/>
+          <inkml:channel name="Y" type="integer" min="-2.14748E9" max="2.14748E9" units="cm"/>
+        </inkml:traceFormat>
+        <inkml:channelProperties>
+          <inkml:channelProperty channel="X" name="resolution" value="1000" units="1/cm"/>
+          <inkml:channelProperty channel="Y" name="resolution" value="1000" units="1/cm"/>
+        </inkml:channelProperties>
+      </inkml:inkSource>
+      <inkml:timestamp xml:id="ts0" timeString="2021-10-05T15:09:21.423"/>
+    </inkml:context>
+    <inkml:brush xml:id="br0">
+      <inkml:brushProperty name="width" value="0.2" units="cm"/>
+      <inkml:brushProperty name="height" value="0.4" units="cm"/>
+      <inkml:brushProperty name="color" value="#FFFC00"/>
+      <inkml:brushProperty name="tip" value="rectangle"/>
+      <inkml:brushProperty name="rasterOp" value="maskPen"/>
+      <inkml:brushProperty name="ignorePressure" value="1"/>
+    </inkml:brush>
+  </inkml:definitions>
+  <inkml:trace contextRef="#ctx0" brushRef="#br0">1 0,'779'0,"-762"1,1 1,-1 0,19 6,-19-4,0-1,1 0,18 0,97 9,-57-5,-38-2,39 6,-44-5,1-2,35 1,179 5,-245-10,270 3,-147-5,-115 2</inkml:trace>
+</inkml:ink>
+</file>
+
+<file path=ppt/ink/ink26.xml><?xml version="1.0" encoding="utf-8"?>
+<inkml:ink xmlns:inkml="http://www.w3.org/2003/InkML">
+  <inkml:definitions>
+    <inkml:context xml:id="ctx0">
+      <inkml:inkSource xml:id="inkSrc0">
+        <inkml:traceFormat>
+          <inkml:channel name="X" type="integer" min="-2.14748E9" max="2.14748E9" units="cm"/>
+          <inkml:channel name="Y" type="integer" min="-2.14748E9" max="2.14748E9" units="cm"/>
+        </inkml:traceFormat>
+        <inkml:channelProperties>
+          <inkml:channelProperty channel="X" name="resolution" value="1000" units="1/cm"/>
+          <inkml:channelProperty channel="Y" name="resolution" value="1000" units="1/cm"/>
+        </inkml:channelProperties>
+      </inkml:inkSource>
+      <inkml:timestamp xml:id="ts0" timeString="2021-10-05T15:09:23.312"/>
+    </inkml:context>
+    <inkml:brush xml:id="br0">
+      <inkml:brushProperty name="width" value="0.2" units="cm"/>
+      <inkml:brushProperty name="height" value="0.4" units="cm"/>
+      <inkml:brushProperty name="color" value="#FFFC00"/>
+      <inkml:brushProperty name="tip" value="rectangle"/>
+      <inkml:brushProperty name="rasterOp" value="maskPen"/>
+      <inkml:brushProperty name="ignorePressure" value="1"/>
+    </inkml:brush>
+  </inkml:definitions>
+  <inkml:trace contextRef="#ctx0" brushRef="#br0">1 0,'117'7,"4"-1,750-6,-858 0</inkml:trace>
+</inkml:ink>
+</file>
+
+<file path=ppt/ink/ink27.xml><?xml version="1.0" encoding="utf-8"?>
+<inkml:ink xmlns:inkml="http://www.w3.org/2003/InkML">
+  <inkml:definitions>
+    <inkml:context xml:id="ctx0">
+      <inkml:inkSource xml:id="inkSrc0">
+        <inkml:traceFormat>
+          <inkml:channel name="X" type="integer" min="-2.14748E9" max="2.14748E9" units="cm"/>
+          <inkml:channel name="Y" type="integer" min="-2.14748E9" max="2.14748E9" units="cm"/>
+        </inkml:traceFormat>
+        <inkml:channelProperties>
+          <inkml:channelProperty channel="X" name="resolution" value="1000" units="1/cm"/>
+          <inkml:channelProperty channel="Y" name="resolution" value="1000" units="1/cm"/>
+        </inkml:channelProperties>
+      </inkml:inkSource>
+      <inkml:timestamp xml:id="ts0" timeString="2021-10-05T15:09:26.584"/>
+    </inkml:context>
+    <inkml:brush xml:id="br0">
+      <inkml:brushProperty name="width" value="0.2" units="cm"/>
+      <inkml:brushProperty name="height" value="0.4" units="cm"/>
+      <inkml:brushProperty name="color" value="#FFFC00"/>
+      <inkml:brushProperty name="tip" value="rectangle"/>
+      <inkml:brushProperty name="rasterOp" value="maskPen"/>
+      <inkml:brushProperty name="ignorePressure" value="1"/>
+    </inkml:brush>
+  </inkml:definitions>
+  <inkml:trace contextRef="#ctx0" brushRef="#br0">0 52,'8'-4,"0"-1,0 1,0 0,1 1,-1 0,1 0,12-2,-18 4,29-5,-1 0,58-2,67 9,-58 1,-97-2,60-1,0 3,118 19,-90-5,1-4,1-4,99-3,675-6,-854 1</inkml:trace>
+</inkml:ink>
+</file>
+
+<file path=ppt/ink/ink28.xml><?xml version="1.0" encoding="utf-8"?>
+<inkml:ink xmlns:inkml="http://www.w3.org/2003/InkML">
+  <inkml:definitions>
+    <inkml:context xml:id="ctx0">
+      <inkml:inkSource xml:id="inkSrc0">
+        <inkml:traceFormat>
+          <inkml:channel name="X" type="integer" min="-2.14748E9" max="2.14748E9" units="cm"/>
+          <inkml:channel name="Y" type="integer" min="-2.14748E9" max="2.14748E9" units="cm"/>
+        </inkml:traceFormat>
+        <inkml:channelProperties>
+          <inkml:channelProperty channel="X" name="resolution" value="1000" units="1/cm"/>
+          <inkml:channelProperty channel="Y" name="resolution" value="1000" units="1/cm"/>
+        </inkml:channelProperties>
+      </inkml:inkSource>
+      <inkml:timestamp xml:id="ts0" timeString="2021-10-05T15:09:28.448"/>
+    </inkml:context>
+    <inkml:brush xml:id="br0">
+      <inkml:brushProperty name="width" value="0.2" units="cm"/>
+      <inkml:brushProperty name="height" value="0.4" units="cm"/>
+      <inkml:brushProperty name="color" value="#FFFC00"/>
+      <inkml:brushProperty name="tip" value="rectangle"/>
+      <inkml:brushProperty name="rasterOp" value="maskPen"/>
+      <inkml:brushProperty name="ignorePressure" value="1"/>
+    </inkml:brush>
+  </inkml:definitions>
+  <inkml:trace contextRef="#ctx0" brushRef="#br0">1 1,'1007'0,"-883"13,-110-13</inkml:trace>
+</inkml:ink>
+</file>
+
+<file path=ppt/ink/ink29.xml><?xml version="1.0" encoding="utf-8"?>
+<inkml:ink xmlns:inkml="http://www.w3.org/2003/InkML">
+  <inkml:definitions>
+    <inkml:context xml:id="ctx0">
+      <inkml:inkSource xml:id="inkSrc0">
+        <inkml:traceFormat>
+          <inkml:channel name="X" type="integer" min="-2.14748E9" max="2.14748E9" units="cm"/>
+          <inkml:channel name="Y" type="integer" min="-2.14748E9" max="2.14748E9" units="cm"/>
+        </inkml:traceFormat>
+        <inkml:channelProperties>
+          <inkml:channelProperty channel="X" name="resolution" value="1000" units="1/cm"/>
+          <inkml:channelProperty channel="Y" name="resolution" value="1000" units="1/cm"/>
+        </inkml:channelProperties>
+      </inkml:inkSource>
+      <inkml:timestamp xml:id="ts0" timeString="2021-10-05T15:09:32.046"/>
+    </inkml:context>
+    <inkml:brush xml:id="br0">
+      <inkml:brushProperty name="width" value="0.2" units="cm"/>
+      <inkml:brushProperty name="height" value="0.4" units="cm"/>
+      <inkml:brushProperty name="color" value="#FFFC00"/>
+      <inkml:brushProperty name="tip" value="rectangle"/>
+      <inkml:brushProperty name="rasterOp" value="maskPen"/>
+      <inkml:brushProperty name="ignorePressure" value="1"/>
+    </inkml:brush>
+  </inkml:definitions>
+  <inkml:trace contextRef="#ctx0" brushRef="#br0">0 1,'122'6,"6"1,500-7,-434 12,-179-12</inkml:trace>
+</inkml:ink>
+</file>
+
+<file path=ppt/ink/ink3.xml><?xml version="1.0" encoding="utf-8"?>
+<inkml:ink xmlns:inkml="http://www.w3.org/2003/InkML">
+  <inkml:definitions>
+    <inkml:context xml:id="ctx0">
+      <inkml:inkSource xml:id="inkSrc0">
+        <inkml:traceFormat>
+          <inkml:channel name="X" type="integer" min="-2.14748E9" max="2.14748E9" units="cm"/>
+          <inkml:channel name="Y" type="integer" min="-2.14748E9" max="2.14748E9" units="cm"/>
+        </inkml:traceFormat>
+        <inkml:channelProperties>
+          <inkml:channelProperty channel="X" name="resolution" value="1000" units="1/cm"/>
+          <inkml:channelProperty channel="Y" name="resolution" value="1000" units="1/cm"/>
+        </inkml:channelProperties>
+      </inkml:inkSource>
+      <inkml:timestamp xml:id="ts0" timeString="2021-10-05T15:07:37.124"/>
+    </inkml:context>
+    <inkml:brush xml:id="br0">
+      <inkml:brushProperty name="width" value="0.2" units="cm"/>
+      <inkml:brushProperty name="height" value="0.4" units="cm"/>
+      <inkml:brushProperty name="color" value="#FFFC00"/>
+      <inkml:brushProperty name="tip" value="rectangle"/>
+      <inkml:brushProperty name="rasterOp" value="maskPen"/>
+      <inkml:brushProperty name="ignorePressure" value="1"/>
+    </inkml:brush>
+  </inkml:definitions>
+  <inkml:trace contextRef="#ctx0" brushRef="#br0">0 0,'2090'0,"-2079"0</inkml:trace>
+</inkml:ink>
+</file>
+
+<file path=ppt/ink/ink30.xml><?xml version="1.0" encoding="utf-8"?>
+<inkml:ink xmlns:inkml="http://www.w3.org/2003/InkML">
+  <inkml:definitions>
+    <inkml:context xml:id="ctx0">
+      <inkml:inkSource xml:id="inkSrc0">
+        <inkml:traceFormat>
+          <inkml:channel name="X" type="integer" min="-2.14748E9" max="2.14748E9" units="cm"/>
+          <inkml:channel name="Y" type="integer" min="-2.14748E9" max="2.14748E9" units="cm"/>
+        </inkml:traceFormat>
+        <inkml:channelProperties>
+          <inkml:channelProperty channel="X" name="resolution" value="1000" units="1/cm"/>
+          <inkml:channelProperty channel="Y" name="resolution" value="1000" units="1/cm"/>
+        </inkml:channelProperties>
+      </inkml:inkSource>
+      <inkml:timestamp xml:id="ts0" timeString="2021-10-05T15:09:34.364"/>
+    </inkml:context>
+    <inkml:brush xml:id="br0">
+      <inkml:brushProperty name="width" value="0.2" units="cm"/>
+      <inkml:brushProperty name="height" value="0.4" units="cm"/>
+      <inkml:brushProperty name="color" value="#FFFC00"/>
+      <inkml:brushProperty name="tip" value="rectangle"/>
+      <inkml:brushProperty name="rasterOp" value="maskPen"/>
+      <inkml:brushProperty name="ignorePressure" value="1"/>
+    </inkml:brush>
+  </inkml:definitions>
+  <inkml:trace contextRef="#ctx0" brushRef="#br0">0 0,'699'0,"-438"13,131 7,38-14,-252-8,-72 2,-96 0</inkml:trace>
+</inkml:ink>
+</file>
+
+<file path=ppt/ink/ink31.xml><?xml version="1.0" encoding="utf-8"?>
+<inkml:ink xmlns:inkml="http://www.w3.org/2003/InkML">
+  <inkml:definitions>
+    <inkml:context xml:id="ctx0">
+      <inkml:inkSource xml:id="inkSrc0">
+        <inkml:traceFormat>
+          <inkml:channel name="X" type="integer" min="-2.14748E9" max="2.14748E9" units="cm"/>
+          <inkml:channel name="Y" type="integer" min="-2.14748E9" max="2.14748E9" units="cm"/>
+        </inkml:traceFormat>
+        <inkml:channelProperties>
+          <inkml:channelProperty channel="X" name="resolution" value="1000" units="1/cm"/>
+          <inkml:channelProperty channel="Y" name="resolution" value="1000" units="1/cm"/>
+        </inkml:channelProperties>
+      </inkml:inkSource>
+      <inkml:timestamp xml:id="ts0" timeString="2021-10-05T15:09:39.290"/>
+    </inkml:context>
+    <inkml:brush xml:id="br0">
+      <inkml:brushProperty name="width" value="0.2" units="cm"/>
+      <inkml:brushProperty name="height" value="0.4" units="cm"/>
+      <inkml:brushProperty name="color" value="#FFFC00"/>
+      <inkml:brushProperty name="tip" value="rectangle"/>
+      <inkml:brushProperty name="rasterOp" value="maskPen"/>
+      <inkml:brushProperty name="ignorePressure" value="1"/>
+    </inkml:brush>
+  </inkml:definitions>
+  <inkml:trace contextRef="#ctx0" brushRef="#br0">0 0,'2065'0,"-2054"0</inkml:trace>
+</inkml:ink>
+</file>
+
+<file path=ppt/ink/ink32.xml><?xml version="1.0" encoding="utf-8"?>
+<inkml:ink xmlns:inkml="http://www.w3.org/2003/InkML">
+  <inkml:definitions>
+    <inkml:context xml:id="ctx0">
+      <inkml:inkSource xml:id="inkSrc0">
+        <inkml:traceFormat>
+          <inkml:channel name="X" type="integer" min="-2.14748E9" max="2.14748E9" units="cm"/>
+          <inkml:channel name="Y" type="integer" min="-2.14748E9" max="2.14748E9" units="cm"/>
+        </inkml:traceFormat>
+        <inkml:channelProperties>
+          <inkml:channelProperty channel="X" name="resolution" value="1000" units="1/cm"/>
+          <inkml:channelProperty channel="Y" name="resolution" value="1000" units="1/cm"/>
+        </inkml:channelProperties>
+      </inkml:inkSource>
+      <inkml:timestamp xml:id="ts0" timeString="2021-10-05T15:09:41.272"/>
+    </inkml:context>
+    <inkml:brush xml:id="br0">
+      <inkml:brushProperty name="width" value="0.2" units="cm"/>
+      <inkml:brushProperty name="height" value="0.4" units="cm"/>
+      <inkml:brushProperty name="color" value="#FFFC00"/>
+      <inkml:brushProperty name="tip" value="rectangle"/>
+      <inkml:brushProperty name="rasterOp" value="maskPen"/>
+      <inkml:brushProperty name="ignorePressure" value="1"/>
+    </inkml:brush>
+  </inkml:definitions>
+  <inkml:trace contextRef="#ctx0" brushRef="#br0">1 0,'42'0,"225"10,-197-6,116-6,-147 0,245-8,-57 10,-216 0</inkml:trace>
+</inkml:ink>
+</file>
+
+<file path=ppt/ink/ink33.xml><?xml version="1.0" encoding="utf-8"?>
+<inkml:ink xmlns:inkml="http://www.w3.org/2003/InkML">
+  <inkml:definitions>
+    <inkml:context xml:id="ctx0">
+      <inkml:inkSource xml:id="inkSrc0">
+        <inkml:traceFormat>
+          <inkml:channel name="X" type="integer" min="-2.14748E9" max="2.14748E9" units="cm"/>
+          <inkml:channel name="Y" type="integer" min="-2.14748E9" max="2.14748E9" units="cm"/>
+        </inkml:traceFormat>
+        <inkml:channelProperties>
+          <inkml:channelProperty channel="X" name="resolution" value="1000" units="1/cm"/>
+          <inkml:channelProperty channel="Y" name="resolution" value="1000" units="1/cm"/>
+        </inkml:channelProperties>
+      </inkml:inkSource>
+      <inkml:timestamp xml:id="ts0" timeString="2021-10-05T15:09:45.842"/>
+    </inkml:context>
+    <inkml:brush xml:id="br0">
+      <inkml:brushProperty name="width" value="0.2" units="cm"/>
+      <inkml:brushProperty name="height" value="0.4" units="cm"/>
+      <inkml:brushProperty name="color" value="#FFFC00"/>
+      <inkml:brushProperty name="tip" value="rectangle"/>
+      <inkml:brushProperty name="rasterOp" value="maskPen"/>
+      <inkml:brushProperty name="ignorePressure" value="1"/>
+    </inkml:brush>
+  </inkml:definitions>
+  <inkml:trace contextRef="#ctx0" brushRef="#br0">0 40,'195'1,"236"-3,-2-25,28 16,-291 13,-110-3,2 0,-1 2,99 16,-128-13,0-1,49-1,-64-2</inkml:trace>
+</inkml:ink>
+</file>
+
+<file path=ppt/ink/ink34.xml><?xml version="1.0" encoding="utf-8"?>
+<inkml:ink xmlns:inkml="http://www.w3.org/2003/InkML">
+  <inkml:definitions>
+    <inkml:context xml:id="ctx0">
+      <inkml:inkSource xml:id="inkSrc0">
+        <inkml:traceFormat>
+          <inkml:channel name="X" type="integer" min="-2.14748E9" max="2.14748E9" units="cm"/>
+          <inkml:channel name="Y" type="integer" min="-2.14748E9" max="2.14748E9" units="cm"/>
+        </inkml:traceFormat>
+        <inkml:channelProperties>
+          <inkml:channelProperty channel="X" name="resolution" value="1000" units="1/cm"/>
+          <inkml:channelProperty channel="Y" name="resolution" value="1000" units="1/cm"/>
+        </inkml:channelProperties>
+      </inkml:inkSource>
+      <inkml:timestamp xml:id="ts0" timeString="2021-10-05T15:09:47.716"/>
+    </inkml:context>
+    <inkml:brush xml:id="br0">
+      <inkml:brushProperty name="width" value="0.2" units="cm"/>
+      <inkml:brushProperty name="height" value="0.4" units="cm"/>
+      <inkml:brushProperty name="color" value="#FFFC00"/>
+      <inkml:brushProperty name="tip" value="rectangle"/>
+      <inkml:brushProperty name="rasterOp" value="maskPen"/>
+      <inkml:brushProperty name="ignorePressure" value="1"/>
+    </inkml:brush>
+  </inkml:definitions>
+  <inkml:trace contextRef="#ctx0" brushRef="#br0">0 1,'231'19,"-164"-11,99 1,-99-7,116 11,-114-9,125 4,-81-9,-103 1</inkml:trace>
+</inkml:ink>
+</file>
+
+<file path=ppt/ink/ink35.xml><?xml version="1.0" encoding="utf-8"?>
+<inkml:ink xmlns:inkml="http://www.w3.org/2003/InkML">
+  <inkml:definitions>
+    <inkml:context xml:id="ctx0">
+      <inkml:inkSource xml:id="inkSrc0">
+        <inkml:traceFormat>
+          <inkml:channel name="X" type="integer" min="-2.14748E9" max="2.14748E9" units="cm"/>
+          <inkml:channel name="Y" type="integer" min="-2.14748E9" max="2.14748E9" units="cm"/>
+        </inkml:traceFormat>
+        <inkml:channelProperties>
+          <inkml:channelProperty channel="X" name="resolution" value="1000" units="1/cm"/>
+          <inkml:channelProperty channel="Y" name="resolution" value="1000" units="1/cm"/>
+        </inkml:channelProperties>
+      </inkml:inkSource>
+      <inkml:timestamp xml:id="ts0" timeString="2021-10-05T15:09:57.505"/>
+    </inkml:context>
+    <inkml:brush xml:id="br0">
+      <inkml:brushProperty name="width" value="0.2" units="cm"/>
+      <inkml:brushProperty name="height" value="0.4" units="cm"/>
+      <inkml:brushProperty name="color" value="#FF40FF"/>
+      <inkml:brushProperty name="tip" value="rectangle"/>
+      <inkml:brushProperty name="rasterOp" value="maskPen"/>
+      <inkml:brushProperty name="ignorePressure" value="1"/>
+    </inkml:brush>
+  </inkml:definitions>
+  <inkml:trace contextRef="#ctx0" brushRef="#br0">0 0,'1467'0,"-1390"7,-51-4,28 1,237-5,-191 14,38-13,-128 0</inkml:trace>
+</inkml:ink>
+</file>
+
+<file path=ppt/ink/ink36.xml><?xml version="1.0" encoding="utf-8"?>
+<inkml:ink xmlns:inkml="http://www.w3.org/2003/InkML">
+  <inkml:definitions>
+    <inkml:context xml:id="ctx0">
+      <inkml:inkSource xml:id="inkSrc0">
+        <inkml:traceFormat>
+          <inkml:channel name="X" type="integer" min="-2.14748E9" max="2.14748E9" units="cm"/>
+          <inkml:channel name="Y" type="integer" min="-2.14748E9" max="2.14748E9" units="cm"/>
+        </inkml:traceFormat>
+        <inkml:channelProperties>
+          <inkml:channelProperty channel="X" name="resolution" value="1000" units="1/cm"/>
+          <inkml:channelProperty channel="Y" name="resolution" value="1000" units="1/cm"/>
+        </inkml:channelProperties>
+      </inkml:inkSource>
+      <inkml:timestamp xml:id="ts0" timeString="2021-10-05T15:10:00.152"/>
+    </inkml:context>
+    <inkml:brush xml:id="br0">
+      <inkml:brushProperty name="width" value="0.2" units="cm"/>
+      <inkml:brushProperty name="height" value="0.4" units="cm"/>
+      <inkml:brushProperty name="color" value="#FF40FF"/>
+      <inkml:brushProperty name="tip" value="rectangle"/>
+      <inkml:brushProperty name="rasterOp" value="maskPen"/>
+      <inkml:brushProperty name="ignorePressure" value="1"/>
+    </inkml:brush>
+  </inkml:definitions>
+  <inkml:trace contextRef="#ctx0" brushRef="#br0">0 0,'195'10,"-189"-9,195 13,463-14,-653 0</inkml:trace>
+</inkml:ink>
+</file>
+
+<file path=ppt/ink/ink37.xml><?xml version="1.0" encoding="utf-8"?>
+<inkml:ink xmlns:inkml="http://www.w3.org/2003/InkML">
+  <inkml:definitions>
+    <inkml:context xml:id="ctx0">
+      <inkml:inkSource xml:id="inkSrc0">
+        <inkml:traceFormat>
+          <inkml:channel name="X" type="integer" min="-2.14748E9" max="2.14748E9" units="cm"/>
+          <inkml:channel name="Y" type="integer" min="-2.14748E9" max="2.14748E9" units="cm"/>
+        </inkml:traceFormat>
+        <inkml:channelProperties>
+          <inkml:channelProperty channel="X" name="resolution" value="1000" units="1/cm"/>
+          <inkml:channelProperty channel="Y" name="resolution" value="1000" units="1/cm"/>
+        </inkml:channelProperties>
+      </inkml:inkSource>
+      <inkml:timestamp xml:id="ts0" timeString="2021-10-05T15:10:03.089"/>
+    </inkml:context>
+    <inkml:brush xml:id="br0">
+      <inkml:brushProperty name="width" value="0.2" units="cm"/>
+      <inkml:brushProperty name="height" value="0.4" units="cm"/>
+      <inkml:brushProperty name="color" value="#FF40FF"/>
+      <inkml:brushProperty name="tip" value="rectangle"/>
+      <inkml:brushProperty name="rasterOp" value="maskPen"/>
+      <inkml:brushProperty name="ignorePressure" value="1"/>
+    </inkml:brush>
+  </inkml:definitions>
+  <inkml:trace contextRef="#ctx0" brushRef="#br0">0 0,'1116'0,"-1105"0</inkml:trace>
+</inkml:ink>
+</file>
+
+<file path=ppt/ink/ink38.xml><?xml version="1.0" encoding="utf-8"?>
+<inkml:ink xmlns:inkml="http://www.w3.org/2003/InkML">
+  <inkml:definitions>
+    <inkml:context xml:id="ctx0">
+      <inkml:inkSource xml:id="inkSrc0">
+        <inkml:traceFormat>
+          <inkml:channel name="X" type="integer" min="-2.14748E9" max="2.14748E9" units="cm"/>
+          <inkml:channel name="Y" type="integer" min="-2.14748E9" max="2.14748E9" units="cm"/>
+        </inkml:traceFormat>
+        <inkml:channelProperties>
+          <inkml:channelProperty channel="X" name="resolution" value="1000" units="1/cm"/>
+          <inkml:channelProperty channel="Y" name="resolution" value="1000" units="1/cm"/>
+        </inkml:channelProperties>
+      </inkml:inkSource>
+      <inkml:timestamp xml:id="ts0" timeString="2021-10-05T15:10:05.144"/>
+    </inkml:context>
+    <inkml:brush xml:id="br0">
+      <inkml:brushProperty name="width" value="0.2" units="cm"/>
+      <inkml:brushProperty name="height" value="0.4" units="cm"/>
+      <inkml:brushProperty name="color" value="#FF40FF"/>
+      <inkml:brushProperty name="tip" value="rectangle"/>
+      <inkml:brushProperty name="rasterOp" value="maskPen"/>
+      <inkml:brushProperty name="ignorePressure" value="1"/>
+    </inkml:brush>
+  </inkml:definitions>
+  <inkml:trace contextRef="#ctx0" brushRef="#br0">1 1,'1039'0,"-1028"0</inkml:trace>
+</inkml:ink>
+</file>
+
+<file path=ppt/ink/ink39.xml><?xml version="1.0" encoding="utf-8"?>
+<inkml:ink xmlns:inkml="http://www.w3.org/2003/InkML">
+  <inkml:definitions>
+    <inkml:context xml:id="ctx0">
+      <inkml:inkSource xml:id="inkSrc0">
+        <inkml:traceFormat>
+          <inkml:channel name="X" type="integer" min="-2.14748E9" max="2.14748E9" units="cm"/>
+          <inkml:channel name="Y" type="integer" min="-2.14748E9" max="2.14748E9" units="cm"/>
+        </inkml:traceFormat>
+        <inkml:channelProperties>
+          <inkml:channelProperty channel="X" name="resolution" value="1000" units="1/cm"/>
+          <inkml:channelProperty channel="Y" name="resolution" value="1000" units="1/cm"/>
+        </inkml:channelProperties>
+      </inkml:inkSource>
+      <inkml:timestamp xml:id="ts0" timeString="2021-10-05T15:11:18.192"/>
+    </inkml:context>
+    <inkml:brush xml:id="br0">
+      <inkml:brushProperty name="width" value="0.2" units="cm"/>
+      <inkml:brushProperty name="height" value="0.4" units="cm"/>
+      <inkml:brushProperty name="color" value="#FFFC00"/>
+      <inkml:brushProperty name="tip" value="rectangle"/>
+      <inkml:brushProperty name="rasterOp" value="maskPen"/>
+      <inkml:brushProperty name="ignorePressure" value="1"/>
+    </inkml:brush>
+  </inkml:definitions>
+  <inkml:trace contextRef="#ctx0" brushRef="#br0">0 223,'436'-1,"470"2,-669 5,88 1,4 17,-65 0,-173-22,-30-2,113 16,35 18,2-9,292-3,179-49,-673 26,257-6,-83 3,-182 4,-1 1,1-1,-1 0,1 0,-1 0,1 0,-1 0,1 0,-1 0,1 0,-1 0,1 0,-1 0,0 0,1 0,-1 0,1 0,-1-1,1 1,-1 0,1 0,-1-1,0 1,1 0,-1 0,0-1,1 1,-1 0,0-1,1 1,-1 0,1-1,-15-9,-27-5,41 15,-39-15,2-2,-62-36,-18-10,42 31,-2 4,-93-23,120 42,-1 3,0 1,-102 5,77 2,-637-1,701-1,-6 0,1 0,0 1,0 1,-17 4,33-6,1 0,-1 0,1 1,-1-1,0 0,1 0,-1 0,1 0,-1 0,0 1,1-1,-1 0,1 1,-1-1,1 0,-1 1,1-1,-1 0,1 1,0-1,-1 1,1-1,0 1,-1-1,1 1,0-1,-1 1,1-1,0 1,0 0,0-1,-1 1,1-1,0 2,1-1,0 1,0-1,-1 0,1 0,0 0,1 1,-1-1,0 0,0-1,0 1,0 0,1 0,1 1,13 6,0-1,1 0,0-1,34 7,80 8,-98-17,141 14,0-7,208-14,343-64,-704 64,1 0,1 1,35 1,-57 1,1 0,-1 0,1 0,0 1,-1-1,1 0,0 1,-1-1,1 1,-1 0,1-1,-1 1,0 0,1 0,-1 0,2 1,-2-1,-1 0,1 0,-1 0,0-1,1 1,-1 0,0 0,1 0,-1 0,0 0,0 0,0 0,0 0,0 0,0-1,0 1,0 0,0 0,-1 0,1 0,-1 1,-1 3,0 0,-1 0,0-1,0 1,0-1,-1 0,1 0,-7 6,-23 16,-1 0,-61 33,-5 5,-99 96,129-101,57-49,-1-1,-1-1,0 0,0-1,0 0,-1-1,0-1,0-1,-1 0,-27 2,27-5,0-1,0-1,0-1,-32-7,12 2,-24-3,15 1,-86-3,-88 6,-75 0,-2 7,-912-11,1077 5,-326-5,-543 10,1000 0,-1 0,0 0,0 0,1 0,-1 0,0 0,1-1,-1 1,0-1,1 1,-1-1,1 0,-1 1,1-1,-1 0,1 0,-2-2,1 1,1 0,0 0,0 0,0 0,0 0,0 0,1 0,-1 0,1 0,-1-1,1 1,0-4,-8-190,6 121,0 26,0 19,1 0,6-52,-5 81,1-1,-1 0,1 1,0-1,-1 0,1 1,0-1,0 1,0-1,0 1,1-1,-1 1,0 0,0-1,1 1,-1 0,1 0,-1 0,1 0,0 0,-1 1,1-1,0 0,-1 1,1-1,0 1,0 0,-1 0,1-1,0 1,3 1,7-1,0 0,1 1,18 5,-17-4,75 10,135 1,90-19,-216 2,268-16,147-2,1202 23,-1702-1</inkml:trace>
+</inkml:ink>
+</file>
+
+<file path=ppt/ink/ink4.xml><?xml version="1.0" encoding="utf-8"?>
+<inkml:ink xmlns:inkml="http://www.w3.org/2003/InkML">
+  <inkml:definitions>
+    <inkml:context xml:id="ctx0">
+      <inkml:inkSource xml:id="inkSrc0">
+        <inkml:traceFormat>
+          <inkml:channel name="X" type="integer" min="-2.14748E9" max="2.14748E9" units="cm"/>
+          <inkml:channel name="Y" type="integer" min="-2.14748E9" max="2.14748E9" units="cm"/>
+        </inkml:traceFormat>
+        <inkml:channelProperties>
+          <inkml:channelProperty channel="X" name="resolution" value="1000" units="1/cm"/>
+          <inkml:channelProperty channel="Y" name="resolution" value="1000" units="1/cm"/>
+        </inkml:channelProperties>
+      </inkml:inkSource>
+      <inkml:timestamp xml:id="ts0" timeString="2021-10-05T15:07:39.268"/>
+    </inkml:context>
+    <inkml:brush xml:id="br0">
+      <inkml:brushProperty name="width" value="0.2" units="cm"/>
+      <inkml:brushProperty name="height" value="0.4" units="cm"/>
+      <inkml:brushProperty name="color" value="#FFFC00"/>
+      <inkml:brushProperty name="tip" value="rectangle"/>
+      <inkml:brushProperty name="rasterOp" value="maskPen"/>
+      <inkml:brushProperty name="ignorePressure" value="1"/>
+    </inkml:brush>
+  </inkml:definitions>
+  <inkml:trace contextRef="#ctx0" brushRef="#br0">1 1,'1001'0,"-990"0</inkml:trace>
+</inkml:ink>
+</file>
+
+<file path=ppt/ink/ink40.xml><?xml version="1.0" encoding="utf-8"?>
+<inkml:ink xmlns:inkml="http://www.w3.org/2003/InkML">
+  <inkml:definitions>
+    <inkml:context xml:id="ctx0">
+      <inkml:inkSource xml:id="inkSrc0">
+        <inkml:traceFormat>
+          <inkml:channel name="X" type="integer" min="-2.14748E9" max="2.14748E9" units="cm"/>
+          <inkml:channel name="Y" type="integer" min="-2.14748E9" max="2.14748E9" units="cm"/>
+        </inkml:traceFormat>
+        <inkml:channelProperties>
+          <inkml:channelProperty channel="X" name="resolution" value="1000" units="1/cm"/>
+          <inkml:channelProperty channel="Y" name="resolution" value="1000" units="1/cm"/>
+        </inkml:channelProperties>
+      </inkml:inkSource>
+      <inkml:timestamp xml:id="ts0" timeString="2021-10-05T15:11:19.576"/>
+    </inkml:context>
+    <inkml:brush xml:id="br0">
+      <inkml:brushProperty name="width" value="0.2" units="cm"/>
+      <inkml:brushProperty name="height" value="0.4" units="cm"/>
+      <inkml:brushProperty name="color" value="#FFFC00"/>
+      <inkml:brushProperty name="tip" value="rectangle"/>
+      <inkml:brushProperty name="rasterOp" value="maskPen"/>
+      <inkml:brushProperty name="ignorePressure" value="1"/>
+    </inkml:brush>
+  </inkml:definitions>
+  <inkml:trace contextRef="#ctx0" brushRef="#br0">0 38,'865'-18,"337"-2,-945 21,-215-1</inkml:trace>
+</inkml:ink>
+</file>
+
+<file path=ppt/ink/ink5.xml><?xml version="1.0" encoding="utf-8"?>
+<inkml:ink xmlns:inkml="http://www.w3.org/2003/InkML">
+  <inkml:definitions>
+    <inkml:context xml:id="ctx0">
+      <inkml:inkSource xml:id="inkSrc0">
+        <inkml:traceFormat>
+          <inkml:channel name="X" type="integer" min="-2.14748E9" max="2.14748E9" units="cm"/>
+          <inkml:channel name="Y" type="integer" min="-2.14748E9" max="2.14748E9" units="cm"/>
+        </inkml:traceFormat>
+        <inkml:channelProperties>
+          <inkml:channelProperty channel="X" name="resolution" value="1000" units="1/cm"/>
+          <inkml:channelProperty channel="Y" name="resolution" value="1000" units="1/cm"/>
+        </inkml:channelProperties>
+      </inkml:inkSource>
+      <inkml:timestamp xml:id="ts0" timeString="2021-10-05T15:07:44.447"/>
+    </inkml:context>
+    <inkml:brush xml:id="br0">
+      <inkml:brushProperty name="width" value="0.2" units="cm"/>
+      <inkml:brushProperty name="height" value="0.4" units="cm"/>
+      <inkml:brushProperty name="color" value="#FFFC00"/>
+      <inkml:brushProperty name="tip" value="rectangle"/>
+      <inkml:brushProperty name="rasterOp" value="maskPen"/>
+      <inkml:brushProperty name="ignorePressure" value="1"/>
+    </inkml:brush>
+  </inkml:definitions>
+  <inkml:trace contextRef="#ctx0" brushRef="#br0">0 14,'349'0,"-225"-13,376 13,-340 7,12-1,-156-6,4 0,0 0,0 1,32 6,-13 0,0-1,48 0,83-6,-66-2,89 2,-183 0</inkml:trace>
+</inkml:ink>
+</file>
+
+<file path=ppt/ink/ink6.xml><?xml version="1.0" encoding="utf-8"?>
+<inkml:ink xmlns:inkml="http://www.w3.org/2003/InkML">
+  <inkml:definitions>
+    <inkml:context xml:id="ctx0">
+      <inkml:inkSource xml:id="inkSrc0">
+        <inkml:traceFormat>
+          <inkml:channel name="X" type="integer" min="-2.14748E9" max="2.14748E9" units="cm"/>
+          <inkml:channel name="Y" type="integer" min="-2.14748E9" max="2.14748E9" units="cm"/>
+        </inkml:traceFormat>
+        <inkml:channelProperties>
+          <inkml:channelProperty channel="X" name="resolution" value="1000" units="1/cm"/>
+          <inkml:channelProperty channel="Y" name="resolution" value="1000" units="1/cm"/>
+        </inkml:channelProperties>
+      </inkml:inkSource>
+      <inkml:timestamp xml:id="ts0" timeString="2021-10-05T15:07:47.273"/>
+    </inkml:context>
+    <inkml:brush xml:id="br0">
+      <inkml:brushProperty name="width" value="0.2" units="cm"/>
+      <inkml:brushProperty name="height" value="0.4" units="cm"/>
+      <inkml:brushProperty name="color" value="#FFFC00"/>
+      <inkml:brushProperty name="tip" value="rectangle"/>
+      <inkml:brushProperty name="rasterOp" value="maskPen"/>
+      <inkml:brushProperty name="ignorePressure" value="1"/>
+    </inkml:brush>
+  </inkml:definitions>
+  <inkml:trace contextRef="#ctx0" brushRef="#br0">0 1,'964'0,"-953"0,-1 1,0 1,0 0,0 0,12 5,-14-3</inkml:trace>
+</inkml:ink>
+</file>
+
+<file path=ppt/ink/ink7.xml><?xml version="1.0" encoding="utf-8"?>
+<inkml:ink xmlns:inkml="http://www.w3.org/2003/InkML">
+  <inkml:definitions>
+    <inkml:context xml:id="ctx0">
+      <inkml:inkSource xml:id="inkSrc0">
+        <inkml:traceFormat>
+          <inkml:channel name="X" type="integer" min="-2.14748E9" max="2.14748E9" units="cm"/>
+          <inkml:channel name="Y" type="integer" min="-2.14748E9" max="2.14748E9" units="cm"/>
+        </inkml:traceFormat>
+        <inkml:channelProperties>
+          <inkml:channelProperty channel="X" name="resolution" value="1000" units="1/cm"/>
+          <inkml:channelProperty channel="Y" name="resolution" value="1000" units="1/cm"/>
+        </inkml:channelProperties>
+      </inkml:inkSource>
+      <inkml:timestamp xml:id="ts0" timeString="2021-10-05T15:07:52.020"/>
+    </inkml:context>
+    <inkml:brush xml:id="br0">
+      <inkml:brushProperty name="width" value="0.2" units="cm"/>
+      <inkml:brushProperty name="height" value="0.4" units="cm"/>
+      <inkml:brushProperty name="color" value="#FFFC00"/>
+      <inkml:brushProperty name="tip" value="rectangle"/>
+      <inkml:brushProperty name="rasterOp" value="maskPen"/>
+      <inkml:brushProperty name="ignorePressure" value="1"/>
+    </inkml:brush>
+  </inkml:definitions>
+  <inkml:trace contextRef="#ctx0" brushRef="#br0">0 1,'2115'0,"-2104"0</inkml:trace>
+</inkml:ink>
+</file>
+
+<file path=ppt/ink/ink8.xml><?xml version="1.0" encoding="utf-8"?>
+<inkml:ink xmlns:inkml="http://www.w3.org/2003/InkML">
+  <inkml:definitions>
+    <inkml:context xml:id="ctx0">
+      <inkml:inkSource xml:id="inkSrc0">
+        <inkml:traceFormat>
+          <inkml:channel name="X" type="integer" min="-2.14748E9" max="2.14748E9" units="cm"/>
+          <inkml:channel name="Y" type="integer" min="-2.14748E9" max="2.14748E9" units="cm"/>
+        </inkml:traceFormat>
+        <inkml:channelProperties>
+          <inkml:channelProperty channel="X" name="resolution" value="1000" units="1/cm"/>
+          <inkml:channelProperty channel="Y" name="resolution" value="1000" units="1/cm"/>
+        </inkml:channelProperties>
+      </inkml:inkSource>
+      <inkml:timestamp xml:id="ts0" timeString="2021-10-05T15:07:55.009"/>
+    </inkml:context>
+    <inkml:brush xml:id="br0">
+      <inkml:brushProperty name="width" value="0.2" units="cm"/>
+      <inkml:brushProperty name="height" value="0.4" units="cm"/>
+      <inkml:brushProperty name="color" value="#FFFC00"/>
+      <inkml:brushProperty name="tip" value="rectangle"/>
+      <inkml:brushProperty name="rasterOp" value="maskPen"/>
+      <inkml:brushProperty name="ignorePressure" value="1"/>
+    </inkml:brush>
+  </inkml:definitions>
+  <inkml:trace contextRef="#ctx0" brushRef="#br0">1 0,'100'13,"448"-11,-268-4,-228 2,70 9,-98-6,-13-3</inkml:trace>
+</inkml:ink>
+</file>
+
+<file path=ppt/ink/ink9.xml><?xml version="1.0" encoding="utf-8"?>
+<inkml:ink xmlns:inkml="http://www.w3.org/2003/InkML">
+  <inkml:definitions>
+    <inkml:context xml:id="ctx0">
+      <inkml:inkSource xml:id="inkSrc0">
+        <inkml:traceFormat>
+          <inkml:channel name="X" type="integer" min="-2.14748E9" max="2.14748E9" units="cm"/>
+          <inkml:channel name="Y" type="integer" min="-2.14748E9" max="2.14748E9" units="cm"/>
+        </inkml:traceFormat>
+        <inkml:channelProperties>
+          <inkml:channelProperty channel="X" name="resolution" value="1000" units="1/cm"/>
+          <inkml:channelProperty channel="Y" name="resolution" value="1000" units="1/cm"/>
+        </inkml:channelProperties>
+      </inkml:inkSource>
+      <inkml:timestamp xml:id="ts0" timeString="2021-10-05T15:08:02.703"/>
+    </inkml:context>
+    <inkml:brush xml:id="br0">
+      <inkml:brushProperty name="width" value="0.2" units="cm"/>
+      <inkml:brushProperty name="height" value="0.4" units="cm"/>
+      <inkml:brushProperty name="color" value="#FFFC00"/>
+      <inkml:brushProperty name="tip" value="rectangle"/>
+      <inkml:brushProperty name="rasterOp" value="maskPen"/>
+      <inkml:brushProperty name="ignorePressure" value="1"/>
+    </inkml:brush>
+  </inkml:definitions>
+  <inkml:trace contextRef="#ctx0" brushRef="#br0">0 1,'147'13,"-100"-7,61 0,-64-5,61 8,-45-5,96-4,-62-1,811 1,-854 6,-3 1,11-1,9 0,157-7,-215 1</inkml:trace>
+</inkml:ink>
 </file>
 
 <file path=ppt/slideLayouts/slideLayout1.xml><?xml version="1.0" encoding="utf-8"?>
@@ -257,7 +1439,7 @@
           <a:p>
             <a:fld id="{C529BFDE-C802-4A42-A1D2-96470B08F6BB}" type="datetimeFigureOut">
               <a:rPr lang="fr-FR" smtClean="0"/>
-              <a:t>16/09/2021</a:t>
+              <a:t>06/10/2021</a:t>
             </a:fld>
             <a:endParaRPr lang="fr-FR"/>
           </a:p>
@@ -455,7 +1637,7 @@
           <a:p>
             <a:fld id="{C529BFDE-C802-4A42-A1D2-96470B08F6BB}" type="datetimeFigureOut">
               <a:rPr lang="fr-FR" smtClean="0"/>
-              <a:t>16/09/2021</a:t>
+              <a:t>06/10/2021</a:t>
             </a:fld>
             <a:endParaRPr lang="fr-FR"/>
           </a:p>
@@ -663,7 +1845,7 @@
           <a:p>
             <a:fld id="{C529BFDE-C802-4A42-A1D2-96470B08F6BB}" type="datetimeFigureOut">
               <a:rPr lang="fr-FR" smtClean="0"/>
-              <a:t>16/09/2021</a:t>
+              <a:t>06/10/2021</a:t>
             </a:fld>
             <a:endParaRPr lang="fr-FR"/>
           </a:p>
@@ -861,7 +2043,7 @@
           <a:p>
             <a:fld id="{C529BFDE-C802-4A42-A1D2-96470B08F6BB}" type="datetimeFigureOut">
               <a:rPr lang="fr-FR" smtClean="0"/>
-              <a:t>16/09/2021</a:t>
+              <a:t>06/10/2021</a:t>
             </a:fld>
             <a:endParaRPr lang="fr-FR"/>
           </a:p>
@@ -1136,7 +2318,7 @@
           <a:p>
             <a:fld id="{C529BFDE-C802-4A42-A1D2-96470B08F6BB}" type="datetimeFigureOut">
               <a:rPr lang="fr-FR" smtClean="0"/>
-              <a:t>16/09/2021</a:t>
+              <a:t>06/10/2021</a:t>
             </a:fld>
             <a:endParaRPr lang="fr-FR"/>
           </a:p>
@@ -1401,7 +2583,7 @@
           <a:p>
             <a:fld id="{C529BFDE-C802-4A42-A1D2-96470B08F6BB}" type="datetimeFigureOut">
               <a:rPr lang="fr-FR" smtClean="0"/>
-              <a:t>16/09/2021</a:t>
+              <a:t>06/10/2021</a:t>
             </a:fld>
             <a:endParaRPr lang="fr-FR"/>
           </a:p>
@@ -1813,7 +2995,7 @@
           <a:p>
             <a:fld id="{C529BFDE-C802-4A42-A1D2-96470B08F6BB}" type="datetimeFigureOut">
               <a:rPr lang="fr-FR" smtClean="0"/>
-              <a:t>16/09/2021</a:t>
+              <a:t>06/10/2021</a:t>
             </a:fld>
             <a:endParaRPr lang="fr-FR"/>
           </a:p>
@@ -1954,7 +3136,7 @@
           <a:p>
             <a:fld id="{C529BFDE-C802-4A42-A1D2-96470B08F6BB}" type="datetimeFigureOut">
               <a:rPr lang="fr-FR" smtClean="0"/>
-              <a:t>16/09/2021</a:t>
+              <a:t>06/10/2021</a:t>
             </a:fld>
             <a:endParaRPr lang="fr-FR"/>
           </a:p>
@@ -2067,7 +3249,7 @@
           <a:p>
             <a:fld id="{C529BFDE-C802-4A42-A1D2-96470B08F6BB}" type="datetimeFigureOut">
               <a:rPr lang="fr-FR" smtClean="0"/>
-              <a:t>16/09/2021</a:t>
+              <a:t>06/10/2021</a:t>
             </a:fld>
             <a:endParaRPr lang="fr-FR"/>
           </a:p>
@@ -2378,7 +3560,7 @@
           <a:p>
             <a:fld id="{C529BFDE-C802-4A42-A1D2-96470B08F6BB}" type="datetimeFigureOut">
               <a:rPr lang="fr-FR" smtClean="0"/>
-              <a:t>16/09/2021</a:t>
+              <a:t>06/10/2021</a:t>
             </a:fld>
             <a:endParaRPr lang="fr-FR"/>
           </a:p>
@@ -2666,7 +3848,7 @@
           <a:p>
             <a:fld id="{C529BFDE-C802-4A42-A1D2-96470B08F6BB}" type="datetimeFigureOut">
               <a:rPr lang="fr-FR" smtClean="0"/>
-              <a:t>16/09/2021</a:t>
+              <a:t>06/10/2021</a:t>
             </a:fld>
             <a:endParaRPr lang="fr-FR"/>
           </a:p>
@@ -2907,7 +4089,7 @@
           <a:p>
             <a:fld id="{C529BFDE-C802-4A42-A1D2-96470B08F6BB}" type="datetimeFigureOut">
               <a:rPr lang="fr-FR" smtClean="0"/>
-              <a:t>16/09/2021</a:t>
+              <a:t>06/10/2021</a:t>
             </a:fld>
             <a:endParaRPr lang="fr-FR"/>
           </a:p>
@@ -3368,7 +4550,7 @@
                 </a:solidFill>
                 <a:latin typeface="Amasis MT Pro" panose="02040504050005020304" pitchFamily="18" charset="0"/>
               </a:rPr>
-              <a:t>1.Analyse de l’algorithme de force brute</a:t>
+              <a:t>1. Analyse de l’algorithme de force brute</a:t>
             </a:r>
           </a:p>
         </p:txBody>
@@ -4219,7 +5401,7 @@
                 </a:solidFill>
                 <a:latin typeface="Amasis MT Pro" panose="02040504050005020304" pitchFamily="18" charset="0"/>
               </a:rPr>
-              <a:t>2, Version optimisée de l’algorithme</a:t>
+              <a:t>2. Version optimisée de l’algorithme</a:t>
             </a:r>
           </a:p>
         </p:txBody>
@@ -4849,7 +6031,7 @@
                 </a:solidFill>
                 <a:latin typeface="Amasis MT Pro" panose="02040504050005020304" pitchFamily="18" charset="0"/>
               </a:rPr>
-              <a:t>2, Version optimisée de l’algorithme</a:t>
+              <a:t>2. Version optimisée de l’algorithme</a:t>
             </a:r>
           </a:p>
         </p:txBody>
@@ -5476,6 +6658,4110 @@
     <p:extLst>
       <p:ext uri="{BB962C8B-B14F-4D97-AF65-F5344CB8AC3E}">
         <p14:creationId xmlns:p14="http://schemas.microsoft.com/office/powerpoint/2010/main" val="1252000742"/>
+      </p:ext>
+    </p:extLst>
+  </p:cSld>
+  <p:clrMapOvr>
+    <a:masterClrMapping/>
+  </p:clrMapOvr>
+</p:sld>
+</file>
+
+<file path=ppt/slides/slide5.xml><?xml version="1.0" encoding="utf-8"?>
+<p:sld xmlns:a="http://schemas.openxmlformats.org/drawingml/2006/main" xmlns:r="http://schemas.openxmlformats.org/officeDocument/2006/relationships" xmlns:p="http://schemas.openxmlformats.org/presentationml/2006/main">
+  <p:cSld>
+    <p:bg>
+      <p:bgPr>
+        <a:solidFill>
+          <a:srgbClr val="1E1E1E"/>
+        </a:solidFill>
+        <a:effectLst/>
+      </p:bgPr>
+    </p:bg>
+    <p:spTree>
+      <p:nvGrpSpPr>
+        <p:cNvPr id="1" name=""/>
+        <p:cNvGrpSpPr/>
+        <p:nvPr/>
+      </p:nvGrpSpPr>
+      <p:grpSpPr>
+        <a:xfrm>
+          <a:off x="0" y="0"/>
+          <a:ext cx="0" cy="0"/>
+          <a:chOff x="0" y="0"/>
+          <a:chExt cx="0" cy="0"/>
+        </a:xfrm>
+      </p:grpSpPr>
+      <p:pic>
+        <p:nvPicPr>
+          <p:cNvPr id="5" name="Image 4">
+            <a:extLst>
+              <a:ext uri="{FF2B5EF4-FFF2-40B4-BE49-F238E27FC236}">
+                <a16:creationId xmlns:a16="http://schemas.microsoft.com/office/drawing/2014/main" id="{DB6493F2-92A2-4E75-BF76-341766E2B164}"/>
+              </a:ext>
+            </a:extLst>
+          </p:cNvPr>
+          <p:cNvPicPr>
+            <a:picLocks noChangeAspect="1"/>
+          </p:cNvPicPr>
+          <p:nvPr/>
+        </p:nvPicPr>
+        <p:blipFill>
+          <a:blip r:embed="rId2"/>
+          <a:stretch>
+            <a:fillRect/>
+          </a:stretch>
+        </p:blipFill>
+        <p:spPr>
+          <a:xfrm>
+            <a:off x="3404725" y="699686"/>
+            <a:ext cx="5382546" cy="5654261"/>
+          </a:xfrm>
+          <a:prstGeom prst="rect">
+            <a:avLst/>
+          </a:prstGeom>
+        </p:spPr>
+      </p:pic>
+      <p:sp>
+        <p:nvSpPr>
+          <p:cNvPr id="18" name="ZoneTexte 17">
+            <a:extLst>
+              <a:ext uri="{FF2B5EF4-FFF2-40B4-BE49-F238E27FC236}">
+                <a16:creationId xmlns:a16="http://schemas.microsoft.com/office/drawing/2014/main" id="{0D09D9DD-F6FC-45D8-8862-B735849B981A}"/>
+              </a:ext>
+            </a:extLst>
+          </p:cNvPr>
+          <p:cNvSpPr txBox="1"/>
+          <p:nvPr/>
+        </p:nvSpPr>
+        <p:spPr>
+          <a:xfrm>
+            <a:off x="1099929" y="113674"/>
+            <a:ext cx="9992139" cy="523220"/>
+          </a:xfrm>
+          <a:prstGeom prst="rect">
+            <a:avLst/>
+          </a:prstGeom>
+          <a:noFill/>
+        </p:spPr>
+        <p:txBody>
+          <a:bodyPr wrap="square" rtlCol="0">
+            <a:spAutoFit/>
+          </a:bodyPr>
+          <a:lstStyle/>
+          <a:p>
+            <a:pPr algn="ctr"/>
+            <a:r>
+              <a:rPr lang="fr-FR" sz="2800" u="sng" dirty="0">
+                <a:solidFill>
+                  <a:schemeClr val="bg1"/>
+                </a:solidFill>
+                <a:latin typeface="Amasis MT Pro" panose="02040504050005020304" pitchFamily="18" charset="0"/>
+              </a:rPr>
+              <a:t>3. Version </a:t>
+            </a:r>
+            <a:r>
+              <a:rPr lang="fr-FR" sz="2800" u="sng" dirty="0" err="1">
+                <a:solidFill>
+                  <a:schemeClr val="bg1"/>
+                </a:solidFill>
+                <a:latin typeface="Amasis MT Pro" panose="02040504050005020304" pitchFamily="18" charset="0"/>
+              </a:rPr>
+              <a:t>bruteforce</a:t>
+            </a:r>
+            <a:r>
+              <a:rPr lang="fr-FR" sz="2800" u="sng" dirty="0">
+                <a:solidFill>
+                  <a:schemeClr val="bg1"/>
+                </a:solidFill>
+                <a:latin typeface="Amasis MT Pro" panose="02040504050005020304" pitchFamily="18" charset="0"/>
+              </a:rPr>
+              <a:t> de l’algorithme</a:t>
+            </a:r>
+          </a:p>
+        </p:txBody>
+      </p:sp>
+      <p:sp>
+        <p:nvSpPr>
+          <p:cNvPr id="19" name="ZoneTexte 18">
+            <a:extLst>
+              <a:ext uri="{FF2B5EF4-FFF2-40B4-BE49-F238E27FC236}">
+                <a16:creationId xmlns:a16="http://schemas.microsoft.com/office/drawing/2014/main" id="{E19AD935-DCFA-4A79-8057-E6C47EB7000D}"/>
+              </a:ext>
+            </a:extLst>
+          </p:cNvPr>
+          <p:cNvSpPr txBox="1"/>
+          <p:nvPr/>
+        </p:nvSpPr>
+        <p:spPr>
+          <a:xfrm>
+            <a:off x="1099928" y="6353947"/>
+            <a:ext cx="9992139" cy="369332"/>
+          </a:xfrm>
+          <a:prstGeom prst="rect">
+            <a:avLst/>
+          </a:prstGeom>
+          <a:noFill/>
+        </p:spPr>
+        <p:txBody>
+          <a:bodyPr wrap="square" rtlCol="0">
+            <a:spAutoFit/>
+          </a:bodyPr>
+          <a:lstStyle/>
+          <a:p>
+            <a:pPr algn="ctr"/>
+            <a:r>
+              <a:rPr lang="fr-FR" u="sng" dirty="0">
+                <a:solidFill>
+                  <a:schemeClr val="bg1"/>
+                </a:solidFill>
+                <a:latin typeface="Amasis MT Pro" panose="02040504050005020304" pitchFamily="18" charset="0"/>
+              </a:rPr>
+              <a:t>Diagramme</a:t>
+            </a:r>
+          </a:p>
+        </p:txBody>
+      </p:sp>
+    </p:spTree>
+    <p:extLst>
+      <p:ext uri="{BB962C8B-B14F-4D97-AF65-F5344CB8AC3E}">
+        <p14:creationId xmlns:p14="http://schemas.microsoft.com/office/powerpoint/2010/main" val="422967753"/>
+      </p:ext>
+    </p:extLst>
+  </p:cSld>
+  <p:clrMapOvr>
+    <a:masterClrMapping/>
+  </p:clrMapOvr>
+</p:sld>
+</file>
+
+<file path=ppt/slides/slide6.xml><?xml version="1.0" encoding="utf-8"?>
+<p:sld xmlns:a="http://schemas.openxmlformats.org/drawingml/2006/main" xmlns:r="http://schemas.openxmlformats.org/officeDocument/2006/relationships" xmlns:p="http://schemas.openxmlformats.org/presentationml/2006/main">
+  <p:cSld>
+    <p:bg>
+      <p:bgPr>
+        <a:solidFill>
+          <a:srgbClr val="1E1E1E"/>
+        </a:solidFill>
+        <a:effectLst/>
+      </p:bgPr>
+    </p:bg>
+    <p:spTree>
+      <p:nvGrpSpPr>
+        <p:cNvPr id="1" name=""/>
+        <p:cNvGrpSpPr/>
+        <p:nvPr/>
+      </p:nvGrpSpPr>
+      <p:grpSpPr>
+        <a:xfrm>
+          <a:off x="0" y="0"/>
+          <a:ext cx="0" cy="0"/>
+          <a:chOff x="0" y="0"/>
+          <a:chExt cx="0" cy="0"/>
+        </a:xfrm>
+      </p:grpSpPr>
+      <p:pic>
+        <p:nvPicPr>
+          <p:cNvPr id="5" name="Image 4">
+            <a:extLst>
+              <a:ext uri="{FF2B5EF4-FFF2-40B4-BE49-F238E27FC236}">
+                <a16:creationId xmlns:a16="http://schemas.microsoft.com/office/drawing/2014/main" id="{DB6493F2-92A2-4E75-BF76-341766E2B164}"/>
+              </a:ext>
+            </a:extLst>
+          </p:cNvPr>
+          <p:cNvPicPr>
+            <a:picLocks noChangeAspect="1"/>
+          </p:cNvPicPr>
+          <p:nvPr/>
+        </p:nvPicPr>
+        <p:blipFill rotWithShape="1">
+          <a:blip r:embed="rId2"/>
+          <a:srcRect l="8636" t="15042" r="8538" b="29224"/>
+          <a:stretch/>
+        </p:blipFill>
+        <p:spPr>
+          <a:xfrm>
+            <a:off x="290408" y="1157717"/>
+            <a:ext cx="5474627" cy="3869828"/>
+          </a:xfrm>
+          <a:prstGeom prst="rect">
+            <a:avLst/>
+          </a:prstGeom>
+        </p:spPr>
+      </p:pic>
+      <p:sp>
+        <p:nvSpPr>
+          <p:cNvPr id="18" name="ZoneTexte 17">
+            <a:extLst>
+              <a:ext uri="{FF2B5EF4-FFF2-40B4-BE49-F238E27FC236}">
+                <a16:creationId xmlns:a16="http://schemas.microsoft.com/office/drawing/2014/main" id="{0D09D9DD-F6FC-45D8-8862-B735849B981A}"/>
+              </a:ext>
+            </a:extLst>
+          </p:cNvPr>
+          <p:cNvSpPr txBox="1"/>
+          <p:nvPr/>
+        </p:nvSpPr>
+        <p:spPr>
+          <a:xfrm>
+            <a:off x="1099929" y="113674"/>
+            <a:ext cx="9992139" cy="523220"/>
+          </a:xfrm>
+          <a:prstGeom prst="rect">
+            <a:avLst/>
+          </a:prstGeom>
+          <a:noFill/>
+        </p:spPr>
+        <p:txBody>
+          <a:bodyPr wrap="square" rtlCol="0">
+            <a:spAutoFit/>
+          </a:bodyPr>
+          <a:lstStyle/>
+          <a:p>
+            <a:pPr algn="ctr"/>
+            <a:r>
+              <a:rPr lang="fr-FR" sz="2800" u="sng" dirty="0">
+                <a:solidFill>
+                  <a:schemeClr val="bg1"/>
+                </a:solidFill>
+                <a:latin typeface="Amasis MT Pro" panose="02040504050005020304" pitchFamily="18" charset="0"/>
+              </a:rPr>
+              <a:t>3. Version </a:t>
+            </a:r>
+            <a:r>
+              <a:rPr lang="fr-FR" sz="2800" u="sng" dirty="0" err="1">
+                <a:solidFill>
+                  <a:schemeClr val="bg1"/>
+                </a:solidFill>
+                <a:latin typeface="Amasis MT Pro" panose="02040504050005020304" pitchFamily="18" charset="0"/>
+              </a:rPr>
+              <a:t>bruteforce</a:t>
+            </a:r>
+            <a:r>
+              <a:rPr lang="fr-FR" sz="2800" u="sng" dirty="0">
+                <a:solidFill>
+                  <a:schemeClr val="bg1"/>
+                </a:solidFill>
+                <a:latin typeface="Amasis MT Pro" panose="02040504050005020304" pitchFamily="18" charset="0"/>
+              </a:rPr>
+              <a:t> de l’algorithme</a:t>
+            </a:r>
+          </a:p>
+        </p:txBody>
+      </p:sp>
+      <p:sp>
+        <p:nvSpPr>
+          <p:cNvPr id="19" name="ZoneTexte 18">
+            <a:extLst>
+              <a:ext uri="{FF2B5EF4-FFF2-40B4-BE49-F238E27FC236}">
+                <a16:creationId xmlns:a16="http://schemas.microsoft.com/office/drawing/2014/main" id="{E19AD935-DCFA-4A79-8057-E6C47EB7000D}"/>
+              </a:ext>
+            </a:extLst>
+          </p:cNvPr>
+          <p:cNvSpPr txBox="1"/>
+          <p:nvPr/>
+        </p:nvSpPr>
+        <p:spPr>
+          <a:xfrm>
+            <a:off x="1790633" y="5052604"/>
+            <a:ext cx="2102434" cy="369332"/>
+          </a:xfrm>
+          <a:prstGeom prst="rect">
+            <a:avLst/>
+          </a:prstGeom>
+          <a:noFill/>
+        </p:spPr>
+        <p:txBody>
+          <a:bodyPr wrap="square" rtlCol="0">
+            <a:spAutoFit/>
+          </a:bodyPr>
+          <a:lstStyle/>
+          <a:p>
+            <a:pPr algn="ctr"/>
+            <a:r>
+              <a:rPr lang="fr-FR" u="sng" dirty="0">
+                <a:solidFill>
+                  <a:schemeClr val="bg1"/>
+                </a:solidFill>
+                <a:latin typeface="Amasis MT Pro" panose="02040504050005020304" pitchFamily="18" charset="0"/>
+              </a:rPr>
+              <a:t>Récursion</a:t>
+            </a:r>
+          </a:p>
+        </p:txBody>
+      </p:sp>
+      <p:pic>
+        <p:nvPicPr>
+          <p:cNvPr id="6" name="Image 5">
+            <a:extLst>
+              <a:ext uri="{FF2B5EF4-FFF2-40B4-BE49-F238E27FC236}">
+                <a16:creationId xmlns:a16="http://schemas.microsoft.com/office/drawing/2014/main" id="{C73B075D-0813-41F5-9E5F-4FC49F47DF3A}"/>
+              </a:ext>
+            </a:extLst>
+          </p:cNvPr>
+          <p:cNvPicPr>
+            <a:picLocks noChangeAspect="1"/>
+          </p:cNvPicPr>
+          <p:nvPr/>
+        </p:nvPicPr>
+        <p:blipFill rotWithShape="1">
+          <a:blip r:embed="rId2"/>
+          <a:srcRect l="6885" r="46598" b="86416"/>
+          <a:stretch/>
+        </p:blipFill>
+        <p:spPr>
+          <a:xfrm>
+            <a:off x="6853450" y="1139636"/>
+            <a:ext cx="4422815" cy="1356732"/>
+          </a:xfrm>
+          <a:prstGeom prst="rect">
+            <a:avLst/>
+          </a:prstGeom>
+        </p:spPr>
+      </p:pic>
+      <p:sp>
+        <p:nvSpPr>
+          <p:cNvPr id="7" name="ZoneTexte 6">
+            <a:extLst>
+              <a:ext uri="{FF2B5EF4-FFF2-40B4-BE49-F238E27FC236}">
+                <a16:creationId xmlns:a16="http://schemas.microsoft.com/office/drawing/2014/main" id="{7DA30FAA-B110-4F3F-B818-47CDEDF3DD14}"/>
+              </a:ext>
+            </a:extLst>
+          </p:cNvPr>
+          <p:cNvSpPr txBox="1"/>
+          <p:nvPr/>
+        </p:nvSpPr>
+        <p:spPr>
+          <a:xfrm>
+            <a:off x="8013641" y="2503128"/>
+            <a:ext cx="2102434" cy="369332"/>
+          </a:xfrm>
+          <a:prstGeom prst="rect">
+            <a:avLst/>
+          </a:prstGeom>
+          <a:noFill/>
+        </p:spPr>
+        <p:txBody>
+          <a:bodyPr wrap="square" rtlCol="0">
+            <a:spAutoFit/>
+          </a:bodyPr>
+          <a:lstStyle/>
+          <a:p>
+            <a:pPr algn="ctr"/>
+            <a:r>
+              <a:rPr lang="fr-FR" u="sng" dirty="0" err="1">
+                <a:solidFill>
+                  <a:schemeClr val="bg1"/>
+                </a:solidFill>
+                <a:latin typeface="Amasis MT Pro" panose="02040504050005020304" pitchFamily="18" charset="0"/>
+              </a:rPr>
+              <a:t>Exctraction</a:t>
+            </a:r>
+            <a:endParaRPr lang="fr-FR" u="sng" dirty="0">
+              <a:solidFill>
+                <a:schemeClr val="bg1"/>
+              </a:solidFill>
+              <a:latin typeface="Amasis MT Pro" panose="02040504050005020304" pitchFamily="18" charset="0"/>
+            </a:endParaRPr>
+          </a:p>
+        </p:txBody>
+      </p:sp>
+      <p:pic>
+        <p:nvPicPr>
+          <p:cNvPr id="8" name="Image 7">
+            <a:extLst>
+              <a:ext uri="{FF2B5EF4-FFF2-40B4-BE49-F238E27FC236}">
+                <a16:creationId xmlns:a16="http://schemas.microsoft.com/office/drawing/2014/main" id="{94F93E9F-05A6-4A93-8D63-6E6CBF26853F}"/>
+              </a:ext>
+            </a:extLst>
+          </p:cNvPr>
+          <p:cNvPicPr>
+            <a:picLocks noChangeAspect="1"/>
+          </p:cNvPicPr>
+          <p:nvPr/>
+        </p:nvPicPr>
+        <p:blipFill rotWithShape="1">
+          <a:blip r:embed="rId2"/>
+          <a:srcRect t="70290"/>
+          <a:stretch/>
+        </p:blipFill>
+        <p:spPr>
+          <a:xfrm>
+            <a:off x="6228123" y="3401497"/>
+            <a:ext cx="5673468" cy="1770709"/>
+          </a:xfrm>
+          <a:prstGeom prst="rect">
+            <a:avLst/>
+          </a:prstGeom>
+        </p:spPr>
+      </p:pic>
+      <p:sp>
+        <p:nvSpPr>
+          <p:cNvPr id="9" name="ZoneTexte 8">
+            <a:extLst>
+              <a:ext uri="{FF2B5EF4-FFF2-40B4-BE49-F238E27FC236}">
+                <a16:creationId xmlns:a16="http://schemas.microsoft.com/office/drawing/2014/main" id="{3ED4F373-C9D6-47E9-B776-5D761DBF0442}"/>
+              </a:ext>
+            </a:extLst>
+          </p:cNvPr>
+          <p:cNvSpPr txBox="1"/>
+          <p:nvPr/>
+        </p:nvSpPr>
+        <p:spPr>
+          <a:xfrm>
+            <a:off x="8013641" y="5260971"/>
+            <a:ext cx="2102434" cy="369332"/>
+          </a:xfrm>
+          <a:prstGeom prst="rect">
+            <a:avLst/>
+          </a:prstGeom>
+          <a:noFill/>
+        </p:spPr>
+        <p:txBody>
+          <a:bodyPr wrap="square" rtlCol="0">
+            <a:spAutoFit/>
+          </a:bodyPr>
+          <a:lstStyle/>
+          <a:p>
+            <a:pPr algn="ctr"/>
+            <a:r>
+              <a:rPr lang="fr-FR" u="sng" dirty="0">
+                <a:solidFill>
+                  <a:schemeClr val="bg1"/>
+                </a:solidFill>
+                <a:latin typeface="Amasis MT Pro" panose="02040504050005020304" pitchFamily="18" charset="0"/>
+              </a:rPr>
+              <a:t>Traitement</a:t>
+            </a:r>
+          </a:p>
+        </p:txBody>
+      </p:sp>
+    </p:spTree>
+    <p:extLst>
+      <p:ext uri="{BB962C8B-B14F-4D97-AF65-F5344CB8AC3E}">
+        <p14:creationId xmlns:p14="http://schemas.microsoft.com/office/powerpoint/2010/main" val="3617508922"/>
+      </p:ext>
+    </p:extLst>
+  </p:cSld>
+  <p:clrMapOvr>
+    <a:masterClrMapping/>
+  </p:clrMapOvr>
+</p:sld>
+</file>
+
+<file path=ppt/slides/slide7.xml><?xml version="1.0" encoding="utf-8"?>
+<p:sld xmlns:a="http://schemas.openxmlformats.org/drawingml/2006/main" xmlns:r="http://schemas.openxmlformats.org/officeDocument/2006/relationships" xmlns:p="http://schemas.openxmlformats.org/presentationml/2006/main">
+  <p:cSld>
+    <p:bg>
+      <p:bgPr>
+        <a:solidFill>
+          <a:srgbClr val="1E1E1E"/>
+        </a:solidFill>
+        <a:effectLst/>
+      </p:bgPr>
+    </p:bg>
+    <p:spTree>
+      <p:nvGrpSpPr>
+        <p:cNvPr id="1" name=""/>
+        <p:cNvGrpSpPr/>
+        <p:nvPr/>
+      </p:nvGrpSpPr>
+      <p:grpSpPr>
+        <a:xfrm>
+          <a:off x="0" y="0"/>
+          <a:ext cx="0" cy="0"/>
+          <a:chOff x="0" y="0"/>
+          <a:chExt cx="0" cy="0"/>
+        </a:xfrm>
+      </p:grpSpPr>
+      <p:sp>
+        <p:nvSpPr>
+          <p:cNvPr id="18" name="ZoneTexte 17">
+            <a:extLst>
+              <a:ext uri="{FF2B5EF4-FFF2-40B4-BE49-F238E27FC236}">
+                <a16:creationId xmlns:a16="http://schemas.microsoft.com/office/drawing/2014/main" id="{0D09D9DD-F6FC-45D8-8862-B735849B981A}"/>
+              </a:ext>
+            </a:extLst>
+          </p:cNvPr>
+          <p:cNvSpPr txBox="1"/>
+          <p:nvPr/>
+        </p:nvSpPr>
+        <p:spPr>
+          <a:xfrm>
+            <a:off x="1099929" y="113674"/>
+            <a:ext cx="9992139" cy="523220"/>
+          </a:xfrm>
+          <a:prstGeom prst="rect">
+            <a:avLst/>
+          </a:prstGeom>
+          <a:noFill/>
+        </p:spPr>
+        <p:txBody>
+          <a:bodyPr wrap="square" rtlCol="0">
+            <a:spAutoFit/>
+          </a:bodyPr>
+          <a:lstStyle/>
+          <a:p>
+            <a:pPr algn="ctr"/>
+            <a:r>
+              <a:rPr lang="fr-FR" sz="2800" u="sng" dirty="0">
+                <a:solidFill>
+                  <a:schemeClr val="bg1"/>
+                </a:solidFill>
+                <a:latin typeface="Amasis MT Pro" panose="02040504050005020304" pitchFamily="18" charset="0"/>
+              </a:rPr>
+              <a:t>4. Algorithme choisi et ses limites</a:t>
+            </a:r>
+          </a:p>
+        </p:txBody>
+      </p:sp>
+      <p:pic>
+        <p:nvPicPr>
+          <p:cNvPr id="10" name="Image 9">
+            <a:extLst>
+              <a:ext uri="{FF2B5EF4-FFF2-40B4-BE49-F238E27FC236}">
+                <a16:creationId xmlns:a16="http://schemas.microsoft.com/office/drawing/2014/main" id="{1A724851-924A-440E-866C-4A0183F792A7}"/>
+              </a:ext>
+            </a:extLst>
+          </p:cNvPr>
+          <p:cNvPicPr>
+            <a:picLocks noChangeAspect="1"/>
+          </p:cNvPicPr>
+          <p:nvPr/>
+        </p:nvPicPr>
+        <p:blipFill>
+          <a:blip r:embed="rId2"/>
+          <a:stretch>
+            <a:fillRect/>
+          </a:stretch>
+        </p:blipFill>
+        <p:spPr>
+          <a:xfrm>
+            <a:off x="2294692" y="1007215"/>
+            <a:ext cx="2996023" cy="4793636"/>
+          </a:xfrm>
+          <a:prstGeom prst="rect">
+            <a:avLst/>
+          </a:prstGeom>
+        </p:spPr>
+      </p:pic>
+      <p:sp>
+        <p:nvSpPr>
+          <p:cNvPr id="11" name="Rectangle 10">
+            <a:extLst>
+              <a:ext uri="{FF2B5EF4-FFF2-40B4-BE49-F238E27FC236}">
+                <a16:creationId xmlns:a16="http://schemas.microsoft.com/office/drawing/2014/main" id="{06719AC1-8310-43A0-AB03-B58F5AC20379}"/>
+              </a:ext>
+            </a:extLst>
+          </p:cNvPr>
+          <p:cNvSpPr/>
+          <p:nvPr/>
+        </p:nvSpPr>
+        <p:spPr>
+          <a:xfrm>
+            <a:off x="2354677" y="1247979"/>
+            <a:ext cx="1875894" cy="1801329"/>
+          </a:xfrm>
+          <a:prstGeom prst="rect">
+            <a:avLst/>
+          </a:prstGeom>
+          <a:solidFill>
+            <a:srgbClr val="37D175">
+              <a:alpha val="30196"/>
+            </a:srgbClr>
+          </a:solidFill>
+          <a:ln>
+            <a:solidFill>
+              <a:schemeClr val="tx1"/>
+            </a:solidFill>
+          </a:ln>
+        </p:spPr>
+        <p:style>
+          <a:lnRef idx="2">
+            <a:schemeClr val="accent1">
+              <a:shade val="50000"/>
+            </a:schemeClr>
+          </a:lnRef>
+          <a:fillRef idx="1">
+            <a:schemeClr val="accent1"/>
+          </a:fillRef>
+          <a:effectRef idx="0">
+            <a:schemeClr val="accent1"/>
+          </a:effectRef>
+          <a:fontRef idx="minor">
+            <a:schemeClr val="lt1"/>
+          </a:fontRef>
+        </p:style>
+        <p:txBody>
+          <a:bodyPr rtlCol="0" anchor="ctr"/>
+          <a:lstStyle/>
+          <a:p>
+            <a:pPr algn="ctr"/>
+            <a:endParaRPr lang="fr-FR"/>
+          </a:p>
+        </p:txBody>
+      </p:sp>
+      <p:sp>
+        <p:nvSpPr>
+          <p:cNvPr id="12" name="ZoneTexte 11">
+            <a:extLst>
+              <a:ext uri="{FF2B5EF4-FFF2-40B4-BE49-F238E27FC236}">
+                <a16:creationId xmlns:a16="http://schemas.microsoft.com/office/drawing/2014/main" id="{B447DBED-92DF-443E-8B26-B31DCB5A5782}"/>
+              </a:ext>
+            </a:extLst>
+          </p:cNvPr>
+          <p:cNvSpPr txBox="1"/>
+          <p:nvPr/>
+        </p:nvSpPr>
+        <p:spPr>
+          <a:xfrm>
+            <a:off x="3010063" y="1926912"/>
+            <a:ext cx="812364" cy="369332"/>
+          </a:xfrm>
+          <a:prstGeom prst="rect">
+            <a:avLst/>
+          </a:prstGeom>
+          <a:noFill/>
+        </p:spPr>
+        <p:txBody>
+          <a:bodyPr wrap="square" rtlCol="0">
+            <a:spAutoFit/>
+          </a:bodyPr>
+          <a:lstStyle/>
+          <a:p>
+            <a:r>
+              <a:rPr lang="fr-FR" dirty="0">
+                <a:highlight>
+                  <a:srgbClr val="37D175"/>
+                </a:highlight>
+                <a:latin typeface="Amasis MT Pro" panose="02040504050005020304" pitchFamily="18" charset="0"/>
+              </a:rPr>
+              <a:t>= 462</a:t>
+            </a:r>
+          </a:p>
+        </p:txBody>
+      </p:sp>
+      <p:sp>
+        <p:nvSpPr>
+          <p:cNvPr id="13" name="Rectangle 12">
+            <a:extLst>
+              <a:ext uri="{FF2B5EF4-FFF2-40B4-BE49-F238E27FC236}">
+                <a16:creationId xmlns:a16="http://schemas.microsoft.com/office/drawing/2014/main" id="{580179C6-D30B-4755-A86E-82D8D1B7B688}"/>
+              </a:ext>
+            </a:extLst>
+          </p:cNvPr>
+          <p:cNvSpPr/>
+          <p:nvPr/>
+        </p:nvSpPr>
+        <p:spPr>
+          <a:xfrm>
+            <a:off x="4236015" y="1247978"/>
+            <a:ext cx="937962" cy="1801329"/>
+          </a:xfrm>
+          <a:prstGeom prst="rect">
+            <a:avLst/>
+          </a:prstGeom>
+          <a:solidFill>
+            <a:schemeClr val="accent2">
+              <a:lumMod val="75000"/>
+              <a:alpha val="30196"/>
+            </a:schemeClr>
+          </a:solidFill>
+          <a:ln>
+            <a:solidFill>
+              <a:schemeClr val="tx1"/>
+            </a:solidFill>
+          </a:ln>
+        </p:spPr>
+        <p:style>
+          <a:lnRef idx="2">
+            <a:schemeClr val="accent1">
+              <a:shade val="50000"/>
+            </a:schemeClr>
+          </a:lnRef>
+          <a:fillRef idx="1">
+            <a:schemeClr val="accent1"/>
+          </a:fillRef>
+          <a:effectRef idx="0">
+            <a:schemeClr val="accent1"/>
+          </a:effectRef>
+          <a:fontRef idx="minor">
+            <a:schemeClr val="lt1"/>
+          </a:fontRef>
+        </p:style>
+        <p:txBody>
+          <a:bodyPr rtlCol="0" anchor="ctr"/>
+          <a:lstStyle/>
+          <a:p>
+            <a:pPr algn="ctr"/>
+            <a:endParaRPr lang="fr-FR"/>
+          </a:p>
+        </p:txBody>
+      </p:sp>
+      <p:sp>
+        <p:nvSpPr>
+          <p:cNvPr id="14" name="ZoneTexte 13">
+            <a:extLst>
+              <a:ext uri="{FF2B5EF4-FFF2-40B4-BE49-F238E27FC236}">
+                <a16:creationId xmlns:a16="http://schemas.microsoft.com/office/drawing/2014/main" id="{435D9419-58C0-45EF-8F8A-0CDFF1D42BAD}"/>
+              </a:ext>
+            </a:extLst>
+          </p:cNvPr>
+          <p:cNvSpPr txBox="1"/>
+          <p:nvPr/>
+        </p:nvSpPr>
+        <p:spPr>
+          <a:xfrm>
+            <a:off x="4230571" y="1926912"/>
+            <a:ext cx="812364" cy="276999"/>
+          </a:xfrm>
+          <a:prstGeom prst="rect">
+            <a:avLst/>
+          </a:prstGeom>
+          <a:noFill/>
+        </p:spPr>
+        <p:txBody>
+          <a:bodyPr wrap="square" rtlCol="0">
+            <a:spAutoFit/>
+          </a:bodyPr>
+          <a:lstStyle/>
+          <a:p>
+            <a:r>
+              <a:rPr lang="fr-FR" sz="1200" dirty="0">
+                <a:highlight>
+                  <a:srgbClr val="FFFF00"/>
+                </a:highlight>
+                <a:latin typeface="Amasis MT Pro" panose="02040504050005020304" pitchFamily="18" charset="0"/>
+              </a:rPr>
+              <a:t>= 94,82€</a:t>
+            </a:r>
+          </a:p>
+        </p:txBody>
+      </p:sp>
+      <p:sp>
+        <p:nvSpPr>
+          <p:cNvPr id="15" name="ZoneTexte 14">
+            <a:extLst>
+              <a:ext uri="{FF2B5EF4-FFF2-40B4-BE49-F238E27FC236}">
+                <a16:creationId xmlns:a16="http://schemas.microsoft.com/office/drawing/2014/main" id="{3AAE4BFF-B697-4793-837A-F7F4DCFD1FB7}"/>
+              </a:ext>
+            </a:extLst>
+          </p:cNvPr>
+          <p:cNvSpPr txBox="1"/>
+          <p:nvPr/>
+        </p:nvSpPr>
+        <p:spPr>
+          <a:xfrm>
+            <a:off x="2294692" y="5884469"/>
+            <a:ext cx="2951482" cy="369332"/>
+          </a:xfrm>
+          <a:prstGeom prst="rect">
+            <a:avLst/>
+          </a:prstGeom>
+          <a:noFill/>
+        </p:spPr>
+        <p:txBody>
+          <a:bodyPr wrap="square" rtlCol="0">
+            <a:spAutoFit/>
+          </a:bodyPr>
+          <a:lstStyle/>
+          <a:p>
+            <a:pPr algn="ctr"/>
+            <a:r>
+              <a:rPr lang="fr-FR" u="sng" dirty="0">
+                <a:solidFill>
+                  <a:schemeClr val="bg1"/>
+                </a:solidFill>
+                <a:latin typeface="Amasis MT Pro Light" panose="02040304050005020304" pitchFamily="18" charset="0"/>
+              </a:rPr>
+              <a:t>Liste triée par pourcentage</a:t>
+            </a:r>
+          </a:p>
+        </p:txBody>
+      </p:sp>
+      <p:sp>
+        <p:nvSpPr>
+          <p:cNvPr id="16" name="Rectangle 15">
+            <a:extLst>
+              <a:ext uri="{FF2B5EF4-FFF2-40B4-BE49-F238E27FC236}">
+                <a16:creationId xmlns:a16="http://schemas.microsoft.com/office/drawing/2014/main" id="{FD068F6B-FD07-4EA9-8791-5311441DDB6E}"/>
+              </a:ext>
+            </a:extLst>
+          </p:cNvPr>
+          <p:cNvSpPr/>
+          <p:nvPr/>
+        </p:nvSpPr>
+        <p:spPr>
+          <a:xfrm>
+            <a:off x="2354677" y="3049307"/>
+            <a:ext cx="2819300" cy="2672561"/>
+          </a:xfrm>
+          <a:prstGeom prst="rect">
+            <a:avLst/>
+          </a:prstGeom>
+          <a:solidFill>
+            <a:schemeClr val="accent1">
+              <a:lumMod val="75000"/>
+              <a:alpha val="30196"/>
+            </a:schemeClr>
+          </a:solidFill>
+          <a:ln>
+            <a:solidFill>
+              <a:schemeClr val="tx1"/>
+            </a:solidFill>
+          </a:ln>
+        </p:spPr>
+        <p:style>
+          <a:lnRef idx="2">
+            <a:schemeClr val="accent1">
+              <a:shade val="50000"/>
+            </a:schemeClr>
+          </a:lnRef>
+          <a:fillRef idx="1">
+            <a:schemeClr val="accent1"/>
+          </a:fillRef>
+          <a:effectRef idx="0">
+            <a:schemeClr val="accent1"/>
+          </a:effectRef>
+          <a:fontRef idx="minor">
+            <a:schemeClr val="lt1"/>
+          </a:fontRef>
+        </p:style>
+        <p:txBody>
+          <a:bodyPr rtlCol="0" anchor="ctr"/>
+          <a:lstStyle/>
+          <a:p>
+            <a:pPr algn="ctr"/>
+            <a:endParaRPr lang="fr-FR"/>
+          </a:p>
+        </p:txBody>
+      </p:sp>
+      <p:sp>
+        <p:nvSpPr>
+          <p:cNvPr id="17" name="Rectangle 16">
+            <a:extLst>
+              <a:ext uri="{FF2B5EF4-FFF2-40B4-BE49-F238E27FC236}">
+                <a16:creationId xmlns:a16="http://schemas.microsoft.com/office/drawing/2014/main" id="{C92BE82C-2354-4302-87A0-5E5D21A44D1C}"/>
+              </a:ext>
+            </a:extLst>
+          </p:cNvPr>
+          <p:cNvSpPr/>
+          <p:nvPr/>
+        </p:nvSpPr>
+        <p:spPr>
+          <a:xfrm>
+            <a:off x="2354677" y="3253380"/>
+            <a:ext cx="2819300" cy="247241"/>
+          </a:xfrm>
+          <a:prstGeom prst="rect">
+            <a:avLst/>
+          </a:prstGeom>
+          <a:solidFill>
+            <a:srgbClr val="13F5F0">
+              <a:alpha val="40000"/>
+            </a:srgbClr>
+          </a:solidFill>
+        </p:spPr>
+        <p:style>
+          <a:lnRef idx="2">
+            <a:schemeClr val="accent1">
+              <a:shade val="50000"/>
+            </a:schemeClr>
+          </a:lnRef>
+          <a:fillRef idx="1">
+            <a:schemeClr val="accent1"/>
+          </a:fillRef>
+          <a:effectRef idx="0">
+            <a:schemeClr val="accent1"/>
+          </a:effectRef>
+          <a:fontRef idx="minor">
+            <a:schemeClr val="lt1"/>
+          </a:fontRef>
+        </p:style>
+        <p:txBody>
+          <a:bodyPr rtlCol="0" anchor="ctr"/>
+          <a:lstStyle/>
+          <a:p>
+            <a:pPr algn="ctr"/>
+            <a:endParaRPr lang="fr-FR"/>
+          </a:p>
+        </p:txBody>
+      </p:sp>
+      <p:sp>
+        <p:nvSpPr>
+          <p:cNvPr id="20" name="Rectangle 19">
+            <a:extLst>
+              <a:ext uri="{FF2B5EF4-FFF2-40B4-BE49-F238E27FC236}">
+                <a16:creationId xmlns:a16="http://schemas.microsoft.com/office/drawing/2014/main" id="{8028FBA2-F95D-4DB2-8C62-1AE9124401B0}"/>
+              </a:ext>
+            </a:extLst>
+          </p:cNvPr>
+          <p:cNvSpPr/>
+          <p:nvPr/>
+        </p:nvSpPr>
+        <p:spPr>
+          <a:xfrm>
+            <a:off x="2354677" y="3914325"/>
+            <a:ext cx="2819300" cy="247241"/>
+          </a:xfrm>
+          <a:prstGeom prst="rect">
+            <a:avLst/>
+          </a:prstGeom>
+          <a:solidFill>
+            <a:srgbClr val="13F5F0">
+              <a:alpha val="40000"/>
+            </a:srgbClr>
+          </a:solidFill>
+        </p:spPr>
+        <p:style>
+          <a:lnRef idx="2">
+            <a:schemeClr val="accent1">
+              <a:shade val="50000"/>
+            </a:schemeClr>
+          </a:lnRef>
+          <a:fillRef idx="1">
+            <a:schemeClr val="accent1"/>
+          </a:fillRef>
+          <a:effectRef idx="0">
+            <a:schemeClr val="accent1"/>
+          </a:effectRef>
+          <a:fontRef idx="minor">
+            <a:schemeClr val="lt1"/>
+          </a:fontRef>
+        </p:style>
+        <p:txBody>
+          <a:bodyPr rtlCol="0" anchor="ctr"/>
+          <a:lstStyle/>
+          <a:p>
+            <a:pPr algn="ctr"/>
+            <a:endParaRPr lang="fr-FR"/>
+          </a:p>
+        </p:txBody>
+      </p:sp>
+      <p:sp>
+        <p:nvSpPr>
+          <p:cNvPr id="21" name="ZoneTexte 20">
+            <a:extLst>
+              <a:ext uri="{FF2B5EF4-FFF2-40B4-BE49-F238E27FC236}">
+                <a16:creationId xmlns:a16="http://schemas.microsoft.com/office/drawing/2014/main" id="{7C42DE43-51CA-4AFA-920F-EFCE1904FB85}"/>
+              </a:ext>
+            </a:extLst>
+          </p:cNvPr>
+          <p:cNvSpPr txBox="1"/>
+          <p:nvPr/>
+        </p:nvSpPr>
+        <p:spPr>
+          <a:xfrm>
+            <a:off x="5946101" y="1679834"/>
+            <a:ext cx="4177071" cy="1815882"/>
+          </a:xfrm>
+          <a:prstGeom prst="rect">
+            <a:avLst/>
+          </a:prstGeom>
+          <a:noFill/>
+        </p:spPr>
+        <p:txBody>
+          <a:bodyPr wrap="square" rtlCol="0">
+            <a:spAutoFit/>
+          </a:bodyPr>
+          <a:lstStyle/>
+          <a:p>
+            <a:r>
+              <a:rPr lang="fr-FR" sz="1600" dirty="0">
+                <a:solidFill>
+                  <a:schemeClr val="bg1"/>
+                </a:solidFill>
+                <a:latin typeface="Amasis MT Pro Light" panose="02040304050005020304" pitchFamily="18" charset="0"/>
+              </a:rPr>
+              <a:t>La version optimisée :</a:t>
+            </a:r>
+          </a:p>
+          <a:p>
+            <a:endParaRPr lang="fr-FR" sz="1600" dirty="0">
+              <a:solidFill>
+                <a:schemeClr val="bg1"/>
+              </a:solidFill>
+              <a:latin typeface="Amasis MT Pro Light" panose="02040304050005020304" pitchFamily="18" charset="0"/>
+            </a:endParaRPr>
+          </a:p>
+          <a:p>
+            <a:pPr marL="285750" indent="-285750">
+              <a:buFontTx/>
+              <a:buChar char="-"/>
+            </a:pPr>
+            <a:r>
+              <a:rPr lang="fr-FR" sz="1600" dirty="0">
+                <a:solidFill>
+                  <a:schemeClr val="bg1"/>
+                </a:solidFill>
+                <a:latin typeface="Amasis MT Pro Light" panose="02040304050005020304" pitchFamily="18" charset="0"/>
+              </a:rPr>
+              <a:t>Plus rapide</a:t>
+            </a:r>
+          </a:p>
+          <a:p>
+            <a:pPr marL="285750" indent="-285750">
+              <a:buFontTx/>
+              <a:buChar char="-"/>
+            </a:pPr>
+            <a:r>
+              <a:rPr lang="fr-FR" sz="1600" dirty="0">
+                <a:solidFill>
+                  <a:schemeClr val="bg1"/>
+                </a:solidFill>
+                <a:latin typeface="Amasis MT Pro Light" panose="02040304050005020304" pitchFamily="18" charset="0"/>
+              </a:rPr>
+              <a:t>Plus efficace</a:t>
+            </a:r>
+          </a:p>
+          <a:p>
+            <a:pPr marL="285750" indent="-285750">
+              <a:buFontTx/>
+              <a:buChar char="-"/>
+            </a:pPr>
+            <a:r>
+              <a:rPr lang="fr-FR" sz="1600" dirty="0">
+                <a:solidFill>
+                  <a:schemeClr val="bg1"/>
+                </a:solidFill>
+                <a:latin typeface="Amasis MT Pro Light" panose="02040304050005020304" pitchFamily="18" charset="0"/>
+              </a:rPr>
+              <a:t>Moins énergivore</a:t>
+            </a:r>
+          </a:p>
+          <a:p>
+            <a:pPr marL="285750" indent="-285750">
+              <a:buFontTx/>
+              <a:buChar char="-"/>
+            </a:pPr>
+            <a:r>
+              <a:rPr lang="fr-FR" sz="1600" dirty="0">
+                <a:solidFill>
+                  <a:schemeClr val="bg1"/>
+                </a:solidFill>
+                <a:latin typeface="Amasis MT Pro Light" panose="02040304050005020304" pitchFamily="18" charset="0"/>
+              </a:rPr>
+              <a:t>Moins de calculs inutiles</a:t>
+            </a:r>
+          </a:p>
+          <a:p>
+            <a:pPr marL="285750" indent="-285750">
+              <a:buFontTx/>
+              <a:buChar char="-"/>
+            </a:pPr>
+            <a:endParaRPr lang="fr-FR" sz="1600" dirty="0">
+              <a:solidFill>
+                <a:schemeClr val="bg1"/>
+              </a:solidFill>
+              <a:latin typeface="Amasis MT Pro Light" panose="02040304050005020304" pitchFamily="18" charset="0"/>
+            </a:endParaRPr>
+          </a:p>
+        </p:txBody>
+      </p:sp>
+      <p:sp>
+        <p:nvSpPr>
+          <p:cNvPr id="22" name="ZoneTexte 21">
+            <a:extLst>
+              <a:ext uri="{FF2B5EF4-FFF2-40B4-BE49-F238E27FC236}">
+                <a16:creationId xmlns:a16="http://schemas.microsoft.com/office/drawing/2014/main" id="{9908E8E8-8C30-4C97-95EB-60F64165E5C4}"/>
+              </a:ext>
+            </a:extLst>
+          </p:cNvPr>
+          <p:cNvSpPr txBox="1"/>
+          <p:nvPr/>
+        </p:nvSpPr>
+        <p:spPr>
+          <a:xfrm>
+            <a:off x="5946101" y="3545325"/>
+            <a:ext cx="4177071" cy="1077218"/>
+          </a:xfrm>
+          <a:prstGeom prst="rect">
+            <a:avLst/>
+          </a:prstGeom>
+          <a:noFill/>
+        </p:spPr>
+        <p:txBody>
+          <a:bodyPr wrap="square" rtlCol="0">
+            <a:spAutoFit/>
+          </a:bodyPr>
+          <a:lstStyle/>
+          <a:p>
+            <a:r>
+              <a:rPr lang="fr-FR" sz="1600" dirty="0">
+                <a:solidFill>
+                  <a:schemeClr val="bg1"/>
+                </a:solidFill>
+                <a:latin typeface="Amasis MT Pro Light" panose="02040304050005020304" pitchFamily="18" charset="0"/>
+              </a:rPr>
+              <a:t>Limites :</a:t>
+            </a:r>
+          </a:p>
+          <a:p>
+            <a:endParaRPr lang="fr-FR" sz="1600" dirty="0">
+              <a:solidFill>
+                <a:schemeClr val="bg1"/>
+              </a:solidFill>
+              <a:latin typeface="Amasis MT Pro Light" panose="02040304050005020304" pitchFamily="18" charset="0"/>
+            </a:endParaRPr>
+          </a:p>
+          <a:p>
+            <a:pPr marL="285750" indent="-285750">
+              <a:buFontTx/>
+              <a:buChar char="-"/>
+            </a:pPr>
+            <a:r>
+              <a:rPr lang="fr-FR" sz="1600" dirty="0">
+                <a:solidFill>
+                  <a:schemeClr val="bg1"/>
+                </a:solidFill>
+                <a:latin typeface="Amasis MT Pro Light" panose="02040304050005020304" pitchFamily="18" charset="0"/>
+              </a:rPr>
+              <a:t>Utilise une petite partie de ‘</a:t>
+            </a:r>
+            <a:r>
+              <a:rPr lang="fr-FR" sz="1600" dirty="0" err="1">
+                <a:solidFill>
+                  <a:schemeClr val="bg1"/>
+                </a:solidFill>
+                <a:latin typeface="Amasis MT Pro Light" panose="02040304050005020304" pitchFamily="18" charset="0"/>
+              </a:rPr>
+              <a:t>Bruteforce</a:t>
+            </a:r>
+            <a:r>
+              <a:rPr lang="fr-FR" sz="1600" dirty="0">
+                <a:solidFill>
+                  <a:schemeClr val="bg1"/>
+                </a:solidFill>
+                <a:latin typeface="Amasis MT Pro Light" panose="02040304050005020304" pitchFamily="18" charset="0"/>
+              </a:rPr>
+              <a:t>’</a:t>
+            </a:r>
+          </a:p>
+          <a:p>
+            <a:pPr marL="285750" indent="-285750">
+              <a:buFontTx/>
+              <a:buChar char="-"/>
+            </a:pPr>
+            <a:r>
+              <a:rPr lang="fr-FR" sz="1600" dirty="0">
+                <a:solidFill>
+                  <a:schemeClr val="bg1"/>
+                </a:solidFill>
+                <a:latin typeface="Amasis MT Pro Light" panose="02040304050005020304" pitchFamily="18" charset="0"/>
+              </a:rPr>
+              <a:t>Soucis si sommes trop proches du maximum</a:t>
+            </a:r>
+          </a:p>
+        </p:txBody>
+      </p:sp>
+    </p:spTree>
+    <p:extLst>
+      <p:ext uri="{BB962C8B-B14F-4D97-AF65-F5344CB8AC3E}">
+        <p14:creationId xmlns:p14="http://schemas.microsoft.com/office/powerpoint/2010/main" val="192764409"/>
+      </p:ext>
+    </p:extLst>
+  </p:cSld>
+  <p:clrMapOvr>
+    <a:masterClrMapping/>
+  </p:clrMapOvr>
+</p:sld>
+</file>
+
+<file path=ppt/slides/slide8.xml><?xml version="1.0" encoding="utf-8"?>
+<p:sld xmlns:a="http://schemas.openxmlformats.org/drawingml/2006/main" xmlns:r="http://schemas.openxmlformats.org/officeDocument/2006/relationships" xmlns:p="http://schemas.openxmlformats.org/presentationml/2006/main">
+  <p:cSld>
+    <p:bg>
+      <p:bgPr>
+        <a:solidFill>
+          <a:srgbClr val="1E1E1E"/>
+        </a:solidFill>
+        <a:effectLst/>
+      </p:bgPr>
+    </p:bg>
+    <p:spTree>
+      <p:nvGrpSpPr>
+        <p:cNvPr id="1" name=""/>
+        <p:cNvGrpSpPr/>
+        <p:nvPr/>
+      </p:nvGrpSpPr>
+      <p:grpSpPr>
+        <a:xfrm>
+          <a:off x="0" y="0"/>
+          <a:ext cx="0" cy="0"/>
+          <a:chOff x="0" y="0"/>
+          <a:chExt cx="0" cy="0"/>
+        </a:xfrm>
+      </p:grpSpPr>
+      <p:sp>
+        <p:nvSpPr>
+          <p:cNvPr id="18" name="ZoneTexte 17">
+            <a:extLst>
+              <a:ext uri="{FF2B5EF4-FFF2-40B4-BE49-F238E27FC236}">
+                <a16:creationId xmlns:a16="http://schemas.microsoft.com/office/drawing/2014/main" id="{0D09D9DD-F6FC-45D8-8862-B735849B981A}"/>
+              </a:ext>
+            </a:extLst>
+          </p:cNvPr>
+          <p:cNvSpPr txBox="1"/>
+          <p:nvPr/>
+        </p:nvSpPr>
+        <p:spPr>
+          <a:xfrm>
+            <a:off x="1099929" y="113674"/>
+            <a:ext cx="9992139" cy="523220"/>
+          </a:xfrm>
+          <a:prstGeom prst="rect">
+            <a:avLst/>
+          </a:prstGeom>
+          <a:noFill/>
+        </p:spPr>
+        <p:txBody>
+          <a:bodyPr wrap="square" rtlCol="0">
+            <a:spAutoFit/>
+          </a:bodyPr>
+          <a:lstStyle/>
+          <a:p>
+            <a:pPr algn="ctr"/>
+            <a:r>
+              <a:rPr lang="fr-FR" sz="2800" u="sng" dirty="0">
+                <a:solidFill>
+                  <a:schemeClr val="bg1"/>
+                </a:solidFill>
+                <a:latin typeface="Amasis MT Pro" panose="02040504050005020304" pitchFamily="18" charset="0"/>
+              </a:rPr>
+              <a:t>5. Performance : Temps d’</a:t>
+            </a:r>
+            <a:r>
+              <a:rPr lang="fr-FR" sz="2800" u="sng" dirty="0" err="1">
+                <a:solidFill>
+                  <a:schemeClr val="bg1"/>
+                </a:solidFill>
+                <a:latin typeface="Amasis MT Pro" panose="02040504050005020304" pitchFamily="18" charset="0"/>
+              </a:rPr>
+              <a:t>éxécution</a:t>
+            </a:r>
+            <a:endParaRPr lang="fr-FR" sz="2800" u="sng" dirty="0">
+              <a:solidFill>
+                <a:schemeClr val="bg1"/>
+              </a:solidFill>
+              <a:latin typeface="Amasis MT Pro" panose="02040504050005020304" pitchFamily="18" charset="0"/>
+            </a:endParaRPr>
+          </a:p>
+        </p:txBody>
+      </p:sp>
+      <p:pic>
+        <p:nvPicPr>
+          <p:cNvPr id="3" name="Image 2">
+            <a:extLst>
+              <a:ext uri="{FF2B5EF4-FFF2-40B4-BE49-F238E27FC236}">
+                <a16:creationId xmlns:a16="http://schemas.microsoft.com/office/drawing/2014/main" id="{E8311893-A47F-4A8B-B27F-A4ECA78A6933}"/>
+              </a:ext>
+            </a:extLst>
+          </p:cNvPr>
+          <p:cNvPicPr>
+            <a:picLocks noChangeAspect="1"/>
+          </p:cNvPicPr>
+          <p:nvPr/>
+        </p:nvPicPr>
+        <p:blipFill>
+          <a:blip r:embed="rId2"/>
+          <a:stretch>
+            <a:fillRect/>
+          </a:stretch>
+        </p:blipFill>
+        <p:spPr>
+          <a:xfrm>
+            <a:off x="715616" y="1435351"/>
+            <a:ext cx="9311861" cy="710657"/>
+          </a:xfrm>
+          <a:prstGeom prst="rect">
+            <a:avLst/>
+          </a:prstGeom>
+        </p:spPr>
+      </p:pic>
+      <p:sp>
+        <p:nvSpPr>
+          <p:cNvPr id="19" name="ZoneTexte 18">
+            <a:extLst>
+              <a:ext uri="{FF2B5EF4-FFF2-40B4-BE49-F238E27FC236}">
+                <a16:creationId xmlns:a16="http://schemas.microsoft.com/office/drawing/2014/main" id="{D3A5DFCD-D273-4088-9F06-27E7C8CC0174}"/>
+              </a:ext>
+            </a:extLst>
+          </p:cNvPr>
+          <p:cNvSpPr txBox="1"/>
+          <p:nvPr/>
+        </p:nvSpPr>
+        <p:spPr>
+          <a:xfrm>
+            <a:off x="375476" y="2356208"/>
+            <a:ext cx="9992139" cy="369332"/>
+          </a:xfrm>
+          <a:prstGeom prst="rect">
+            <a:avLst/>
+          </a:prstGeom>
+          <a:noFill/>
+        </p:spPr>
+        <p:txBody>
+          <a:bodyPr wrap="square" rtlCol="0">
+            <a:spAutoFit/>
+          </a:bodyPr>
+          <a:lstStyle/>
+          <a:p>
+            <a:pPr algn="ctr"/>
+            <a:r>
+              <a:rPr lang="fr-FR" u="sng" dirty="0">
+                <a:solidFill>
+                  <a:schemeClr val="bg1"/>
+                </a:solidFill>
+                <a:latin typeface="Amasis MT Pro" panose="02040504050005020304" pitchFamily="18" charset="0"/>
+              </a:rPr>
+              <a:t>Performance </a:t>
+            </a:r>
+            <a:r>
+              <a:rPr lang="fr-FR" u="sng" dirty="0" err="1">
+                <a:solidFill>
+                  <a:schemeClr val="bg1"/>
+                </a:solidFill>
+                <a:latin typeface="Amasis MT Pro" panose="02040504050005020304" pitchFamily="18" charset="0"/>
+              </a:rPr>
+              <a:t>Optimized</a:t>
+            </a:r>
+            <a:endParaRPr lang="fr-FR" u="sng" dirty="0">
+              <a:solidFill>
+                <a:schemeClr val="bg1"/>
+              </a:solidFill>
+              <a:latin typeface="Amasis MT Pro" panose="02040504050005020304" pitchFamily="18" charset="0"/>
+            </a:endParaRPr>
+          </a:p>
+        </p:txBody>
+      </p:sp>
+      <p:sp>
+        <p:nvSpPr>
+          <p:cNvPr id="4" name="ZoneTexte 3">
+            <a:extLst>
+              <a:ext uri="{FF2B5EF4-FFF2-40B4-BE49-F238E27FC236}">
+                <a16:creationId xmlns:a16="http://schemas.microsoft.com/office/drawing/2014/main" id="{76A8BE66-0837-4853-9DEA-15EC043F29CF}"/>
+              </a:ext>
+            </a:extLst>
+          </p:cNvPr>
+          <p:cNvSpPr txBox="1"/>
+          <p:nvPr/>
+        </p:nvSpPr>
+        <p:spPr>
+          <a:xfrm>
+            <a:off x="1466574" y="2210425"/>
+            <a:ext cx="2858052" cy="369332"/>
+          </a:xfrm>
+          <a:prstGeom prst="rect">
+            <a:avLst/>
+          </a:prstGeom>
+          <a:noFill/>
+        </p:spPr>
+        <p:txBody>
+          <a:bodyPr wrap="square" rtlCol="0">
+            <a:spAutoFit/>
+          </a:bodyPr>
+          <a:lstStyle/>
+          <a:p>
+            <a:r>
+              <a:rPr lang="fr-FR" dirty="0">
+                <a:solidFill>
+                  <a:srgbClr val="FF0000"/>
+                </a:solidFill>
+                <a:latin typeface="Agency FB" panose="020B0503020202020204" pitchFamily="34" charset="0"/>
+              </a:rPr>
+              <a:t>0,002 seconde</a:t>
+            </a:r>
+          </a:p>
+        </p:txBody>
+      </p:sp>
+      <p:pic>
+        <p:nvPicPr>
+          <p:cNvPr id="6" name="Image 5">
+            <a:extLst>
+              <a:ext uri="{FF2B5EF4-FFF2-40B4-BE49-F238E27FC236}">
+                <a16:creationId xmlns:a16="http://schemas.microsoft.com/office/drawing/2014/main" id="{9ADBC450-61D5-450A-9763-3435D6C897E1}"/>
+              </a:ext>
+            </a:extLst>
+          </p:cNvPr>
+          <p:cNvPicPr>
+            <a:picLocks noChangeAspect="1"/>
+          </p:cNvPicPr>
+          <p:nvPr/>
+        </p:nvPicPr>
+        <p:blipFill>
+          <a:blip r:embed="rId3"/>
+          <a:stretch>
+            <a:fillRect/>
+          </a:stretch>
+        </p:blipFill>
+        <p:spPr>
+          <a:xfrm>
+            <a:off x="1493075" y="2944465"/>
+            <a:ext cx="7756939" cy="2535251"/>
+          </a:xfrm>
+          <a:prstGeom prst="rect">
+            <a:avLst/>
+          </a:prstGeom>
+        </p:spPr>
+      </p:pic>
+      <p:sp>
+        <p:nvSpPr>
+          <p:cNvPr id="23" name="ZoneTexte 22">
+            <a:extLst>
+              <a:ext uri="{FF2B5EF4-FFF2-40B4-BE49-F238E27FC236}">
+                <a16:creationId xmlns:a16="http://schemas.microsoft.com/office/drawing/2014/main" id="{17DA7ACC-52CB-4CF7-8969-92899A0291D6}"/>
+              </a:ext>
+            </a:extLst>
+          </p:cNvPr>
+          <p:cNvSpPr txBox="1"/>
+          <p:nvPr/>
+        </p:nvSpPr>
+        <p:spPr>
+          <a:xfrm>
+            <a:off x="375474" y="5698641"/>
+            <a:ext cx="9992139" cy="369332"/>
+          </a:xfrm>
+          <a:prstGeom prst="rect">
+            <a:avLst/>
+          </a:prstGeom>
+          <a:noFill/>
+        </p:spPr>
+        <p:txBody>
+          <a:bodyPr wrap="square" rtlCol="0">
+            <a:spAutoFit/>
+          </a:bodyPr>
+          <a:lstStyle/>
+          <a:p>
+            <a:pPr algn="ctr"/>
+            <a:r>
+              <a:rPr lang="fr-FR" u="sng" dirty="0">
+                <a:solidFill>
+                  <a:schemeClr val="bg1"/>
+                </a:solidFill>
+                <a:latin typeface="Amasis MT Pro" panose="02040504050005020304" pitchFamily="18" charset="0"/>
+              </a:rPr>
+              <a:t>Performance </a:t>
+            </a:r>
+            <a:r>
+              <a:rPr lang="fr-FR" u="sng" dirty="0" err="1">
+                <a:solidFill>
+                  <a:schemeClr val="bg1"/>
+                </a:solidFill>
+                <a:latin typeface="Amasis MT Pro" panose="02040504050005020304" pitchFamily="18" charset="0"/>
+              </a:rPr>
+              <a:t>Bruteforce</a:t>
+            </a:r>
+            <a:endParaRPr lang="fr-FR" u="sng" dirty="0">
+              <a:solidFill>
+                <a:schemeClr val="bg1"/>
+              </a:solidFill>
+              <a:latin typeface="Amasis MT Pro" panose="02040504050005020304" pitchFamily="18" charset="0"/>
+            </a:endParaRPr>
+          </a:p>
+        </p:txBody>
+      </p:sp>
+      <p:sp>
+        <p:nvSpPr>
+          <p:cNvPr id="24" name="ZoneTexte 23">
+            <a:extLst>
+              <a:ext uri="{FF2B5EF4-FFF2-40B4-BE49-F238E27FC236}">
+                <a16:creationId xmlns:a16="http://schemas.microsoft.com/office/drawing/2014/main" id="{C5AECC86-52AE-4EC0-BB02-E672CE3EE793}"/>
+              </a:ext>
+            </a:extLst>
+          </p:cNvPr>
+          <p:cNvSpPr txBox="1"/>
+          <p:nvPr/>
+        </p:nvSpPr>
+        <p:spPr>
+          <a:xfrm>
+            <a:off x="1762539" y="5513975"/>
+            <a:ext cx="2858052" cy="369332"/>
+          </a:xfrm>
+          <a:prstGeom prst="rect">
+            <a:avLst/>
+          </a:prstGeom>
+          <a:noFill/>
+        </p:spPr>
+        <p:txBody>
+          <a:bodyPr wrap="square" rtlCol="0">
+            <a:spAutoFit/>
+          </a:bodyPr>
+          <a:lstStyle/>
+          <a:p>
+            <a:r>
+              <a:rPr lang="fr-FR" dirty="0">
+                <a:solidFill>
+                  <a:srgbClr val="FF0000"/>
+                </a:solidFill>
+                <a:latin typeface="Agency FB" panose="020B0503020202020204" pitchFamily="34" charset="0"/>
+              </a:rPr>
+              <a:t>5,48 secondes</a:t>
+            </a:r>
+          </a:p>
+        </p:txBody>
+      </p:sp>
+      <p:cxnSp>
+        <p:nvCxnSpPr>
+          <p:cNvPr id="8" name="Connecteur : en arc 7">
+            <a:extLst>
+              <a:ext uri="{FF2B5EF4-FFF2-40B4-BE49-F238E27FC236}">
+                <a16:creationId xmlns:a16="http://schemas.microsoft.com/office/drawing/2014/main" id="{22E101A1-8BBE-4712-80DD-D7AE63285CC1}"/>
+              </a:ext>
+            </a:extLst>
+          </p:cNvPr>
+          <p:cNvCxnSpPr>
+            <a:cxnSpLocks/>
+            <a:stCxn id="4" idx="1"/>
+            <a:endCxn id="24" idx="1"/>
+          </p:cNvCxnSpPr>
+          <p:nvPr/>
+        </p:nvCxnSpPr>
+        <p:spPr>
+          <a:xfrm rot="10800000" flipH="1" flipV="1">
+            <a:off x="1466573" y="2395091"/>
+            <a:ext cx="295965" cy="3303550"/>
+          </a:xfrm>
+          <a:prstGeom prst="curvedConnector3">
+            <a:avLst>
+              <a:gd name="adj1" fmla="val -244403"/>
+            </a:avLst>
+          </a:prstGeom>
+          <a:ln>
+            <a:headEnd type="triangle"/>
+            <a:tailEnd type="triangle"/>
+          </a:ln>
+        </p:spPr>
+        <p:style>
+          <a:lnRef idx="1">
+            <a:schemeClr val="accent2"/>
+          </a:lnRef>
+          <a:fillRef idx="0">
+            <a:schemeClr val="accent2"/>
+          </a:fillRef>
+          <a:effectRef idx="0">
+            <a:schemeClr val="accent2"/>
+          </a:effectRef>
+          <a:fontRef idx="minor">
+            <a:schemeClr val="tx1"/>
+          </a:fontRef>
+        </p:style>
+      </p:cxnSp>
+      <p:sp>
+        <p:nvSpPr>
+          <p:cNvPr id="27" name="ZoneTexte 26">
+            <a:extLst>
+              <a:ext uri="{FF2B5EF4-FFF2-40B4-BE49-F238E27FC236}">
+                <a16:creationId xmlns:a16="http://schemas.microsoft.com/office/drawing/2014/main" id="{41CC132E-D571-413C-B0E7-8E94005C3552}"/>
+              </a:ext>
+            </a:extLst>
+          </p:cNvPr>
+          <p:cNvSpPr txBox="1"/>
+          <p:nvPr/>
+        </p:nvSpPr>
+        <p:spPr>
+          <a:xfrm>
+            <a:off x="17667" y="3874157"/>
+            <a:ext cx="790713" cy="369332"/>
+          </a:xfrm>
+          <a:prstGeom prst="rect">
+            <a:avLst/>
+          </a:prstGeom>
+          <a:noFill/>
+        </p:spPr>
+        <p:txBody>
+          <a:bodyPr wrap="square" rtlCol="0">
+            <a:spAutoFit/>
+          </a:bodyPr>
+          <a:lstStyle/>
+          <a:p>
+            <a:r>
+              <a:rPr lang="fr-FR" dirty="0">
+                <a:highlight>
+                  <a:srgbClr val="FFFF00"/>
+                </a:highlight>
+              </a:rPr>
+              <a:t>x2740</a:t>
+            </a:r>
+          </a:p>
+        </p:txBody>
+      </p:sp>
+      <p:cxnSp>
+        <p:nvCxnSpPr>
+          <p:cNvPr id="29" name="Connecteur droit 28">
+            <a:extLst>
+              <a:ext uri="{FF2B5EF4-FFF2-40B4-BE49-F238E27FC236}">
+                <a16:creationId xmlns:a16="http://schemas.microsoft.com/office/drawing/2014/main" id="{B7C44612-8B18-4AD7-9559-67FDAF9B68C2}"/>
+              </a:ext>
+            </a:extLst>
+          </p:cNvPr>
+          <p:cNvCxnSpPr>
+            <a:cxnSpLocks/>
+          </p:cNvCxnSpPr>
+          <p:nvPr/>
+        </p:nvCxnSpPr>
+        <p:spPr>
+          <a:xfrm>
+            <a:off x="578678" y="2784572"/>
+            <a:ext cx="10009809" cy="14110"/>
+          </a:xfrm>
+          <a:prstGeom prst="line">
+            <a:avLst/>
+          </a:prstGeom>
+          <a:ln>
+            <a:solidFill>
+              <a:schemeClr val="bg1"/>
+            </a:solidFill>
+          </a:ln>
+        </p:spPr>
+        <p:style>
+          <a:lnRef idx="1">
+            <a:schemeClr val="accent1"/>
+          </a:lnRef>
+          <a:fillRef idx="0">
+            <a:schemeClr val="accent1"/>
+          </a:fillRef>
+          <a:effectRef idx="0">
+            <a:schemeClr val="accent1"/>
+          </a:effectRef>
+          <a:fontRef idx="minor">
+            <a:schemeClr val="tx1"/>
+          </a:fontRef>
+        </p:style>
+      </p:cxnSp>
+    </p:spTree>
+    <p:extLst>
+      <p:ext uri="{BB962C8B-B14F-4D97-AF65-F5344CB8AC3E}">
+        <p14:creationId xmlns:p14="http://schemas.microsoft.com/office/powerpoint/2010/main" val="134619385"/>
+      </p:ext>
+    </p:extLst>
+  </p:cSld>
+  <p:clrMapOvr>
+    <a:masterClrMapping/>
+  </p:clrMapOvr>
+</p:sld>
+</file>
+
+<file path=ppt/slides/slide9.xml><?xml version="1.0" encoding="utf-8"?>
+<p:sld xmlns:a="http://schemas.openxmlformats.org/drawingml/2006/main" xmlns:r="http://schemas.openxmlformats.org/officeDocument/2006/relationships" xmlns:p="http://schemas.openxmlformats.org/presentationml/2006/main">
+  <p:cSld>
+    <p:bg>
+      <p:bgPr>
+        <a:solidFill>
+          <a:srgbClr val="1E1E1E"/>
+        </a:solidFill>
+        <a:effectLst/>
+      </p:bgPr>
+    </p:bg>
+    <p:spTree>
+      <p:nvGrpSpPr>
+        <p:cNvPr id="1" name=""/>
+        <p:cNvGrpSpPr/>
+        <p:nvPr/>
+      </p:nvGrpSpPr>
+      <p:grpSpPr>
+        <a:xfrm>
+          <a:off x="0" y="0"/>
+          <a:ext cx="0" cy="0"/>
+          <a:chOff x="0" y="0"/>
+          <a:chExt cx="0" cy="0"/>
+        </a:xfrm>
+      </p:grpSpPr>
+      <p:pic>
+        <p:nvPicPr>
+          <p:cNvPr id="5" name="Image 4">
+            <a:extLst>
+              <a:ext uri="{FF2B5EF4-FFF2-40B4-BE49-F238E27FC236}">
+                <a16:creationId xmlns:a16="http://schemas.microsoft.com/office/drawing/2014/main" id="{78653DE2-F5F0-46E4-A1D8-ED73AC83AA71}"/>
+              </a:ext>
+            </a:extLst>
+          </p:cNvPr>
+          <p:cNvPicPr>
+            <a:picLocks noChangeAspect="1"/>
+          </p:cNvPicPr>
+          <p:nvPr/>
+        </p:nvPicPr>
+        <p:blipFill>
+          <a:blip r:embed="rId2"/>
+          <a:stretch>
+            <a:fillRect/>
+          </a:stretch>
+        </p:blipFill>
+        <p:spPr>
+          <a:xfrm>
+            <a:off x="2351672" y="3628578"/>
+            <a:ext cx="2019582" cy="933580"/>
+          </a:xfrm>
+          <a:prstGeom prst="rect">
+            <a:avLst/>
+          </a:prstGeom>
+        </p:spPr>
+      </p:pic>
+      <p:pic>
+        <p:nvPicPr>
+          <p:cNvPr id="9" name="Image 8">
+            <a:extLst>
+              <a:ext uri="{FF2B5EF4-FFF2-40B4-BE49-F238E27FC236}">
+                <a16:creationId xmlns:a16="http://schemas.microsoft.com/office/drawing/2014/main" id="{97D24A22-8A21-4680-A887-8A9DE2EDF73F}"/>
+              </a:ext>
+            </a:extLst>
+          </p:cNvPr>
+          <p:cNvPicPr>
+            <a:picLocks noChangeAspect="1"/>
+          </p:cNvPicPr>
+          <p:nvPr/>
+        </p:nvPicPr>
+        <p:blipFill>
+          <a:blip r:embed="rId3"/>
+          <a:stretch>
+            <a:fillRect/>
+          </a:stretch>
+        </p:blipFill>
+        <p:spPr>
+          <a:xfrm>
+            <a:off x="2044877" y="1692317"/>
+            <a:ext cx="9758876" cy="435992"/>
+          </a:xfrm>
+          <a:prstGeom prst="rect">
+            <a:avLst/>
+          </a:prstGeom>
+        </p:spPr>
+      </p:pic>
+      <p:pic>
+        <p:nvPicPr>
+          <p:cNvPr id="11" name="Image 10">
+            <a:extLst>
+              <a:ext uri="{FF2B5EF4-FFF2-40B4-BE49-F238E27FC236}">
+                <a16:creationId xmlns:a16="http://schemas.microsoft.com/office/drawing/2014/main" id="{AF1823B7-FDFA-437C-B7B1-B8E7602D1D0D}"/>
+              </a:ext>
+            </a:extLst>
+          </p:cNvPr>
+          <p:cNvPicPr>
+            <a:picLocks noChangeAspect="1"/>
+          </p:cNvPicPr>
+          <p:nvPr/>
+        </p:nvPicPr>
+        <p:blipFill>
+          <a:blip r:embed="rId4"/>
+          <a:stretch>
+            <a:fillRect/>
+          </a:stretch>
+        </p:blipFill>
+        <p:spPr>
+          <a:xfrm>
+            <a:off x="5705736" y="3585390"/>
+            <a:ext cx="2038635" cy="1086002"/>
+          </a:xfrm>
+          <a:prstGeom prst="rect">
+            <a:avLst/>
+          </a:prstGeom>
+        </p:spPr>
+      </p:pic>
+      <p:pic>
+        <p:nvPicPr>
+          <p:cNvPr id="13" name="Image 12">
+            <a:extLst>
+              <a:ext uri="{FF2B5EF4-FFF2-40B4-BE49-F238E27FC236}">
+                <a16:creationId xmlns:a16="http://schemas.microsoft.com/office/drawing/2014/main" id="{8BD89006-2829-4B78-8BF2-5E1411ACDB86}"/>
+              </a:ext>
+            </a:extLst>
+          </p:cNvPr>
+          <p:cNvPicPr>
+            <a:picLocks noChangeAspect="1"/>
+          </p:cNvPicPr>
+          <p:nvPr/>
+        </p:nvPicPr>
+        <p:blipFill rotWithShape="1">
+          <a:blip r:embed="rId5"/>
+          <a:srcRect l="427" t="658" r="26029" b="-658"/>
+          <a:stretch/>
+        </p:blipFill>
+        <p:spPr>
+          <a:xfrm>
+            <a:off x="409904" y="604877"/>
+            <a:ext cx="1351330" cy="2737413"/>
+          </a:xfrm>
+          <a:prstGeom prst="rect">
+            <a:avLst/>
+          </a:prstGeom>
+        </p:spPr>
+      </p:pic>
+      <mc:AlternateContent xmlns:mc="http://schemas.openxmlformats.org/markup-compatibility/2006" xmlns:p14="http://schemas.microsoft.com/office/powerpoint/2010/main">
+        <mc:Choice Requires="p14">
+          <p:contentPart p14:bwMode="auto" r:id="rId6">
+            <p14:nvContentPartPr>
+              <p14:cNvPr id="15" name="Encre 14">
+                <a:extLst>
+                  <a:ext uri="{FF2B5EF4-FFF2-40B4-BE49-F238E27FC236}">
+                    <a16:creationId xmlns:a16="http://schemas.microsoft.com/office/drawing/2014/main" id="{01C177B0-74CF-4F01-96E6-CC4503CAFB25}"/>
+                  </a:ext>
+                </a:extLst>
+              </p14:cNvPr>
+              <p14:cNvContentPartPr/>
+              <p14:nvPr/>
+            </p14:nvContentPartPr>
+            <p14:xfrm>
+              <a:off x="562934" y="1386959"/>
+              <a:ext cx="756720" cy="4680"/>
+            </p14:xfrm>
+          </p:contentPart>
+        </mc:Choice>
+        <mc:Fallback xmlns="">
+          <p:pic>
+            <p:nvPicPr>
+              <p:cNvPr id="15" name="Encre 14">
+                <a:extLst>
+                  <a:ext uri="{FF2B5EF4-FFF2-40B4-BE49-F238E27FC236}">
+                    <a16:creationId xmlns:a16="http://schemas.microsoft.com/office/drawing/2014/main" id="{01C177B0-74CF-4F01-96E6-CC4503CAFB25}"/>
+                  </a:ext>
+                </a:extLst>
+              </p:cNvPr>
+              <p:cNvPicPr/>
+              <p:nvPr/>
+            </p:nvPicPr>
+            <p:blipFill>
+              <a:blip r:embed="rId7"/>
+              <a:stretch>
+                <a:fillRect/>
+              </a:stretch>
+            </p:blipFill>
+            <p:spPr>
+              <a:xfrm>
+                <a:off x="526934" y="1315319"/>
+                <a:ext cx="828360" cy="148320"/>
+              </a:xfrm>
+              <a:prstGeom prst="rect">
+                <a:avLst/>
+              </a:prstGeom>
+            </p:spPr>
+          </p:pic>
+        </mc:Fallback>
+      </mc:AlternateContent>
+      <mc:AlternateContent xmlns:mc="http://schemas.openxmlformats.org/markup-compatibility/2006" xmlns:p14="http://schemas.microsoft.com/office/powerpoint/2010/main">
+        <mc:Choice Requires="p14">
+          <p:contentPart p14:bwMode="auto" r:id="rId8">
+            <p14:nvContentPartPr>
+              <p14:cNvPr id="16" name="Encre 15">
+                <a:extLst>
+                  <a:ext uri="{FF2B5EF4-FFF2-40B4-BE49-F238E27FC236}">
+                    <a16:creationId xmlns:a16="http://schemas.microsoft.com/office/drawing/2014/main" id="{99F40484-4B03-42EB-8796-C8D14F53CA96}"/>
+                  </a:ext>
+                </a:extLst>
+              </p14:cNvPr>
+              <p14:cNvContentPartPr/>
+              <p14:nvPr/>
+            </p14:nvContentPartPr>
+            <p14:xfrm>
+              <a:off x="11337374" y="1747319"/>
+              <a:ext cx="441720" cy="9360"/>
+            </p14:xfrm>
+          </p:contentPart>
+        </mc:Choice>
+        <mc:Fallback xmlns="">
+          <p:pic>
+            <p:nvPicPr>
+              <p:cNvPr id="16" name="Encre 15">
+                <a:extLst>
+                  <a:ext uri="{FF2B5EF4-FFF2-40B4-BE49-F238E27FC236}">
+                    <a16:creationId xmlns:a16="http://schemas.microsoft.com/office/drawing/2014/main" id="{99F40484-4B03-42EB-8796-C8D14F53CA96}"/>
+                  </a:ext>
+                </a:extLst>
+              </p:cNvPr>
+              <p:cNvPicPr/>
+              <p:nvPr/>
+            </p:nvPicPr>
+            <p:blipFill>
+              <a:blip r:embed="rId9"/>
+              <a:stretch>
+                <a:fillRect/>
+              </a:stretch>
+            </p:blipFill>
+            <p:spPr>
+              <a:xfrm>
+                <a:off x="11301374" y="1675679"/>
+                <a:ext cx="513360" cy="153000"/>
+              </a:xfrm>
+              <a:prstGeom prst="rect">
+                <a:avLst/>
+              </a:prstGeom>
+            </p:spPr>
+          </p:pic>
+        </mc:Fallback>
+      </mc:AlternateContent>
+      <mc:AlternateContent xmlns:mc="http://schemas.openxmlformats.org/markup-compatibility/2006" xmlns:p14="http://schemas.microsoft.com/office/powerpoint/2010/main">
+        <mc:Choice Requires="p14">
+          <p:contentPart p14:bwMode="auto" r:id="rId10">
+            <p14:nvContentPartPr>
+              <p14:cNvPr id="17" name="Encre 16">
+                <a:extLst>
+                  <a:ext uri="{FF2B5EF4-FFF2-40B4-BE49-F238E27FC236}">
+                    <a16:creationId xmlns:a16="http://schemas.microsoft.com/office/drawing/2014/main" id="{59DC3FE7-3C5D-4316-A3CE-5A9AEEA37985}"/>
+                  </a:ext>
+                </a:extLst>
+              </p14:cNvPr>
+              <p14:cNvContentPartPr/>
+              <p14:nvPr/>
+            </p14:nvContentPartPr>
+            <p14:xfrm>
+              <a:off x="571934" y="2734079"/>
+              <a:ext cx="756720" cy="360"/>
+            </p14:xfrm>
+          </p:contentPart>
+        </mc:Choice>
+        <mc:Fallback xmlns="">
+          <p:pic>
+            <p:nvPicPr>
+              <p:cNvPr id="17" name="Encre 16">
+                <a:extLst>
+                  <a:ext uri="{FF2B5EF4-FFF2-40B4-BE49-F238E27FC236}">
+                    <a16:creationId xmlns:a16="http://schemas.microsoft.com/office/drawing/2014/main" id="{59DC3FE7-3C5D-4316-A3CE-5A9AEEA37985}"/>
+                  </a:ext>
+                </a:extLst>
+              </p:cNvPr>
+              <p:cNvPicPr/>
+              <p:nvPr/>
+            </p:nvPicPr>
+            <p:blipFill>
+              <a:blip r:embed="rId11"/>
+              <a:stretch>
+                <a:fillRect/>
+              </a:stretch>
+            </p:blipFill>
+            <p:spPr>
+              <a:xfrm>
+                <a:off x="535934" y="2662079"/>
+                <a:ext cx="828360" cy="144000"/>
+              </a:xfrm>
+              <a:prstGeom prst="rect">
+                <a:avLst/>
+              </a:prstGeom>
+            </p:spPr>
+          </p:pic>
+        </mc:Fallback>
+      </mc:AlternateContent>
+      <mc:AlternateContent xmlns:mc="http://schemas.openxmlformats.org/markup-compatibility/2006" xmlns:p14="http://schemas.microsoft.com/office/powerpoint/2010/main">
+        <mc:Choice Requires="p14">
+          <p:contentPart p14:bwMode="auto" r:id="rId12">
+            <p14:nvContentPartPr>
+              <p14:cNvPr id="20" name="Encre 19">
+                <a:extLst>
+                  <a:ext uri="{FF2B5EF4-FFF2-40B4-BE49-F238E27FC236}">
+                    <a16:creationId xmlns:a16="http://schemas.microsoft.com/office/drawing/2014/main" id="{60510E55-31CA-468E-9D71-08DCAD538465}"/>
+                  </a:ext>
+                </a:extLst>
+              </p14:cNvPr>
+              <p14:cNvContentPartPr/>
+              <p14:nvPr/>
+            </p14:nvContentPartPr>
+            <p14:xfrm>
+              <a:off x="10337294" y="1738319"/>
+              <a:ext cx="364680" cy="360"/>
+            </p14:xfrm>
+          </p:contentPart>
+        </mc:Choice>
+        <mc:Fallback xmlns="">
+          <p:pic>
+            <p:nvPicPr>
+              <p:cNvPr id="20" name="Encre 19">
+                <a:extLst>
+                  <a:ext uri="{FF2B5EF4-FFF2-40B4-BE49-F238E27FC236}">
+                    <a16:creationId xmlns:a16="http://schemas.microsoft.com/office/drawing/2014/main" id="{60510E55-31CA-468E-9D71-08DCAD538465}"/>
+                  </a:ext>
+                </a:extLst>
+              </p:cNvPr>
+              <p:cNvPicPr/>
+              <p:nvPr/>
+            </p:nvPicPr>
+            <p:blipFill>
+              <a:blip r:embed="rId13"/>
+              <a:stretch>
+                <a:fillRect/>
+              </a:stretch>
+            </p:blipFill>
+            <p:spPr>
+              <a:xfrm>
+                <a:off x="10301654" y="1666679"/>
+                <a:ext cx="436320" cy="144000"/>
+              </a:xfrm>
+              <a:prstGeom prst="rect">
+                <a:avLst/>
+              </a:prstGeom>
+            </p:spPr>
+          </p:pic>
+        </mc:Fallback>
+      </mc:AlternateContent>
+      <mc:AlternateContent xmlns:mc="http://schemas.openxmlformats.org/markup-compatibility/2006" xmlns:p14="http://schemas.microsoft.com/office/powerpoint/2010/main">
+        <mc:Choice Requires="p14">
+          <p:contentPart p14:bwMode="auto" r:id="rId14">
+            <p14:nvContentPartPr>
+              <p14:cNvPr id="21" name="Encre 20">
+                <a:extLst>
+                  <a:ext uri="{FF2B5EF4-FFF2-40B4-BE49-F238E27FC236}">
+                    <a16:creationId xmlns:a16="http://schemas.microsoft.com/office/drawing/2014/main" id="{C3E0E4B2-7232-4DCD-AA92-B643E8F26043}"/>
+                  </a:ext>
+                </a:extLst>
+              </p14:cNvPr>
+              <p14:cNvContentPartPr/>
+              <p14:nvPr/>
+            </p14:nvContentPartPr>
+            <p14:xfrm>
+              <a:off x="562934" y="2616359"/>
+              <a:ext cx="747360" cy="14760"/>
+            </p14:xfrm>
+          </p:contentPart>
+        </mc:Choice>
+        <mc:Fallback xmlns="">
+          <p:pic>
+            <p:nvPicPr>
+              <p:cNvPr id="21" name="Encre 20">
+                <a:extLst>
+                  <a:ext uri="{FF2B5EF4-FFF2-40B4-BE49-F238E27FC236}">
+                    <a16:creationId xmlns:a16="http://schemas.microsoft.com/office/drawing/2014/main" id="{C3E0E4B2-7232-4DCD-AA92-B643E8F26043}"/>
+                  </a:ext>
+                </a:extLst>
+              </p:cNvPr>
+              <p:cNvPicPr/>
+              <p:nvPr/>
+            </p:nvPicPr>
+            <p:blipFill>
+              <a:blip r:embed="rId15"/>
+              <a:stretch>
+                <a:fillRect/>
+              </a:stretch>
+            </p:blipFill>
+            <p:spPr>
+              <a:xfrm>
+                <a:off x="526934" y="2544719"/>
+                <a:ext cx="819000" cy="158400"/>
+              </a:xfrm>
+              <a:prstGeom prst="rect">
+                <a:avLst/>
+              </a:prstGeom>
+            </p:spPr>
+          </p:pic>
+        </mc:Fallback>
+      </mc:AlternateContent>
+      <mc:AlternateContent xmlns:mc="http://schemas.openxmlformats.org/markup-compatibility/2006" xmlns:p14="http://schemas.microsoft.com/office/powerpoint/2010/main">
+        <mc:Choice Requires="p14">
+          <p:contentPart p14:bwMode="auto" r:id="rId16">
+            <p14:nvContentPartPr>
+              <p14:cNvPr id="22" name="Encre 21">
+                <a:extLst>
+                  <a:ext uri="{FF2B5EF4-FFF2-40B4-BE49-F238E27FC236}">
+                    <a16:creationId xmlns:a16="http://schemas.microsoft.com/office/drawing/2014/main" id="{862C0170-EE7C-406A-876B-21F3EBB64E82}"/>
+                  </a:ext>
+                </a:extLst>
+              </p14:cNvPr>
+              <p14:cNvContentPartPr/>
+              <p14:nvPr/>
+            </p14:nvContentPartPr>
+            <p14:xfrm>
+              <a:off x="7783454" y="1747319"/>
+              <a:ext cx="376200" cy="6840"/>
+            </p14:xfrm>
+          </p:contentPart>
+        </mc:Choice>
+        <mc:Fallback xmlns="">
+          <p:pic>
+            <p:nvPicPr>
+              <p:cNvPr id="22" name="Encre 21">
+                <a:extLst>
+                  <a:ext uri="{FF2B5EF4-FFF2-40B4-BE49-F238E27FC236}">
+                    <a16:creationId xmlns:a16="http://schemas.microsoft.com/office/drawing/2014/main" id="{862C0170-EE7C-406A-876B-21F3EBB64E82}"/>
+                  </a:ext>
+                </a:extLst>
+              </p:cNvPr>
+              <p:cNvPicPr/>
+              <p:nvPr/>
+            </p:nvPicPr>
+            <p:blipFill>
+              <a:blip r:embed="rId17"/>
+              <a:stretch>
+                <a:fillRect/>
+              </a:stretch>
+            </p:blipFill>
+            <p:spPr>
+              <a:xfrm>
+                <a:off x="7747454" y="1675679"/>
+                <a:ext cx="447840" cy="150480"/>
+              </a:xfrm>
+              <a:prstGeom prst="rect">
+                <a:avLst/>
+              </a:prstGeom>
+            </p:spPr>
+          </p:pic>
+        </mc:Fallback>
+      </mc:AlternateContent>
+      <mc:AlternateContent xmlns:mc="http://schemas.openxmlformats.org/markup-compatibility/2006" xmlns:p14="http://schemas.microsoft.com/office/powerpoint/2010/main">
+        <mc:Choice Requires="p14">
+          <p:contentPart p14:bwMode="auto" r:id="rId18">
+            <p14:nvContentPartPr>
+              <p14:cNvPr id="25" name="Encre 24">
+                <a:extLst>
+                  <a:ext uri="{FF2B5EF4-FFF2-40B4-BE49-F238E27FC236}">
+                    <a16:creationId xmlns:a16="http://schemas.microsoft.com/office/drawing/2014/main" id="{42AEBF67-244C-4792-A1FB-08760E73F8A9}"/>
+                  </a:ext>
+                </a:extLst>
+              </p14:cNvPr>
+              <p14:cNvContentPartPr/>
+              <p14:nvPr/>
+            </p14:nvContentPartPr>
+            <p14:xfrm>
+              <a:off x="571934" y="2504039"/>
+              <a:ext cx="765720" cy="360"/>
+            </p14:xfrm>
+          </p:contentPart>
+        </mc:Choice>
+        <mc:Fallback xmlns="">
+          <p:pic>
+            <p:nvPicPr>
+              <p:cNvPr id="25" name="Encre 24">
+                <a:extLst>
+                  <a:ext uri="{FF2B5EF4-FFF2-40B4-BE49-F238E27FC236}">
+                    <a16:creationId xmlns:a16="http://schemas.microsoft.com/office/drawing/2014/main" id="{42AEBF67-244C-4792-A1FB-08760E73F8A9}"/>
+                  </a:ext>
+                </a:extLst>
+              </p:cNvPr>
+              <p:cNvPicPr/>
+              <p:nvPr/>
+            </p:nvPicPr>
+            <p:blipFill>
+              <a:blip r:embed="rId19"/>
+              <a:stretch>
+                <a:fillRect/>
+              </a:stretch>
+            </p:blipFill>
+            <p:spPr>
+              <a:xfrm>
+                <a:off x="535934" y="2432399"/>
+                <a:ext cx="837360" cy="144000"/>
+              </a:xfrm>
+              <a:prstGeom prst="rect">
+                <a:avLst/>
+              </a:prstGeom>
+            </p:spPr>
+          </p:pic>
+        </mc:Fallback>
+      </mc:AlternateContent>
+      <mc:AlternateContent xmlns:mc="http://schemas.openxmlformats.org/markup-compatibility/2006" xmlns:p14="http://schemas.microsoft.com/office/powerpoint/2010/main">
+        <mc:Choice Requires="p14">
+          <p:contentPart p14:bwMode="auto" r:id="rId20">
+            <p14:nvContentPartPr>
+              <p14:cNvPr id="26" name="Encre 25">
+                <a:extLst>
+                  <a:ext uri="{FF2B5EF4-FFF2-40B4-BE49-F238E27FC236}">
+                    <a16:creationId xmlns:a16="http://schemas.microsoft.com/office/drawing/2014/main" id="{B3EE02F3-53D0-437A-80B4-AB45F5853ADC}"/>
+                  </a:ext>
+                </a:extLst>
+              </p14:cNvPr>
+              <p14:cNvContentPartPr/>
+              <p14:nvPr/>
+            </p14:nvContentPartPr>
+            <p14:xfrm>
+              <a:off x="9792254" y="1733999"/>
+              <a:ext cx="409680" cy="9360"/>
+            </p14:xfrm>
+          </p:contentPart>
+        </mc:Choice>
+        <mc:Fallback xmlns="">
+          <p:pic>
+            <p:nvPicPr>
+              <p:cNvPr id="26" name="Encre 25">
+                <a:extLst>
+                  <a:ext uri="{FF2B5EF4-FFF2-40B4-BE49-F238E27FC236}">
+                    <a16:creationId xmlns:a16="http://schemas.microsoft.com/office/drawing/2014/main" id="{B3EE02F3-53D0-437A-80B4-AB45F5853ADC}"/>
+                  </a:ext>
+                </a:extLst>
+              </p:cNvPr>
+              <p:cNvPicPr/>
+              <p:nvPr/>
+            </p:nvPicPr>
+            <p:blipFill>
+              <a:blip r:embed="rId21"/>
+              <a:stretch>
+                <a:fillRect/>
+              </a:stretch>
+            </p:blipFill>
+            <p:spPr>
+              <a:xfrm>
+                <a:off x="9756614" y="1661999"/>
+                <a:ext cx="481320" cy="153000"/>
+              </a:xfrm>
+              <a:prstGeom prst="rect">
+                <a:avLst/>
+              </a:prstGeom>
+            </p:spPr>
+          </p:pic>
+        </mc:Fallback>
+      </mc:AlternateContent>
+      <mc:AlternateContent xmlns:mc="http://schemas.openxmlformats.org/markup-compatibility/2006" xmlns:p14="http://schemas.microsoft.com/office/powerpoint/2010/main">
+        <mc:Choice Requires="p14">
+          <p:contentPart p14:bwMode="auto" r:id="rId22">
+            <p14:nvContentPartPr>
+              <p14:cNvPr id="28" name="Encre 27">
+                <a:extLst>
+                  <a:ext uri="{FF2B5EF4-FFF2-40B4-BE49-F238E27FC236}">
+                    <a16:creationId xmlns:a16="http://schemas.microsoft.com/office/drawing/2014/main" id="{EAFCBC85-7AFA-4323-8C1F-936EB48B1A61}"/>
+                  </a:ext>
+                </a:extLst>
+              </p14:cNvPr>
+              <p14:cNvContentPartPr/>
+              <p14:nvPr/>
+            </p14:nvContentPartPr>
+            <p14:xfrm>
+              <a:off x="562934" y="2382359"/>
+              <a:ext cx="766080" cy="23040"/>
+            </p14:xfrm>
+          </p:contentPart>
+        </mc:Choice>
+        <mc:Fallback xmlns="">
+          <p:pic>
+            <p:nvPicPr>
+              <p:cNvPr id="28" name="Encre 27">
+                <a:extLst>
+                  <a:ext uri="{FF2B5EF4-FFF2-40B4-BE49-F238E27FC236}">
+                    <a16:creationId xmlns:a16="http://schemas.microsoft.com/office/drawing/2014/main" id="{EAFCBC85-7AFA-4323-8C1F-936EB48B1A61}"/>
+                  </a:ext>
+                </a:extLst>
+              </p:cNvPr>
+              <p:cNvPicPr/>
+              <p:nvPr/>
+            </p:nvPicPr>
+            <p:blipFill>
+              <a:blip r:embed="rId23"/>
+              <a:stretch>
+                <a:fillRect/>
+              </a:stretch>
+            </p:blipFill>
+            <p:spPr>
+              <a:xfrm>
+                <a:off x="526934" y="2310719"/>
+                <a:ext cx="837720" cy="166680"/>
+              </a:xfrm>
+              <a:prstGeom prst="rect">
+                <a:avLst/>
+              </a:prstGeom>
+            </p:spPr>
+          </p:pic>
+        </mc:Fallback>
+      </mc:AlternateContent>
+      <mc:AlternateContent xmlns:mc="http://schemas.openxmlformats.org/markup-compatibility/2006" xmlns:p14="http://schemas.microsoft.com/office/powerpoint/2010/main">
+        <mc:Choice Requires="p14">
+          <p:contentPart p14:bwMode="auto" r:id="rId24">
+            <p14:nvContentPartPr>
+              <p14:cNvPr id="30" name="Encre 29">
+                <a:extLst>
+                  <a:ext uri="{FF2B5EF4-FFF2-40B4-BE49-F238E27FC236}">
+                    <a16:creationId xmlns:a16="http://schemas.microsoft.com/office/drawing/2014/main" id="{77BD44DA-3D7D-4E40-8994-36635F08E714}"/>
+                  </a:ext>
+                </a:extLst>
+              </p14:cNvPr>
+              <p14:cNvContentPartPr/>
+              <p14:nvPr/>
+            </p14:nvContentPartPr>
+            <p14:xfrm>
+              <a:off x="5193254" y="1751279"/>
+              <a:ext cx="414360" cy="19080"/>
+            </p14:xfrm>
+          </p:contentPart>
+        </mc:Choice>
+        <mc:Fallback xmlns="">
+          <p:pic>
+            <p:nvPicPr>
+              <p:cNvPr id="30" name="Encre 29">
+                <a:extLst>
+                  <a:ext uri="{FF2B5EF4-FFF2-40B4-BE49-F238E27FC236}">
+                    <a16:creationId xmlns:a16="http://schemas.microsoft.com/office/drawing/2014/main" id="{77BD44DA-3D7D-4E40-8994-36635F08E714}"/>
+                  </a:ext>
+                </a:extLst>
+              </p:cNvPr>
+              <p:cNvPicPr/>
+              <p:nvPr/>
+            </p:nvPicPr>
+            <p:blipFill>
+              <a:blip r:embed="rId25"/>
+              <a:stretch>
+                <a:fillRect/>
+              </a:stretch>
+            </p:blipFill>
+            <p:spPr>
+              <a:xfrm>
+                <a:off x="5157254" y="1679639"/>
+                <a:ext cx="486000" cy="162720"/>
+              </a:xfrm>
+              <a:prstGeom prst="rect">
+                <a:avLst/>
+              </a:prstGeom>
+            </p:spPr>
+          </p:pic>
+        </mc:Fallback>
+      </mc:AlternateContent>
+      <mc:AlternateContent xmlns:mc="http://schemas.openxmlformats.org/markup-compatibility/2006" xmlns:p14="http://schemas.microsoft.com/office/powerpoint/2010/main">
+        <mc:Choice Requires="p14">
+          <p:contentPart p14:bwMode="auto" r:id="rId26">
+            <p14:nvContentPartPr>
+              <p14:cNvPr id="31" name="Encre 30">
+                <a:extLst>
+                  <a:ext uri="{FF2B5EF4-FFF2-40B4-BE49-F238E27FC236}">
+                    <a16:creationId xmlns:a16="http://schemas.microsoft.com/office/drawing/2014/main" id="{21D8B2B5-B95B-4E73-BC9F-11DB6273513B}"/>
+                  </a:ext>
+                </a:extLst>
+              </p14:cNvPr>
+              <p14:cNvContentPartPr/>
+              <p14:nvPr/>
+            </p14:nvContentPartPr>
+            <p14:xfrm>
+              <a:off x="567254" y="2156639"/>
+              <a:ext cx="784080" cy="10080"/>
+            </p14:xfrm>
+          </p:contentPart>
+        </mc:Choice>
+        <mc:Fallback xmlns="">
+          <p:pic>
+            <p:nvPicPr>
+              <p:cNvPr id="31" name="Encre 30">
+                <a:extLst>
+                  <a:ext uri="{FF2B5EF4-FFF2-40B4-BE49-F238E27FC236}">
+                    <a16:creationId xmlns:a16="http://schemas.microsoft.com/office/drawing/2014/main" id="{21D8B2B5-B95B-4E73-BC9F-11DB6273513B}"/>
+                  </a:ext>
+                </a:extLst>
+              </p:cNvPr>
+              <p:cNvPicPr/>
+              <p:nvPr/>
+            </p:nvPicPr>
+            <p:blipFill>
+              <a:blip r:embed="rId27"/>
+              <a:stretch>
+                <a:fillRect/>
+              </a:stretch>
+            </p:blipFill>
+            <p:spPr>
+              <a:xfrm>
+                <a:off x="531254" y="2084999"/>
+                <a:ext cx="855720" cy="153720"/>
+              </a:xfrm>
+              <a:prstGeom prst="rect">
+                <a:avLst/>
+              </a:prstGeom>
+            </p:spPr>
+          </p:pic>
+        </mc:Fallback>
+      </mc:AlternateContent>
+      <mc:AlternateContent xmlns:mc="http://schemas.openxmlformats.org/markup-compatibility/2006" xmlns:p14="http://schemas.microsoft.com/office/powerpoint/2010/main">
+        <mc:Choice Requires="p14">
+          <p:contentPart p14:bwMode="auto" r:id="rId28">
+            <p14:nvContentPartPr>
+              <p14:cNvPr id="32" name="Encre 31">
+                <a:extLst>
+                  <a:ext uri="{FF2B5EF4-FFF2-40B4-BE49-F238E27FC236}">
+                    <a16:creationId xmlns:a16="http://schemas.microsoft.com/office/drawing/2014/main" id="{3828E69F-ED53-42E2-B432-E562A086ACDA}"/>
+                  </a:ext>
+                </a:extLst>
+              </p14:cNvPr>
+              <p14:cNvContentPartPr/>
+              <p14:nvPr/>
+            </p14:nvContentPartPr>
+            <p14:xfrm>
+              <a:off x="6725054" y="1742999"/>
+              <a:ext cx="410040" cy="5400"/>
+            </p14:xfrm>
+          </p:contentPart>
+        </mc:Choice>
+        <mc:Fallback xmlns="">
+          <p:pic>
+            <p:nvPicPr>
+              <p:cNvPr id="32" name="Encre 31">
+                <a:extLst>
+                  <a:ext uri="{FF2B5EF4-FFF2-40B4-BE49-F238E27FC236}">
+                    <a16:creationId xmlns:a16="http://schemas.microsoft.com/office/drawing/2014/main" id="{3828E69F-ED53-42E2-B432-E562A086ACDA}"/>
+                  </a:ext>
+                </a:extLst>
+              </p:cNvPr>
+              <p:cNvPicPr/>
+              <p:nvPr/>
+            </p:nvPicPr>
+            <p:blipFill>
+              <a:blip r:embed="rId29"/>
+              <a:stretch>
+                <a:fillRect/>
+              </a:stretch>
+            </p:blipFill>
+            <p:spPr>
+              <a:xfrm>
+                <a:off x="6689054" y="1670999"/>
+                <a:ext cx="481680" cy="149040"/>
+              </a:xfrm>
+              <a:prstGeom prst="rect">
+                <a:avLst/>
+              </a:prstGeom>
+            </p:spPr>
+          </p:pic>
+        </mc:Fallback>
+      </mc:AlternateContent>
+      <mc:AlternateContent xmlns:mc="http://schemas.openxmlformats.org/markup-compatibility/2006" xmlns:p14="http://schemas.microsoft.com/office/powerpoint/2010/main">
+        <mc:Choice Requires="p14">
+          <p:contentPart p14:bwMode="auto" r:id="rId30">
+            <p14:nvContentPartPr>
+              <p14:cNvPr id="33" name="Encre 32">
+                <a:extLst>
+                  <a:ext uri="{FF2B5EF4-FFF2-40B4-BE49-F238E27FC236}">
+                    <a16:creationId xmlns:a16="http://schemas.microsoft.com/office/drawing/2014/main" id="{D8DC6797-C957-4E50-8343-D01E3E652E08}"/>
+                  </a:ext>
+                </a:extLst>
+              </p14:cNvPr>
+              <p14:cNvContentPartPr/>
+              <p14:nvPr/>
+            </p14:nvContentPartPr>
+            <p14:xfrm>
+              <a:off x="8765174" y="1756319"/>
+              <a:ext cx="408960" cy="360"/>
+            </p14:xfrm>
+          </p:contentPart>
+        </mc:Choice>
+        <mc:Fallback xmlns="">
+          <p:pic>
+            <p:nvPicPr>
+              <p:cNvPr id="33" name="Encre 32">
+                <a:extLst>
+                  <a:ext uri="{FF2B5EF4-FFF2-40B4-BE49-F238E27FC236}">
+                    <a16:creationId xmlns:a16="http://schemas.microsoft.com/office/drawing/2014/main" id="{D8DC6797-C957-4E50-8343-D01E3E652E08}"/>
+                  </a:ext>
+                </a:extLst>
+              </p:cNvPr>
+              <p:cNvPicPr/>
+              <p:nvPr/>
+            </p:nvPicPr>
+            <p:blipFill>
+              <a:blip r:embed="rId31"/>
+              <a:stretch>
+                <a:fillRect/>
+              </a:stretch>
+            </p:blipFill>
+            <p:spPr>
+              <a:xfrm>
+                <a:off x="8729534" y="1684679"/>
+                <a:ext cx="480600" cy="144000"/>
+              </a:xfrm>
+              <a:prstGeom prst="rect">
+                <a:avLst/>
+              </a:prstGeom>
+            </p:spPr>
+          </p:pic>
+        </mc:Fallback>
+      </mc:AlternateContent>
+      <mc:AlternateContent xmlns:mc="http://schemas.openxmlformats.org/markup-compatibility/2006" xmlns:p14="http://schemas.microsoft.com/office/powerpoint/2010/main">
+        <mc:Choice Requires="p14">
+          <p:contentPart p14:bwMode="auto" r:id="rId32">
+            <p14:nvContentPartPr>
+              <p14:cNvPr id="34" name="Encre 33">
+                <a:extLst>
+                  <a:ext uri="{FF2B5EF4-FFF2-40B4-BE49-F238E27FC236}">
+                    <a16:creationId xmlns:a16="http://schemas.microsoft.com/office/drawing/2014/main" id="{8E2720B7-9AA7-4D7F-9422-4881FC5D45EB}"/>
+                  </a:ext>
+                </a:extLst>
+              </p14:cNvPr>
+              <p14:cNvContentPartPr/>
+              <p14:nvPr/>
+            </p14:nvContentPartPr>
+            <p14:xfrm>
+              <a:off x="576254" y="2044679"/>
+              <a:ext cx="752040" cy="14040"/>
+            </p14:xfrm>
+          </p:contentPart>
+        </mc:Choice>
+        <mc:Fallback xmlns="">
+          <p:pic>
+            <p:nvPicPr>
+              <p:cNvPr id="34" name="Encre 33">
+                <a:extLst>
+                  <a:ext uri="{FF2B5EF4-FFF2-40B4-BE49-F238E27FC236}">
+                    <a16:creationId xmlns:a16="http://schemas.microsoft.com/office/drawing/2014/main" id="{8E2720B7-9AA7-4D7F-9422-4881FC5D45EB}"/>
+                  </a:ext>
+                </a:extLst>
+              </p:cNvPr>
+              <p:cNvPicPr/>
+              <p:nvPr/>
+            </p:nvPicPr>
+            <p:blipFill>
+              <a:blip r:embed="rId33"/>
+              <a:stretch>
+                <a:fillRect/>
+              </a:stretch>
+            </p:blipFill>
+            <p:spPr>
+              <a:xfrm>
+                <a:off x="540614" y="1972679"/>
+                <a:ext cx="823680" cy="157680"/>
+              </a:xfrm>
+              <a:prstGeom prst="rect">
+                <a:avLst/>
+              </a:prstGeom>
+            </p:spPr>
+          </p:pic>
+        </mc:Fallback>
+      </mc:AlternateContent>
+      <mc:AlternateContent xmlns:mc="http://schemas.openxmlformats.org/markup-compatibility/2006" xmlns:p14="http://schemas.microsoft.com/office/powerpoint/2010/main">
+        <mc:Choice Requires="p14">
+          <p:contentPart p14:bwMode="auto" r:id="rId34">
+            <p14:nvContentPartPr>
+              <p14:cNvPr id="35" name="Encre 34">
+                <a:extLst>
+                  <a:ext uri="{FF2B5EF4-FFF2-40B4-BE49-F238E27FC236}">
+                    <a16:creationId xmlns:a16="http://schemas.microsoft.com/office/drawing/2014/main" id="{4F76AFE4-6CE5-4BF2-A9BF-ECFE1ED2C143}"/>
+                  </a:ext>
+                </a:extLst>
+              </p14:cNvPr>
+              <p14:cNvContentPartPr/>
+              <p14:nvPr/>
+            </p14:nvContentPartPr>
+            <p14:xfrm>
+              <a:off x="2657414" y="1733279"/>
+              <a:ext cx="427680" cy="5760"/>
+            </p14:xfrm>
+          </p:contentPart>
+        </mc:Choice>
+        <mc:Fallback xmlns="">
+          <p:pic>
+            <p:nvPicPr>
+              <p:cNvPr id="35" name="Encre 34">
+                <a:extLst>
+                  <a:ext uri="{FF2B5EF4-FFF2-40B4-BE49-F238E27FC236}">
+                    <a16:creationId xmlns:a16="http://schemas.microsoft.com/office/drawing/2014/main" id="{4F76AFE4-6CE5-4BF2-A9BF-ECFE1ED2C143}"/>
+                  </a:ext>
+                </a:extLst>
+              </p:cNvPr>
+              <p:cNvPicPr/>
+              <p:nvPr/>
+            </p:nvPicPr>
+            <p:blipFill>
+              <a:blip r:embed="rId35"/>
+              <a:stretch>
+                <a:fillRect/>
+              </a:stretch>
+            </p:blipFill>
+            <p:spPr>
+              <a:xfrm>
+                <a:off x="2621414" y="1661639"/>
+                <a:ext cx="499320" cy="149400"/>
+              </a:xfrm>
+              <a:prstGeom prst="rect">
+                <a:avLst/>
+              </a:prstGeom>
+            </p:spPr>
+          </p:pic>
+        </mc:Fallback>
+      </mc:AlternateContent>
+      <mc:AlternateContent xmlns:mc="http://schemas.openxmlformats.org/markup-compatibility/2006" xmlns:p14="http://schemas.microsoft.com/office/powerpoint/2010/main">
+        <mc:Choice Requires="p14">
+          <p:contentPart p14:bwMode="auto" r:id="rId36">
+            <p14:nvContentPartPr>
+              <p14:cNvPr id="36" name="Encre 35">
+                <a:extLst>
+                  <a:ext uri="{FF2B5EF4-FFF2-40B4-BE49-F238E27FC236}">
+                    <a16:creationId xmlns:a16="http://schemas.microsoft.com/office/drawing/2014/main" id="{C44A6CA3-378E-4BED-9565-6E9C36A51581}"/>
+                  </a:ext>
+                </a:extLst>
+              </p14:cNvPr>
+              <p14:cNvContentPartPr/>
+              <p14:nvPr/>
+            </p14:nvContentPartPr>
+            <p14:xfrm>
+              <a:off x="553574" y="1949639"/>
+              <a:ext cx="779400" cy="14400"/>
+            </p14:xfrm>
+          </p:contentPart>
+        </mc:Choice>
+        <mc:Fallback xmlns="">
+          <p:pic>
+            <p:nvPicPr>
+              <p:cNvPr id="36" name="Encre 35">
+                <a:extLst>
+                  <a:ext uri="{FF2B5EF4-FFF2-40B4-BE49-F238E27FC236}">
+                    <a16:creationId xmlns:a16="http://schemas.microsoft.com/office/drawing/2014/main" id="{C44A6CA3-378E-4BED-9565-6E9C36A51581}"/>
+                  </a:ext>
+                </a:extLst>
+              </p:cNvPr>
+              <p:cNvPicPr/>
+              <p:nvPr/>
+            </p:nvPicPr>
+            <p:blipFill>
+              <a:blip r:embed="rId37"/>
+              <a:stretch>
+                <a:fillRect/>
+              </a:stretch>
+            </p:blipFill>
+            <p:spPr>
+              <a:xfrm>
+                <a:off x="517934" y="1877639"/>
+                <a:ext cx="851040" cy="158040"/>
+              </a:xfrm>
+              <a:prstGeom prst="rect">
+                <a:avLst/>
+              </a:prstGeom>
+            </p:spPr>
+          </p:pic>
+        </mc:Fallback>
+      </mc:AlternateContent>
+      <mc:AlternateContent xmlns:mc="http://schemas.openxmlformats.org/markup-compatibility/2006" xmlns:p14="http://schemas.microsoft.com/office/powerpoint/2010/main">
+        <mc:Choice Requires="p14">
+          <p:contentPart p14:bwMode="auto" r:id="rId38">
+            <p14:nvContentPartPr>
+              <p14:cNvPr id="37" name="Encre 36">
+                <a:extLst>
+                  <a:ext uri="{FF2B5EF4-FFF2-40B4-BE49-F238E27FC236}">
+                    <a16:creationId xmlns:a16="http://schemas.microsoft.com/office/drawing/2014/main" id="{D24C131D-5E0B-42B6-BE56-796F931A0DCB}"/>
+                  </a:ext>
+                </a:extLst>
+              </p14:cNvPr>
+              <p14:cNvContentPartPr/>
+              <p14:nvPr/>
+            </p14:nvContentPartPr>
+            <p14:xfrm>
+              <a:off x="3697814" y="1733999"/>
+              <a:ext cx="364680" cy="9360"/>
+            </p14:xfrm>
+          </p:contentPart>
+        </mc:Choice>
+        <mc:Fallback xmlns="">
+          <p:pic>
+            <p:nvPicPr>
+              <p:cNvPr id="37" name="Encre 36">
+                <a:extLst>
+                  <a:ext uri="{FF2B5EF4-FFF2-40B4-BE49-F238E27FC236}">
+                    <a16:creationId xmlns:a16="http://schemas.microsoft.com/office/drawing/2014/main" id="{D24C131D-5E0B-42B6-BE56-796F931A0DCB}"/>
+                  </a:ext>
+                </a:extLst>
+              </p:cNvPr>
+              <p:cNvPicPr/>
+              <p:nvPr/>
+            </p:nvPicPr>
+            <p:blipFill>
+              <a:blip r:embed="rId39"/>
+              <a:stretch>
+                <a:fillRect/>
+              </a:stretch>
+            </p:blipFill>
+            <p:spPr>
+              <a:xfrm>
+                <a:off x="3661814" y="1661999"/>
+                <a:ext cx="436320" cy="153000"/>
+              </a:xfrm>
+              <a:prstGeom prst="rect">
+                <a:avLst/>
+              </a:prstGeom>
+            </p:spPr>
+          </p:pic>
+        </mc:Fallback>
+      </mc:AlternateContent>
+      <mc:AlternateContent xmlns:mc="http://schemas.openxmlformats.org/markup-compatibility/2006" xmlns:p14="http://schemas.microsoft.com/office/powerpoint/2010/main">
+        <mc:Choice Requires="p14">
+          <p:contentPart p14:bwMode="auto" r:id="rId40">
+            <p14:nvContentPartPr>
+              <p14:cNvPr id="38" name="Encre 37">
+                <a:extLst>
+                  <a:ext uri="{FF2B5EF4-FFF2-40B4-BE49-F238E27FC236}">
+                    <a16:creationId xmlns:a16="http://schemas.microsoft.com/office/drawing/2014/main" id="{8F50DDE9-E9B4-4DCB-BCB8-95E45541B045}"/>
+                  </a:ext>
+                </a:extLst>
+              </p14:cNvPr>
+              <p14:cNvContentPartPr/>
+              <p14:nvPr/>
+            </p14:nvContentPartPr>
+            <p14:xfrm>
+              <a:off x="549254" y="1720319"/>
+              <a:ext cx="797040" cy="23040"/>
+            </p14:xfrm>
+          </p:contentPart>
+        </mc:Choice>
+        <mc:Fallback xmlns="">
+          <p:pic>
+            <p:nvPicPr>
+              <p:cNvPr id="38" name="Encre 37">
+                <a:extLst>
+                  <a:ext uri="{FF2B5EF4-FFF2-40B4-BE49-F238E27FC236}">
+                    <a16:creationId xmlns:a16="http://schemas.microsoft.com/office/drawing/2014/main" id="{8F50DDE9-E9B4-4DCB-BCB8-95E45541B045}"/>
+                  </a:ext>
+                </a:extLst>
+              </p:cNvPr>
+              <p:cNvPicPr/>
+              <p:nvPr/>
+            </p:nvPicPr>
+            <p:blipFill>
+              <a:blip r:embed="rId41"/>
+              <a:stretch>
+                <a:fillRect/>
+              </a:stretch>
+            </p:blipFill>
+            <p:spPr>
+              <a:xfrm>
+                <a:off x="513614" y="1648679"/>
+                <a:ext cx="868680" cy="166680"/>
+              </a:xfrm>
+              <a:prstGeom prst="rect">
+                <a:avLst/>
+              </a:prstGeom>
+            </p:spPr>
+          </p:pic>
+        </mc:Fallback>
+      </mc:AlternateContent>
+      <mc:AlternateContent xmlns:mc="http://schemas.openxmlformats.org/markup-compatibility/2006" xmlns:p14="http://schemas.microsoft.com/office/powerpoint/2010/main">
+        <mc:Choice Requires="p14">
+          <p:contentPart p14:bwMode="auto" r:id="rId42">
+            <p14:nvContentPartPr>
+              <p14:cNvPr id="39" name="Encre 38">
+                <a:extLst>
+                  <a:ext uri="{FF2B5EF4-FFF2-40B4-BE49-F238E27FC236}">
+                    <a16:creationId xmlns:a16="http://schemas.microsoft.com/office/drawing/2014/main" id="{4EF0934D-6127-4761-9CCC-9310D53B7C85}"/>
+                  </a:ext>
+                </a:extLst>
+              </p14:cNvPr>
+              <p14:cNvContentPartPr/>
+              <p14:nvPr/>
+            </p14:nvContentPartPr>
+            <p14:xfrm>
+              <a:off x="2139374" y="1742279"/>
+              <a:ext cx="392040" cy="18720"/>
+            </p14:xfrm>
+          </p:contentPart>
+        </mc:Choice>
+        <mc:Fallback xmlns="">
+          <p:pic>
+            <p:nvPicPr>
+              <p:cNvPr id="39" name="Encre 38">
+                <a:extLst>
+                  <a:ext uri="{FF2B5EF4-FFF2-40B4-BE49-F238E27FC236}">
+                    <a16:creationId xmlns:a16="http://schemas.microsoft.com/office/drawing/2014/main" id="{4EF0934D-6127-4761-9CCC-9310D53B7C85}"/>
+                  </a:ext>
+                </a:extLst>
+              </p:cNvPr>
+              <p:cNvPicPr/>
+              <p:nvPr/>
+            </p:nvPicPr>
+            <p:blipFill>
+              <a:blip r:embed="rId43"/>
+              <a:stretch>
+                <a:fillRect/>
+              </a:stretch>
+            </p:blipFill>
+            <p:spPr>
+              <a:xfrm>
+                <a:off x="2103374" y="1670639"/>
+                <a:ext cx="463680" cy="162360"/>
+              </a:xfrm>
+              <a:prstGeom prst="rect">
+                <a:avLst/>
+              </a:prstGeom>
+            </p:spPr>
+          </p:pic>
+        </mc:Fallback>
+      </mc:AlternateContent>
+      <mc:AlternateContent xmlns:mc="http://schemas.openxmlformats.org/markup-compatibility/2006" xmlns:p14="http://schemas.microsoft.com/office/powerpoint/2010/main">
+        <mc:Choice Requires="p14">
+          <p:contentPart p14:bwMode="auto" r:id="rId44">
+            <p14:nvContentPartPr>
+              <p14:cNvPr id="40" name="Encre 39">
+                <a:extLst>
+                  <a:ext uri="{FF2B5EF4-FFF2-40B4-BE49-F238E27FC236}">
+                    <a16:creationId xmlns:a16="http://schemas.microsoft.com/office/drawing/2014/main" id="{BBEAC64E-199D-4D13-ABBF-BEDD4E076184}"/>
+                  </a:ext>
+                </a:extLst>
+              </p14:cNvPr>
+              <p14:cNvContentPartPr/>
+              <p14:nvPr/>
+            </p14:nvContentPartPr>
+            <p14:xfrm>
+              <a:off x="571934" y="1607639"/>
+              <a:ext cx="761040" cy="23040"/>
+            </p14:xfrm>
+          </p:contentPart>
+        </mc:Choice>
+        <mc:Fallback xmlns="">
+          <p:pic>
+            <p:nvPicPr>
+              <p:cNvPr id="40" name="Encre 39">
+                <a:extLst>
+                  <a:ext uri="{FF2B5EF4-FFF2-40B4-BE49-F238E27FC236}">
+                    <a16:creationId xmlns:a16="http://schemas.microsoft.com/office/drawing/2014/main" id="{BBEAC64E-199D-4D13-ABBF-BEDD4E076184}"/>
+                  </a:ext>
+                </a:extLst>
+              </p:cNvPr>
+              <p:cNvPicPr/>
+              <p:nvPr/>
+            </p:nvPicPr>
+            <p:blipFill>
+              <a:blip r:embed="rId45"/>
+              <a:stretch>
+                <a:fillRect/>
+              </a:stretch>
+            </p:blipFill>
+            <p:spPr>
+              <a:xfrm>
+                <a:off x="535934" y="1535999"/>
+                <a:ext cx="832680" cy="166680"/>
+              </a:xfrm>
+              <a:prstGeom prst="rect">
+                <a:avLst/>
+              </a:prstGeom>
+            </p:spPr>
+          </p:pic>
+        </mc:Fallback>
+      </mc:AlternateContent>
+      <mc:AlternateContent xmlns:mc="http://schemas.openxmlformats.org/markup-compatibility/2006" xmlns:p14="http://schemas.microsoft.com/office/powerpoint/2010/main">
+        <mc:Choice Requires="p14">
+          <p:contentPart p14:bwMode="auto" r:id="rId46">
+            <p14:nvContentPartPr>
+              <p14:cNvPr id="41" name="Encre 40">
+                <a:extLst>
+                  <a:ext uri="{FF2B5EF4-FFF2-40B4-BE49-F238E27FC236}">
+                    <a16:creationId xmlns:a16="http://schemas.microsoft.com/office/drawing/2014/main" id="{4D0720AE-49A0-4CEF-9AF9-1BC0E0F717D9}"/>
+                  </a:ext>
+                </a:extLst>
+              </p14:cNvPr>
+              <p14:cNvContentPartPr/>
+              <p14:nvPr/>
+            </p14:nvContentPartPr>
+            <p14:xfrm>
+              <a:off x="6229334" y="1738319"/>
+              <a:ext cx="369720" cy="5400"/>
+            </p14:xfrm>
+          </p:contentPart>
+        </mc:Choice>
+        <mc:Fallback xmlns="">
+          <p:pic>
+            <p:nvPicPr>
+              <p:cNvPr id="41" name="Encre 40">
+                <a:extLst>
+                  <a:ext uri="{FF2B5EF4-FFF2-40B4-BE49-F238E27FC236}">
+                    <a16:creationId xmlns:a16="http://schemas.microsoft.com/office/drawing/2014/main" id="{4D0720AE-49A0-4CEF-9AF9-1BC0E0F717D9}"/>
+                  </a:ext>
+                </a:extLst>
+              </p:cNvPr>
+              <p:cNvPicPr/>
+              <p:nvPr/>
+            </p:nvPicPr>
+            <p:blipFill>
+              <a:blip r:embed="rId47"/>
+              <a:stretch>
+                <a:fillRect/>
+              </a:stretch>
+            </p:blipFill>
+            <p:spPr>
+              <a:xfrm>
+                <a:off x="6193334" y="1666679"/>
+                <a:ext cx="441360" cy="149040"/>
+              </a:xfrm>
+              <a:prstGeom prst="rect">
+                <a:avLst/>
+              </a:prstGeom>
+            </p:spPr>
+          </p:pic>
+        </mc:Fallback>
+      </mc:AlternateContent>
+      <mc:AlternateContent xmlns:mc="http://schemas.openxmlformats.org/markup-compatibility/2006" xmlns:p14="http://schemas.microsoft.com/office/powerpoint/2010/main">
+        <mc:Choice Requires="p14">
+          <p:contentPart p14:bwMode="auto" r:id="rId48">
+            <p14:nvContentPartPr>
+              <p14:cNvPr id="42" name="Encre 41">
+                <a:extLst>
+                  <a:ext uri="{FF2B5EF4-FFF2-40B4-BE49-F238E27FC236}">
+                    <a16:creationId xmlns:a16="http://schemas.microsoft.com/office/drawing/2014/main" id="{7D2E0BFA-751D-4903-A224-C3CD62452456}"/>
+                  </a:ext>
+                </a:extLst>
+              </p14:cNvPr>
+              <p14:cNvContentPartPr/>
+              <p14:nvPr/>
+            </p14:nvContentPartPr>
+            <p14:xfrm>
+              <a:off x="567254" y="1481639"/>
+              <a:ext cx="743040" cy="27720"/>
+            </p14:xfrm>
+          </p:contentPart>
+        </mc:Choice>
+        <mc:Fallback xmlns="">
+          <p:pic>
+            <p:nvPicPr>
+              <p:cNvPr id="42" name="Encre 41">
+                <a:extLst>
+                  <a:ext uri="{FF2B5EF4-FFF2-40B4-BE49-F238E27FC236}">
+                    <a16:creationId xmlns:a16="http://schemas.microsoft.com/office/drawing/2014/main" id="{7D2E0BFA-751D-4903-A224-C3CD62452456}"/>
+                  </a:ext>
+                </a:extLst>
+              </p:cNvPr>
+              <p:cNvPicPr/>
+              <p:nvPr/>
+            </p:nvPicPr>
+            <p:blipFill>
+              <a:blip r:embed="rId49"/>
+              <a:stretch>
+                <a:fillRect/>
+              </a:stretch>
+            </p:blipFill>
+            <p:spPr>
+              <a:xfrm>
+                <a:off x="531254" y="1409639"/>
+                <a:ext cx="814680" cy="171360"/>
+              </a:xfrm>
+              <a:prstGeom prst="rect">
+                <a:avLst/>
+              </a:prstGeom>
+            </p:spPr>
+          </p:pic>
+        </mc:Fallback>
+      </mc:AlternateContent>
+      <mc:AlternateContent xmlns:mc="http://schemas.openxmlformats.org/markup-compatibility/2006" xmlns:p14="http://schemas.microsoft.com/office/powerpoint/2010/main">
+        <mc:Choice Requires="p14">
+          <p:contentPart p14:bwMode="auto" r:id="rId50">
+            <p14:nvContentPartPr>
+              <p14:cNvPr id="43" name="Encre 42">
+                <a:extLst>
+                  <a:ext uri="{FF2B5EF4-FFF2-40B4-BE49-F238E27FC236}">
+                    <a16:creationId xmlns:a16="http://schemas.microsoft.com/office/drawing/2014/main" id="{8196C629-F41F-46D7-A5AE-92C1DB30495C}"/>
+                  </a:ext>
+                </a:extLst>
+              </p14:cNvPr>
+              <p14:cNvContentPartPr/>
+              <p14:nvPr/>
+            </p14:nvContentPartPr>
+            <p14:xfrm>
+              <a:off x="567254" y="1260959"/>
+              <a:ext cx="752040" cy="18360"/>
+            </p14:xfrm>
+          </p:contentPart>
+        </mc:Choice>
+        <mc:Fallback xmlns="">
+          <p:pic>
+            <p:nvPicPr>
+              <p:cNvPr id="43" name="Encre 42">
+                <a:extLst>
+                  <a:ext uri="{FF2B5EF4-FFF2-40B4-BE49-F238E27FC236}">
+                    <a16:creationId xmlns:a16="http://schemas.microsoft.com/office/drawing/2014/main" id="{8196C629-F41F-46D7-A5AE-92C1DB30495C}"/>
+                  </a:ext>
+                </a:extLst>
+              </p:cNvPr>
+              <p:cNvPicPr/>
+              <p:nvPr/>
+            </p:nvPicPr>
+            <p:blipFill>
+              <a:blip r:embed="rId51"/>
+              <a:stretch>
+                <a:fillRect/>
+              </a:stretch>
+            </p:blipFill>
+            <p:spPr>
+              <a:xfrm>
+                <a:off x="531254" y="1188959"/>
+                <a:ext cx="823680" cy="162000"/>
+              </a:xfrm>
+              <a:prstGeom prst="rect">
+                <a:avLst/>
+              </a:prstGeom>
+            </p:spPr>
+          </p:pic>
+        </mc:Fallback>
+      </mc:AlternateContent>
+      <mc:AlternateContent xmlns:mc="http://schemas.openxmlformats.org/markup-compatibility/2006" xmlns:p14="http://schemas.microsoft.com/office/powerpoint/2010/main">
+        <mc:Choice Requires="p14">
+          <p:contentPart p14:bwMode="auto" r:id="rId52">
+            <p14:nvContentPartPr>
+              <p14:cNvPr id="44" name="Encre 43">
+                <a:extLst>
+                  <a:ext uri="{FF2B5EF4-FFF2-40B4-BE49-F238E27FC236}">
+                    <a16:creationId xmlns:a16="http://schemas.microsoft.com/office/drawing/2014/main" id="{2E5911FD-6A68-46C3-8A57-2ED5D19D3948}"/>
+                  </a:ext>
+                </a:extLst>
+              </p14:cNvPr>
+              <p14:cNvContentPartPr/>
+              <p14:nvPr/>
+            </p14:nvContentPartPr>
+            <p14:xfrm>
+              <a:off x="4220174" y="1751999"/>
+              <a:ext cx="359280" cy="20520"/>
+            </p14:xfrm>
+          </p:contentPart>
+        </mc:Choice>
+        <mc:Fallback xmlns="">
+          <p:pic>
+            <p:nvPicPr>
+              <p:cNvPr id="44" name="Encre 43">
+                <a:extLst>
+                  <a:ext uri="{FF2B5EF4-FFF2-40B4-BE49-F238E27FC236}">
+                    <a16:creationId xmlns:a16="http://schemas.microsoft.com/office/drawing/2014/main" id="{2E5911FD-6A68-46C3-8A57-2ED5D19D3948}"/>
+                  </a:ext>
+                </a:extLst>
+              </p:cNvPr>
+              <p:cNvPicPr/>
+              <p:nvPr/>
+            </p:nvPicPr>
+            <p:blipFill>
+              <a:blip r:embed="rId53"/>
+              <a:stretch>
+                <a:fillRect/>
+              </a:stretch>
+            </p:blipFill>
+            <p:spPr>
+              <a:xfrm>
+                <a:off x="4184534" y="1680359"/>
+                <a:ext cx="430920" cy="164160"/>
+              </a:xfrm>
+              <a:prstGeom prst="rect">
+                <a:avLst/>
+              </a:prstGeom>
+            </p:spPr>
+          </p:pic>
+        </mc:Fallback>
+      </mc:AlternateContent>
+      <mc:AlternateContent xmlns:mc="http://schemas.openxmlformats.org/markup-compatibility/2006" xmlns:p14="http://schemas.microsoft.com/office/powerpoint/2010/main">
+        <mc:Choice Requires="p14">
+          <p:contentPart p14:bwMode="auto" r:id="rId54">
+            <p14:nvContentPartPr>
+              <p14:cNvPr id="45" name="Encre 44">
+                <a:extLst>
+                  <a:ext uri="{FF2B5EF4-FFF2-40B4-BE49-F238E27FC236}">
+                    <a16:creationId xmlns:a16="http://schemas.microsoft.com/office/drawing/2014/main" id="{3985892C-16AA-472E-B6CD-B42306CDF65A}"/>
+                  </a:ext>
+                </a:extLst>
+              </p14:cNvPr>
+              <p14:cNvContentPartPr/>
+              <p14:nvPr/>
+            </p14:nvContentPartPr>
+            <p14:xfrm>
+              <a:off x="580574" y="1026959"/>
+              <a:ext cx="747720" cy="32400"/>
+            </p14:xfrm>
+          </p:contentPart>
+        </mc:Choice>
+        <mc:Fallback xmlns="">
+          <p:pic>
+            <p:nvPicPr>
+              <p:cNvPr id="45" name="Encre 44">
+                <a:extLst>
+                  <a:ext uri="{FF2B5EF4-FFF2-40B4-BE49-F238E27FC236}">
+                    <a16:creationId xmlns:a16="http://schemas.microsoft.com/office/drawing/2014/main" id="{3985892C-16AA-472E-B6CD-B42306CDF65A}"/>
+                  </a:ext>
+                </a:extLst>
+              </p:cNvPr>
+              <p:cNvPicPr/>
+              <p:nvPr/>
+            </p:nvPicPr>
+            <p:blipFill>
+              <a:blip r:embed="rId55"/>
+              <a:stretch>
+                <a:fillRect/>
+              </a:stretch>
+            </p:blipFill>
+            <p:spPr>
+              <a:xfrm>
+                <a:off x="544934" y="954959"/>
+                <a:ext cx="819360" cy="176040"/>
+              </a:xfrm>
+              <a:prstGeom prst="rect">
+                <a:avLst/>
+              </a:prstGeom>
+            </p:spPr>
+          </p:pic>
+        </mc:Fallback>
+      </mc:AlternateContent>
+      <mc:AlternateContent xmlns:mc="http://schemas.openxmlformats.org/markup-compatibility/2006" xmlns:p14="http://schemas.microsoft.com/office/powerpoint/2010/main">
+        <mc:Choice Requires="p14">
+          <p:contentPart p14:bwMode="auto" r:id="rId56">
+            <p14:nvContentPartPr>
+              <p14:cNvPr id="46" name="Encre 45">
+                <a:extLst>
+                  <a:ext uri="{FF2B5EF4-FFF2-40B4-BE49-F238E27FC236}">
+                    <a16:creationId xmlns:a16="http://schemas.microsoft.com/office/drawing/2014/main" id="{24DBC94C-9DBD-4E56-AE6F-C49612695108}"/>
+                  </a:ext>
+                </a:extLst>
+              </p14:cNvPr>
+              <p14:cNvContentPartPr/>
+              <p14:nvPr/>
+            </p14:nvContentPartPr>
+            <p14:xfrm>
+              <a:off x="4702214" y="1733999"/>
+              <a:ext cx="404280" cy="5040"/>
+            </p14:xfrm>
+          </p:contentPart>
+        </mc:Choice>
+        <mc:Fallback xmlns="">
+          <p:pic>
+            <p:nvPicPr>
+              <p:cNvPr id="46" name="Encre 45">
+                <a:extLst>
+                  <a:ext uri="{FF2B5EF4-FFF2-40B4-BE49-F238E27FC236}">
+                    <a16:creationId xmlns:a16="http://schemas.microsoft.com/office/drawing/2014/main" id="{24DBC94C-9DBD-4E56-AE6F-C49612695108}"/>
+                  </a:ext>
+                </a:extLst>
+              </p:cNvPr>
+              <p:cNvPicPr/>
+              <p:nvPr/>
+            </p:nvPicPr>
+            <p:blipFill>
+              <a:blip r:embed="rId57"/>
+              <a:stretch>
+                <a:fillRect/>
+              </a:stretch>
+            </p:blipFill>
+            <p:spPr>
+              <a:xfrm>
+                <a:off x="4666574" y="1661999"/>
+                <a:ext cx="475920" cy="148680"/>
+              </a:xfrm>
+              <a:prstGeom prst="rect">
+                <a:avLst/>
+              </a:prstGeom>
+            </p:spPr>
+          </p:pic>
+        </mc:Fallback>
+      </mc:AlternateContent>
+      <mc:AlternateContent xmlns:mc="http://schemas.openxmlformats.org/markup-compatibility/2006" xmlns:p14="http://schemas.microsoft.com/office/powerpoint/2010/main">
+        <mc:Choice Requires="p14">
+          <p:contentPart p14:bwMode="auto" r:id="rId58">
+            <p14:nvContentPartPr>
+              <p14:cNvPr id="47" name="Encre 46">
+                <a:extLst>
+                  <a:ext uri="{FF2B5EF4-FFF2-40B4-BE49-F238E27FC236}">
+                    <a16:creationId xmlns:a16="http://schemas.microsoft.com/office/drawing/2014/main" id="{88AF9F33-BBF0-4315-BF7E-CC17E29E6CA5}"/>
+                  </a:ext>
+                </a:extLst>
+              </p14:cNvPr>
+              <p14:cNvContentPartPr/>
+              <p14:nvPr/>
+            </p14:nvContentPartPr>
+            <p14:xfrm>
+              <a:off x="567254" y="1138559"/>
+              <a:ext cx="765720" cy="24120"/>
+            </p14:xfrm>
+          </p:contentPart>
+        </mc:Choice>
+        <mc:Fallback xmlns="">
+          <p:pic>
+            <p:nvPicPr>
+              <p:cNvPr id="47" name="Encre 46">
+                <a:extLst>
+                  <a:ext uri="{FF2B5EF4-FFF2-40B4-BE49-F238E27FC236}">
+                    <a16:creationId xmlns:a16="http://schemas.microsoft.com/office/drawing/2014/main" id="{88AF9F33-BBF0-4315-BF7E-CC17E29E6CA5}"/>
+                  </a:ext>
+                </a:extLst>
+              </p:cNvPr>
+              <p:cNvPicPr/>
+              <p:nvPr/>
+            </p:nvPicPr>
+            <p:blipFill>
+              <a:blip r:embed="rId59"/>
+              <a:stretch>
+                <a:fillRect/>
+              </a:stretch>
+            </p:blipFill>
+            <p:spPr>
+              <a:xfrm>
+                <a:off x="531254" y="1066559"/>
+                <a:ext cx="837360" cy="167760"/>
+              </a:xfrm>
+              <a:prstGeom prst="rect">
+                <a:avLst/>
+              </a:prstGeom>
+            </p:spPr>
+          </p:pic>
+        </mc:Fallback>
+      </mc:AlternateContent>
+      <mc:AlternateContent xmlns:mc="http://schemas.openxmlformats.org/markup-compatibility/2006" xmlns:p14="http://schemas.microsoft.com/office/powerpoint/2010/main">
+        <mc:Choice Requires="p14">
+          <p:contentPart p14:bwMode="auto" r:id="rId60">
+            <p14:nvContentPartPr>
+              <p14:cNvPr id="48" name="Encre 47">
+                <a:extLst>
+                  <a:ext uri="{FF2B5EF4-FFF2-40B4-BE49-F238E27FC236}">
+                    <a16:creationId xmlns:a16="http://schemas.microsoft.com/office/drawing/2014/main" id="{13A0303B-2C8F-4850-9557-801D499A96FA}"/>
+                  </a:ext>
+                </a:extLst>
+              </p14:cNvPr>
+              <p14:cNvContentPartPr/>
+              <p14:nvPr/>
+            </p14:nvContentPartPr>
+            <p14:xfrm>
+              <a:off x="5729294" y="1747319"/>
+              <a:ext cx="412560" cy="5040"/>
+            </p14:xfrm>
+          </p:contentPart>
+        </mc:Choice>
+        <mc:Fallback xmlns="">
+          <p:pic>
+            <p:nvPicPr>
+              <p:cNvPr id="48" name="Encre 47">
+                <a:extLst>
+                  <a:ext uri="{FF2B5EF4-FFF2-40B4-BE49-F238E27FC236}">
+                    <a16:creationId xmlns:a16="http://schemas.microsoft.com/office/drawing/2014/main" id="{13A0303B-2C8F-4850-9557-801D499A96FA}"/>
+                  </a:ext>
+                </a:extLst>
+              </p:cNvPr>
+              <p:cNvPicPr/>
+              <p:nvPr/>
+            </p:nvPicPr>
+            <p:blipFill>
+              <a:blip r:embed="rId61"/>
+              <a:stretch>
+                <a:fillRect/>
+              </a:stretch>
+            </p:blipFill>
+            <p:spPr>
+              <a:xfrm>
+                <a:off x="5693654" y="1675679"/>
+                <a:ext cx="484200" cy="148680"/>
+              </a:xfrm>
+              <a:prstGeom prst="rect">
+                <a:avLst/>
+              </a:prstGeom>
+            </p:spPr>
+          </p:pic>
+        </mc:Fallback>
+      </mc:AlternateContent>
+      <mc:AlternateContent xmlns:mc="http://schemas.openxmlformats.org/markup-compatibility/2006" xmlns:p14="http://schemas.microsoft.com/office/powerpoint/2010/main">
+        <mc:Choice Requires="p14">
+          <p:contentPart p14:bwMode="auto" r:id="rId62">
+            <p14:nvContentPartPr>
+              <p14:cNvPr id="49" name="Encre 48">
+                <a:extLst>
+                  <a:ext uri="{FF2B5EF4-FFF2-40B4-BE49-F238E27FC236}">
+                    <a16:creationId xmlns:a16="http://schemas.microsoft.com/office/drawing/2014/main" id="{25397B8B-519E-4924-82F6-D9FB6274FB4F}"/>
+                  </a:ext>
+                </a:extLst>
+              </p14:cNvPr>
+              <p14:cNvContentPartPr/>
+              <p14:nvPr/>
+            </p14:nvContentPartPr>
+            <p14:xfrm>
+              <a:off x="9287894" y="1747319"/>
+              <a:ext cx="391680" cy="9360"/>
+            </p14:xfrm>
+          </p:contentPart>
+        </mc:Choice>
+        <mc:Fallback xmlns="">
+          <p:pic>
+            <p:nvPicPr>
+              <p:cNvPr id="49" name="Encre 48">
+                <a:extLst>
+                  <a:ext uri="{FF2B5EF4-FFF2-40B4-BE49-F238E27FC236}">
+                    <a16:creationId xmlns:a16="http://schemas.microsoft.com/office/drawing/2014/main" id="{25397B8B-519E-4924-82F6-D9FB6274FB4F}"/>
+                  </a:ext>
+                </a:extLst>
+              </p:cNvPr>
+              <p:cNvPicPr/>
+              <p:nvPr/>
+            </p:nvPicPr>
+            <p:blipFill>
+              <a:blip r:embed="rId63"/>
+              <a:stretch>
+                <a:fillRect/>
+              </a:stretch>
+            </p:blipFill>
+            <p:spPr>
+              <a:xfrm>
+                <a:off x="9251894" y="1675679"/>
+                <a:ext cx="463320" cy="153000"/>
+              </a:xfrm>
+              <a:prstGeom prst="rect">
+                <a:avLst/>
+              </a:prstGeom>
+            </p:spPr>
+          </p:pic>
+        </mc:Fallback>
+      </mc:AlternateContent>
+      <mc:AlternateContent xmlns:mc="http://schemas.openxmlformats.org/markup-compatibility/2006" xmlns:p14="http://schemas.microsoft.com/office/powerpoint/2010/main">
+        <mc:Choice Requires="p14">
+          <p:contentPart p14:bwMode="auto" r:id="rId64">
+            <p14:nvContentPartPr>
+              <p14:cNvPr id="50" name="Encre 49">
+                <a:extLst>
+                  <a:ext uri="{FF2B5EF4-FFF2-40B4-BE49-F238E27FC236}">
+                    <a16:creationId xmlns:a16="http://schemas.microsoft.com/office/drawing/2014/main" id="{175B7F2A-0709-46DE-92DB-DCEA9BA2AD4D}"/>
+                  </a:ext>
+                </a:extLst>
+              </p14:cNvPr>
+              <p14:cNvContentPartPr/>
+              <p14:nvPr/>
+            </p14:nvContentPartPr>
+            <p14:xfrm>
+              <a:off x="567254" y="941279"/>
+              <a:ext cx="747720" cy="14400"/>
+            </p14:xfrm>
+          </p:contentPart>
+        </mc:Choice>
+        <mc:Fallback xmlns="">
+          <p:pic>
+            <p:nvPicPr>
+              <p:cNvPr id="50" name="Encre 49">
+                <a:extLst>
+                  <a:ext uri="{FF2B5EF4-FFF2-40B4-BE49-F238E27FC236}">
+                    <a16:creationId xmlns:a16="http://schemas.microsoft.com/office/drawing/2014/main" id="{175B7F2A-0709-46DE-92DB-DCEA9BA2AD4D}"/>
+                  </a:ext>
+                </a:extLst>
+              </p:cNvPr>
+              <p:cNvPicPr/>
+              <p:nvPr/>
+            </p:nvPicPr>
+            <p:blipFill>
+              <a:blip r:embed="rId65"/>
+              <a:stretch>
+                <a:fillRect/>
+              </a:stretch>
+            </p:blipFill>
+            <p:spPr>
+              <a:xfrm>
+                <a:off x="531254" y="869279"/>
+                <a:ext cx="819360" cy="158040"/>
+              </a:xfrm>
+              <a:prstGeom prst="rect">
+                <a:avLst/>
+              </a:prstGeom>
+            </p:spPr>
+          </p:pic>
+        </mc:Fallback>
+      </mc:AlternateContent>
+      <mc:AlternateContent xmlns:mc="http://schemas.openxmlformats.org/markup-compatibility/2006" xmlns:p14="http://schemas.microsoft.com/office/powerpoint/2010/main">
+        <mc:Choice Requires="p14">
+          <p:contentPart p14:bwMode="auto" r:id="rId66">
+            <p14:nvContentPartPr>
+              <p14:cNvPr id="51" name="Encre 50">
+                <a:extLst>
+                  <a:ext uri="{FF2B5EF4-FFF2-40B4-BE49-F238E27FC236}">
+                    <a16:creationId xmlns:a16="http://schemas.microsoft.com/office/drawing/2014/main" id="{F30FFC7F-BC44-4EFD-B0E9-B2E54F0B88FB}"/>
+                  </a:ext>
+                </a:extLst>
+              </p14:cNvPr>
+              <p14:cNvContentPartPr/>
+              <p14:nvPr/>
+            </p14:nvContentPartPr>
+            <p14:xfrm>
+              <a:off x="562934" y="810599"/>
+              <a:ext cx="747360" cy="360"/>
+            </p14:xfrm>
+          </p:contentPart>
+        </mc:Choice>
+        <mc:Fallback xmlns="">
+          <p:pic>
+            <p:nvPicPr>
+              <p:cNvPr id="51" name="Encre 50">
+                <a:extLst>
+                  <a:ext uri="{FF2B5EF4-FFF2-40B4-BE49-F238E27FC236}">
+                    <a16:creationId xmlns:a16="http://schemas.microsoft.com/office/drawing/2014/main" id="{F30FFC7F-BC44-4EFD-B0E9-B2E54F0B88FB}"/>
+                  </a:ext>
+                </a:extLst>
+              </p:cNvPr>
+              <p:cNvPicPr/>
+              <p:nvPr/>
+            </p:nvPicPr>
+            <p:blipFill>
+              <a:blip r:embed="rId67"/>
+              <a:stretch>
+                <a:fillRect/>
+              </a:stretch>
+            </p:blipFill>
+            <p:spPr>
+              <a:xfrm>
+                <a:off x="526934" y="738599"/>
+                <a:ext cx="819000" cy="144000"/>
+              </a:xfrm>
+              <a:prstGeom prst="rect">
+                <a:avLst/>
+              </a:prstGeom>
+            </p:spPr>
+          </p:pic>
+        </mc:Fallback>
+      </mc:AlternateContent>
+      <mc:AlternateContent xmlns:mc="http://schemas.openxmlformats.org/markup-compatibility/2006" xmlns:p14="http://schemas.microsoft.com/office/powerpoint/2010/main">
+        <mc:Choice Requires="p14">
+          <p:contentPart p14:bwMode="auto" r:id="rId68">
+            <p14:nvContentPartPr>
+              <p14:cNvPr id="52" name="Encre 51">
+                <a:extLst>
+                  <a:ext uri="{FF2B5EF4-FFF2-40B4-BE49-F238E27FC236}">
+                    <a16:creationId xmlns:a16="http://schemas.microsoft.com/office/drawing/2014/main" id="{FB33A8AB-F982-4B79-AC88-2AA91D622636}"/>
+                  </a:ext>
+                </a:extLst>
+              </p14:cNvPr>
+              <p14:cNvContentPartPr/>
+              <p14:nvPr/>
+            </p14:nvContentPartPr>
+            <p14:xfrm>
+              <a:off x="8260814" y="1724999"/>
+              <a:ext cx="406080" cy="5400"/>
+            </p14:xfrm>
+          </p:contentPart>
+        </mc:Choice>
+        <mc:Fallback xmlns="">
+          <p:pic>
+            <p:nvPicPr>
+              <p:cNvPr id="52" name="Encre 51">
+                <a:extLst>
+                  <a:ext uri="{FF2B5EF4-FFF2-40B4-BE49-F238E27FC236}">
+                    <a16:creationId xmlns:a16="http://schemas.microsoft.com/office/drawing/2014/main" id="{FB33A8AB-F982-4B79-AC88-2AA91D622636}"/>
+                  </a:ext>
+                </a:extLst>
+              </p:cNvPr>
+              <p:cNvPicPr/>
+              <p:nvPr/>
+            </p:nvPicPr>
+            <p:blipFill>
+              <a:blip r:embed="rId69"/>
+              <a:stretch>
+                <a:fillRect/>
+              </a:stretch>
+            </p:blipFill>
+            <p:spPr>
+              <a:xfrm>
+                <a:off x="8225174" y="1652999"/>
+                <a:ext cx="477720" cy="149040"/>
+              </a:xfrm>
+              <a:prstGeom prst="rect">
+                <a:avLst/>
+              </a:prstGeom>
+            </p:spPr>
+          </p:pic>
+        </mc:Fallback>
+      </mc:AlternateContent>
+      <mc:AlternateContent xmlns:mc="http://schemas.openxmlformats.org/markup-compatibility/2006" xmlns:p14="http://schemas.microsoft.com/office/powerpoint/2010/main">
+        <mc:Choice Requires="p14">
+          <p:contentPart p14:bwMode="auto" r:id="rId70">
+            <p14:nvContentPartPr>
+              <p14:cNvPr id="53" name="Encre 52">
+                <a:extLst>
+                  <a:ext uri="{FF2B5EF4-FFF2-40B4-BE49-F238E27FC236}">
+                    <a16:creationId xmlns:a16="http://schemas.microsoft.com/office/drawing/2014/main" id="{4A4D24CD-E5D9-42F1-A314-186BE6F9D586}"/>
+                  </a:ext>
+                </a:extLst>
+              </p14:cNvPr>
+              <p14:cNvContentPartPr/>
+              <p14:nvPr/>
+            </p14:nvContentPartPr>
+            <p14:xfrm>
+              <a:off x="567254" y="1823279"/>
+              <a:ext cx="774720" cy="14760"/>
+            </p14:xfrm>
+          </p:contentPart>
+        </mc:Choice>
+        <mc:Fallback xmlns="">
+          <p:pic>
+            <p:nvPicPr>
+              <p:cNvPr id="53" name="Encre 52">
+                <a:extLst>
+                  <a:ext uri="{FF2B5EF4-FFF2-40B4-BE49-F238E27FC236}">
+                    <a16:creationId xmlns:a16="http://schemas.microsoft.com/office/drawing/2014/main" id="{4A4D24CD-E5D9-42F1-A314-186BE6F9D586}"/>
+                  </a:ext>
+                </a:extLst>
+              </p:cNvPr>
+              <p:cNvPicPr/>
+              <p:nvPr/>
+            </p:nvPicPr>
+            <p:blipFill>
+              <a:blip r:embed="rId71"/>
+              <a:stretch>
+                <a:fillRect/>
+              </a:stretch>
+            </p:blipFill>
+            <p:spPr>
+              <a:xfrm>
+                <a:off x="531254" y="1751639"/>
+                <a:ext cx="846360" cy="158400"/>
+              </a:xfrm>
+              <a:prstGeom prst="rect">
+                <a:avLst/>
+              </a:prstGeom>
+            </p:spPr>
+          </p:pic>
+        </mc:Fallback>
+      </mc:AlternateContent>
+      <mc:AlternateContent xmlns:mc="http://schemas.openxmlformats.org/markup-compatibility/2006" xmlns:p14="http://schemas.microsoft.com/office/powerpoint/2010/main">
+        <mc:Choice Requires="p14">
+          <p:contentPart p14:bwMode="auto" r:id="rId72">
+            <p14:nvContentPartPr>
+              <p14:cNvPr id="54" name="Encre 53">
+                <a:extLst>
+                  <a:ext uri="{FF2B5EF4-FFF2-40B4-BE49-F238E27FC236}">
+                    <a16:creationId xmlns:a16="http://schemas.microsoft.com/office/drawing/2014/main" id="{CE378EF8-FA9E-485E-93FB-537211000C9C}"/>
+                  </a:ext>
+                </a:extLst>
+              </p14:cNvPr>
+              <p14:cNvContentPartPr/>
+              <p14:nvPr/>
+            </p14:nvContentPartPr>
+            <p14:xfrm>
+              <a:off x="3157454" y="1738319"/>
+              <a:ext cx="396360" cy="23040"/>
+            </p14:xfrm>
+          </p:contentPart>
+        </mc:Choice>
+        <mc:Fallback xmlns="">
+          <p:pic>
+            <p:nvPicPr>
+              <p:cNvPr id="54" name="Encre 53">
+                <a:extLst>
+                  <a:ext uri="{FF2B5EF4-FFF2-40B4-BE49-F238E27FC236}">
+                    <a16:creationId xmlns:a16="http://schemas.microsoft.com/office/drawing/2014/main" id="{CE378EF8-FA9E-485E-93FB-537211000C9C}"/>
+                  </a:ext>
+                </a:extLst>
+              </p:cNvPr>
+              <p:cNvPicPr/>
+              <p:nvPr/>
+            </p:nvPicPr>
+            <p:blipFill>
+              <a:blip r:embed="rId73"/>
+              <a:stretch>
+                <a:fillRect/>
+              </a:stretch>
+            </p:blipFill>
+            <p:spPr>
+              <a:xfrm>
+                <a:off x="3121454" y="1666679"/>
+                <a:ext cx="468000" cy="166680"/>
+              </a:xfrm>
+              <a:prstGeom prst="rect">
+                <a:avLst/>
+              </a:prstGeom>
+            </p:spPr>
+          </p:pic>
+        </mc:Fallback>
+      </mc:AlternateContent>
+      <mc:AlternateContent xmlns:mc="http://schemas.openxmlformats.org/markup-compatibility/2006" xmlns:p14="http://schemas.microsoft.com/office/powerpoint/2010/main">
+        <mc:Choice Requires="p14">
+          <p:contentPart p14:bwMode="auto" r:id="rId74">
+            <p14:nvContentPartPr>
+              <p14:cNvPr id="55" name="Encre 54">
+                <a:extLst>
+                  <a:ext uri="{FF2B5EF4-FFF2-40B4-BE49-F238E27FC236}">
+                    <a16:creationId xmlns:a16="http://schemas.microsoft.com/office/drawing/2014/main" id="{ADD4ADB3-2851-4B05-A0D6-9F09566EA6D0}"/>
+                  </a:ext>
+                </a:extLst>
+              </p14:cNvPr>
+              <p14:cNvContentPartPr/>
+              <p14:nvPr/>
+            </p14:nvContentPartPr>
+            <p14:xfrm>
+              <a:off x="571934" y="2265359"/>
+              <a:ext cx="779040" cy="9720"/>
+            </p14:xfrm>
+          </p:contentPart>
+        </mc:Choice>
+        <mc:Fallback xmlns="">
+          <p:pic>
+            <p:nvPicPr>
+              <p:cNvPr id="55" name="Encre 54">
+                <a:extLst>
+                  <a:ext uri="{FF2B5EF4-FFF2-40B4-BE49-F238E27FC236}">
+                    <a16:creationId xmlns:a16="http://schemas.microsoft.com/office/drawing/2014/main" id="{ADD4ADB3-2851-4B05-A0D6-9F09566EA6D0}"/>
+                  </a:ext>
+                </a:extLst>
+              </p:cNvPr>
+              <p:cNvPicPr/>
+              <p:nvPr/>
+            </p:nvPicPr>
+            <p:blipFill>
+              <a:blip r:embed="rId75"/>
+              <a:stretch>
+                <a:fillRect/>
+              </a:stretch>
+            </p:blipFill>
+            <p:spPr>
+              <a:xfrm>
+                <a:off x="535934" y="2193359"/>
+                <a:ext cx="850680" cy="153360"/>
+              </a:xfrm>
+              <a:prstGeom prst="rect">
+                <a:avLst/>
+              </a:prstGeom>
+            </p:spPr>
+          </p:pic>
+        </mc:Fallback>
+      </mc:AlternateContent>
+      <mc:AlternateContent xmlns:mc="http://schemas.openxmlformats.org/markup-compatibility/2006" xmlns:p14="http://schemas.microsoft.com/office/powerpoint/2010/main">
+        <mc:Choice Requires="p14">
+          <p:contentPart p14:bwMode="auto" r:id="rId76">
+            <p14:nvContentPartPr>
+              <p14:cNvPr id="56" name="Encre 55">
+                <a:extLst>
+                  <a:ext uri="{FF2B5EF4-FFF2-40B4-BE49-F238E27FC236}">
+                    <a16:creationId xmlns:a16="http://schemas.microsoft.com/office/drawing/2014/main" id="{7DB9F340-C68A-4BDC-BE4C-3F14E3FEFD0D}"/>
+                  </a:ext>
+                </a:extLst>
+              </p14:cNvPr>
+              <p14:cNvContentPartPr/>
+              <p14:nvPr/>
+            </p14:nvContentPartPr>
+            <p14:xfrm>
+              <a:off x="2125694" y="1846679"/>
+              <a:ext cx="387720" cy="9360"/>
+            </p14:xfrm>
+          </p:contentPart>
+        </mc:Choice>
+        <mc:Fallback xmlns="">
+          <p:pic>
+            <p:nvPicPr>
+              <p:cNvPr id="56" name="Encre 55">
+                <a:extLst>
+                  <a:ext uri="{FF2B5EF4-FFF2-40B4-BE49-F238E27FC236}">
+                    <a16:creationId xmlns:a16="http://schemas.microsoft.com/office/drawing/2014/main" id="{7DB9F340-C68A-4BDC-BE4C-3F14E3FEFD0D}"/>
+                  </a:ext>
+                </a:extLst>
+              </p:cNvPr>
+              <p:cNvPicPr/>
+              <p:nvPr/>
+            </p:nvPicPr>
+            <p:blipFill>
+              <a:blip r:embed="rId77"/>
+              <a:stretch>
+                <a:fillRect/>
+              </a:stretch>
+            </p:blipFill>
+            <p:spPr>
+              <a:xfrm>
+                <a:off x="2089694" y="1774679"/>
+                <a:ext cx="459360" cy="153000"/>
+              </a:xfrm>
+              <a:prstGeom prst="rect">
+                <a:avLst/>
+              </a:prstGeom>
+            </p:spPr>
+          </p:pic>
+        </mc:Fallback>
+      </mc:AlternateContent>
+      <mc:AlternateContent xmlns:mc="http://schemas.openxmlformats.org/markup-compatibility/2006" xmlns:p14="http://schemas.microsoft.com/office/powerpoint/2010/main">
+        <mc:Choice Requires="p14">
+          <p:contentPart p14:bwMode="auto" r:id="rId78">
+            <p14:nvContentPartPr>
+              <p14:cNvPr id="57" name="Encre 56">
+                <a:extLst>
+                  <a:ext uri="{FF2B5EF4-FFF2-40B4-BE49-F238E27FC236}">
+                    <a16:creationId xmlns:a16="http://schemas.microsoft.com/office/drawing/2014/main" id="{241206D8-F1DA-4A3F-8036-76476E0389D7}"/>
+                  </a:ext>
+                </a:extLst>
+              </p14:cNvPr>
+              <p14:cNvContentPartPr/>
+              <p14:nvPr/>
+            </p14:nvContentPartPr>
+            <p14:xfrm>
+              <a:off x="7256414" y="1733999"/>
+              <a:ext cx="406080" cy="360"/>
+            </p14:xfrm>
+          </p:contentPart>
+        </mc:Choice>
+        <mc:Fallback xmlns="">
+          <p:pic>
+            <p:nvPicPr>
+              <p:cNvPr id="57" name="Encre 56">
+                <a:extLst>
+                  <a:ext uri="{FF2B5EF4-FFF2-40B4-BE49-F238E27FC236}">
+                    <a16:creationId xmlns:a16="http://schemas.microsoft.com/office/drawing/2014/main" id="{241206D8-F1DA-4A3F-8036-76476E0389D7}"/>
+                  </a:ext>
+                </a:extLst>
+              </p:cNvPr>
+              <p:cNvPicPr/>
+              <p:nvPr/>
+            </p:nvPicPr>
+            <p:blipFill>
+              <a:blip r:embed="rId79"/>
+              <a:stretch>
+                <a:fillRect/>
+              </a:stretch>
+            </p:blipFill>
+            <p:spPr>
+              <a:xfrm>
+                <a:off x="7220414" y="1661999"/>
+                <a:ext cx="477720" cy="144000"/>
+              </a:xfrm>
+              <a:prstGeom prst="rect">
+                <a:avLst/>
+              </a:prstGeom>
+            </p:spPr>
+          </p:pic>
+        </mc:Fallback>
+      </mc:AlternateContent>
+      <mc:AlternateContent xmlns:mc="http://schemas.openxmlformats.org/markup-compatibility/2006" xmlns:p14="http://schemas.microsoft.com/office/powerpoint/2010/main">
+        <mc:Choice Requires="p14">
+          <p:contentPart p14:bwMode="auto" r:id="rId80">
+            <p14:nvContentPartPr>
+              <p14:cNvPr id="58" name="Encre 57">
+                <a:extLst>
+                  <a:ext uri="{FF2B5EF4-FFF2-40B4-BE49-F238E27FC236}">
+                    <a16:creationId xmlns:a16="http://schemas.microsoft.com/office/drawing/2014/main" id="{A0BA6705-9BCF-45D9-8F4A-D40F8DFB0C68}"/>
+                  </a:ext>
+                </a:extLst>
+              </p14:cNvPr>
+              <p14:cNvContentPartPr/>
+              <p14:nvPr/>
+            </p14:nvContentPartPr>
+            <p14:xfrm>
+              <a:off x="10832654" y="1738319"/>
+              <a:ext cx="378360" cy="360"/>
+            </p14:xfrm>
+          </p:contentPart>
+        </mc:Choice>
+        <mc:Fallback xmlns="">
+          <p:pic>
+            <p:nvPicPr>
+              <p:cNvPr id="58" name="Encre 57">
+                <a:extLst>
+                  <a:ext uri="{FF2B5EF4-FFF2-40B4-BE49-F238E27FC236}">
+                    <a16:creationId xmlns:a16="http://schemas.microsoft.com/office/drawing/2014/main" id="{A0BA6705-9BCF-45D9-8F4A-D40F8DFB0C68}"/>
+                  </a:ext>
+                </a:extLst>
+              </p:cNvPr>
+              <p:cNvPicPr/>
+              <p:nvPr/>
+            </p:nvPicPr>
+            <p:blipFill>
+              <a:blip r:embed="rId81"/>
+              <a:stretch>
+                <a:fillRect/>
+              </a:stretch>
+            </p:blipFill>
+            <p:spPr>
+              <a:xfrm>
+                <a:off x="10797014" y="1666679"/>
+                <a:ext cx="450000" cy="144000"/>
+              </a:xfrm>
+              <a:prstGeom prst="rect">
+                <a:avLst/>
+              </a:prstGeom>
+            </p:spPr>
+          </p:pic>
+        </mc:Fallback>
+      </mc:AlternateContent>
+      <p:sp>
+        <p:nvSpPr>
+          <p:cNvPr id="67" name="Ellipse 66">
+            <a:extLst>
+              <a:ext uri="{FF2B5EF4-FFF2-40B4-BE49-F238E27FC236}">
+                <a16:creationId xmlns:a16="http://schemas.microsoft.com/office/drawing/2014/main" id="{38F74902-A2E0-49F5-A8DE-4F5253A81450}"/>
+              </a:ext>
+            </a:extLst>
+          </p:cNvPr>
+          <p:cNvSpPr/>
+          <p:nvPr/>
+        </p:nvSpPr>
+        <p:spPr>
+          <a:xfrm>
+            <a:off x="1823273" y="2008106"/>
+            <a:ext cx="708141" cy="148533"/>
+          </a:xfrm>
+          <a:prstGeom prst="ellipse">
+            <a:avLst/>
+          </a:prstGeom>
+          <a:noFill/>
+          <a:ln>
+            <a:solidFill>
+              <a:srgbClr val="FF0000"/>
+            </a:solidFill>
+          </a:ln>
+        </p:spPr>
+        <p:style>
+          <a:lnRef idx="2">
+            <a:schemeClr val="accent1">
+              <a:shade val="50000"/>
+            </a:schemeClr>
+          </a:lnRef>
+          <a:fillRef idx="1">
+            <a:schemeClr val="accent1"/>
+          </a:fillRef>
+          <a:effectRef idx="0">
+            <a:schemeClr val="accent1"/>
+          </a:effectRef>
+          <a:fontRef idx="minor">
+            <a:schemeClr val="lt1"/>
+          </a:fontRef>
+        </p:style>
+        <p:txBody>
+          <a:bodyPr rtlCol="0" anchor="ctr"/>
+          <a:lstStyle/>
+          <a:p>
+            <a:pPr algn="ctr"/>
+            <a:endParaRPr lang="fr-FR"/>
+          </a:p>
+        </p:txBody>
+      </p:sp>
+      <p:sp>
+        <p:nvSpPr>
+          <p:cNvPr id="68" name="Ellipse 67">
+            <a:extLst>
+              <a:ext uri="{FF2B5EF4-FFF2-40B4-BE49-F238E27FC236}">
+                <a16:creationId xmlns:a16="http://schemas.microsoft.com/office/drawing/2014/main" id="{A800F378-4094-414C-A20E-FBA8BF1169C4}"/>
+              </a:ext>
+            </a:extLst>
+          </p:cNvPr>
+          <p:cNvSpPr/>
+          <p:nvPr/>
+        </p:nvSpPr>
+        <p:spPr>
+          <a:xfrm>
+            <a:off x="840844" y="2986854"/>
+            <a:ext cx="708141" cy="148533"/>
+          </a:xfrm>
+          <a:prstGeom prst="ellipse">
+            <a:avLst/>
+          </a:prstGeom>
+          <a:noFill/>
+          <a:ln>
+            <a:solidFill>
+              <a:srgbClr val="FF0000"/>
+            </a:solidFill>
+          </a:ln>
+        </p:spPr>
+        <p:style>
+          <a:lnRef idx="2">
+            <a:schemeClr val="accent1">
+              <a:shade val="50000"/>
+            </a:schemeClr>
+          </a:lnRef>
+          <a:fillRef idx="1">
+            <a:schemeClr val="accent1"/>
+          </a:fillRef>
+          <a:effectRef idx="0">
+            <a:schemeClr val="accent1"/>
+          </a:effectRef>
+          <a:fontRef idx="minor">
+            <a:schemeClr val="lt1"/>
+          </a:fontRef>
+        </p:style>
+        <p:txBody>
+          <a:bodyPr rtlCol="0" anchor="ctr"/>
+          <a:lstStyle/>
+          <a:p>
+            <a:pPr algn="ctr"/>
+            <a:endParaRPr lang="fr-FR"/>
+          </a:p>
+        </p:txBody>
+      </p:sp>
+      <mc:AlternateContent xmlns:mc="http://schemas.openxmlformats.org/markup-compatibility/2006">
+        <mc:Choice xmlns:p14="http://schemas.microsoft.com/office/powerpoint/2010/main" Requires="p14">
+          <p:contentPart p14:bwMode="auto" r:id="rId82">
+            <p14:nvContentPartPr>
+              <p14:cNvPr id="69" name="Encre 68">
+                <a:extLst>
+                  <a:ext uri="{FF2B5EF4-FFF2-40B4-BE49-F238E27FC236}">
+                    <a16:creationId xmlns:a16="http://schemas.microsoft.com/office/drawing/2014/main" id="{D953E66F-23BA-4A46-AE5D-7A70BD617DC4}"/>
+                  </a:ext>
+                </a:extLst>
+              </p14:cNvPr>
+              <p14:cNvContentPartPr/>
+              <p14:nvPr/>
+            </p14:nvContentPartPr>
+            <p14:xfrm>
+              <a:off x="2419500" y="3719582"/>
+              <a:ext cx="1770120" cy="230400"/>
+            </p14:xfrm>
+          </p:contentPart>
+        </mc:Choice>
+        <mc:Fallback>
+          <p:pic>
+            <p:nvPicPr>
+              <p:cNvPr id="69" name="Encre 68">
+                <a:extLst>
+                  <a:ext uri="{FF2B5EF4-FFF2-40B4-BE49-F238E27FC236}">
+                    <a16:creationId xmlns:a16="http://schemas.microsoft.com/office/drawing/2014/main" id="{D953E66F-23BA-4A46-AE5D-7A70BD617DC4}"/>
+                  </a:ext>
+                </a:extLst>
+              </p:cNvPr>
+              <p:cNvPicPr/>
+              <p:nvPr/>
+            </p:nvPicPr>
+            <p:blipFill>
+              <a:blip r:embed="rId83"/>
+              <a:stretch>
+                <a:fillRect/>
+              </a:stretch>
+            </p:blipFill>
+            <p:spPr>
+              <a:xfrm>
+                <a:off x="2383500" y="3647582"/>
+                <a:ext cx="1841760" cy="374040"/>
+              </a:xfrm>
+              <a:prstGeom prst="rect">
+                <a:avLst/>
+              </a:prstGeom>
+            </p:spPr>
+          </p:pic>
+        </mc:Fallback>
+      </mc:AlternateContent>
+      <mc:AlternateContent xmlns:mc="http://schemas.openxmlformats.org/markup-compatibility/2006" xmlns:p14="http://schemas.microsoft.com/office/powerpoint/2010/main">
+        <mc:Choice Requires="p14">
+          <p:contentPart p14:bwMode="auto" r:id="rId84">
+            <p14:nvContentPartPr>
+              <p14:cNvPr id="70" name="Encre 69">
+                <a:extLst>
+                  <a:ext uri="{FF2B5EF4-FFF2-40B4-BE49-F238E27FC236}">
+                    <a16:creationId xmlns:a16="http://schemas.microsoft.com/office/drawing/2014/main" id="{1F608699-AD49-479F-9865-E376907B59FE}"/>
+                  </a:ext>
+                </a:extLst>
+              </p14:cNvPr>
+              <p14:cNvContentPartPr/>
+              <p14:nvPr/>
+            </p14:nvContentPartPr>
+            <p14:xfrm>
+              <a:off x="5830810" y="4014990"/>
+              <a:ext cx="851760" cy="13680"/>
+            </p14:xfrm>
+          </p:contentPart>
+        </mc:Choice>
+        <mc:Fallback xmlns="">
+          <p:pic>
+            <p:nvPicPr>
+              <p:cNvPr id="70" name="Encre 69">
+                <a:extLst>
+                  <a:ext uri="{FF2B5EF4-FFF2-40B4-BE49-F238E27FC236}">
+                    <a16:creationId xmlns:a16="http://schemas.microsoft.com/office/drawing/2014/main" id="{1F608699-AD49-479F-9865-E376907B59FE}"/>
+                  </a:ext>
+                </a:extLst>
+              </p:cNvPr>
+              <p:cNvPicPr/>
+              <p:nvPr/>
+            </p:nvPicPr>
+            <p:blipFill>
+              <a:blip r:embed="rId85"/>
+              <a:stretch>
+                <a:fillRect/>
+              </a:stretch>
+            </p:blipFill>
+            <p:spPr>
+              <a:xfrm>
+                <a:off x="5794810" y="3942990"/>
+                <a:ext cx="923400" cy="157320"/>
+              </a:xfrm>
+              <a:prstGeom prst="rect">
+                <a:avLst/>
+              </a:prstGeom>
+            </p:spPr>
+          </p:pic>
+        </mc:Fallback>
+      </mc:AlternateContent>
+      <p:sp>
+        <p:nvSpPr>
+          <p:cNvPr id="59" name="ZoneTexte 58">
+            <a:extLst>
+              <a:ext uri="{FF2B5EF4-FFF2-40B4-BE49-F238E27FC236}">
+                <a16:creationId xmlns:a16="http://schemas.microsoft.com/office/drawing/2014/main" id="{DB09B379-1EE0-4F28-9D16-B684DCD38A75}"/>
+              </a:ext>
+            </a:extLst>
+          </p:cNvPr>
+          <p:cNvSpPr txBox="1"/>
+          <p:nvPr/>
+        </p:nvSpPr>
+        <p:spPr>
+          <a:xfrm>
+            <a:off x="1099929" y="113674"/>
+            <a:ext cx="9992139" cy="523220"/>
+          </a:xfrm>
+          <a:prstGeom prst="rect">
+            <a:avLst/>
+          </a:prstGeom>
+          <a:noFill/>
+        </p:spPr>
+        <p:txBody>
+          <a:bodyPr wrap="square" rtlCol="0">
+            <a:spAutoFit/>
+          </a:bodyPr>
+          <a:lstStyle/>
+          <a:p>
+            <a:pPr algn="ctr"/>
+            <a:r>
+              <a:rPr lang="fr-FR" sz="2800" u="sng" dirty="0">
+                <a:solidFill>
+                  <a:schemeClr val="bg1"/>
+                </a:solidFill>
+                <a:latin typeface="Amasis MT Pro" panose="02040504050005020304" pitchFamily="18" charset="0"/>
+              </a:rPr>
+              <a:t>5. Comparaison Choix/Données</a:t>
+            </a:r>
+          </a:p>
+        </p:txBody>
+      </p:sp>
+      <p:cxnSp>
+        <p:nvCxnSpPr>
+          <p:cNvPr id="3" name="Connecteur droit avec flèche 2">
+            <a:extLst>
+              <a:ext uri="{FF2B5EF4-FFF2-40B4-BE49-F238E27FC236}">
+                <a16:creationId xmlns:a16="http://schemas.microsoft.com/office/drawing/2014/main" id="{CE44938E-D428-42C2-8535-0A05898286A6}"/>
+              </a:ext>
+            </a:extLst>
+          </p:cNvPr>
+          <p:cNvCxnSpPr>
+            <a:cxnSpLocks/>
+            <a:stCxn id="67" idx="3"/>
+            <a:endCxn id="68" idx="7"/>
+          </p:cNvCxnSpPr>
+          <p:nvPr/>
+        </p:nvCxnSpPr>
+        <p:spPr>
+          <a:xfrm flipH="1">
+            <a:off x="1445280" y="2134887"/>
+            <a:ext cx="481698" cy="873719"/>
+          </a:xfrm>
+          <a:prstGeom prst="straightConnector1">
+            <a:avLst/>
+          </a:prstGeom>
+          <a:ln>
+            <a:tailEnd type="triangle"/>
+          </a:ln>
+        </p:spPr>
+        <p:style>
+          <a:lnRef idx="1">
+            <a:schemeClr val="accent1"/>
+          </a:lnRef>
+          <a:fillRef idx="0">
+            <a:schemeClr val="accent1"/>
+          </a:fillRef>
+          <a:effectRef idx="0">
+            <a:schemeClr val="accent1"/>
+          </a:effectRef>
+          <a:fontRef idx="minor">
+            <a:schemeClr val="tx1"/>
+          </a:fontRef>
+        </p:style>
+      </p:cxnSp>
+      <p:sp>
+        <p:nvSpPr>
+          <p:cNvPr id="6" name="Flèche : double flèche horizontale 5">
+            <a:extLst>
+              <a:ext uri="{FF2B5EF4-FFF2-40B4-BE49-F238E27FC236}">
+                <a16:creationId xmlns:a16="http://schemas.microsoft.com/office/drawing/2014/main" id="{BE89410F-A5DC-4071-B14B-7F092170698C}"/>
+              </a:ext>
+            </a:extLst>
+          </p:cNvPr>
+          <p:cNvSpPr/>
+          <p:nvPr/>
+        </p:nvSpPr>
+        <p:spPr>
+          <a:xfrm>
+            <a:off x="4579454" y="4028670"/>
+            <a:ext cx="942266" cy="358880"/>
+          </a:xfrm>
+          <a:prstGeom prst="leftRightArrow">
+            <a:avLst/>
+          </a:prstGeom>
+        </p:spPr>
+        <p:style>
+          <a:lnRef idx="2">
+            <a:schemeClr val="accent2">
+              <a:shade val="50000"/>
+            </a:schemeClr>
+          </a:lnRef>
+          <a:fillRef idx="1">
+            <a:schemeClr val="accent2"/>
+          </a:fillRef>
+          <a:effectRef idx="0">
+            <a:schemeClr val="accent2"/>
+          </a:effectRef>
+          <a:fontRef idx="minor">
+            <a:schemeClr val="lt1"/>
+          </a:fontRef>
+        </p:style>
+        <p:txBody>
+          <a:bodyPr rtlCol="0" anchor="ctr"/>
+          <a:lstStyle/>
+          <a:p>
+            <a:pPr algn="ctr"/>
+            <a:endParaRPr lang="fr-FR"/>
+          </a:p>
+        </p:txBody>
+      </p:sp>
+    </p:spTree>
+    <p:extLst>
+      <p:ext uri="{BB962C8B-B14F-4D97-AF65-F5344CB8AC3E}">
+        <p14:creationId xmlns:p14="http://schemas.microsoft.com/office/powerpoint/2010/main" val="3625417209"/>
       </p:ext>
     </p:extLst>
   </p:cSld>

--- a/P7_03_presentation.pptx
+++ b/P7_03_presentation.pptx
@@ -1439,7 +1439,7 @@
           <a:p>
             <a:fld id="{C529BFDE-C802-4A42-A1D2-96470B08F6BB}" type="datetimeFigureOut">
               <a:rPr lang="fr-FR" smtClean="0"/>
-              <a:t>06/10/2021</a:t>
+              <a:t>07/10/2021</a:t>
             </a:fld>
             <a:endParaRPr lang="fr-FR"/>
           </a:p>
@@ -1637,7 +1637,7 @@
           <a:p>
             <a:fld id="{C529BFDE-C802-4A42-A1D2-96470B08F6BB}" type="datetimeFigureOut">
               <a:rPr lang="fr-FR" smtClean="0"/>
-              <a:t>06/10/2021</a:t>
+              <a:t>07/10/2021</a:t>
             </a:fld>
             <a:endParaRPr lang="fr-FR"/>
           </a:p>
@@ -1845,7 +1845,7 @@
           <a:p>
             <a:fld id="{C529BFDE-C802-4A42-A1D2-96470B08F6BB}" type="datetimeFigureOut">
               <a:rPr lang="fr-FR" smtClean="0"/>
-              <a:t>06/10/2021</a:t>
+              <a:t>07/10/2021</a:t>
             </a:fld>
             <a:endParaRPr lang="fr-FR"/>
           </a:p>
@@ -2043,7 +2043,7 @@
           <a:p>
             <a:fld id="{C529BFDE-C802-4A42-A1D2-96470B08F6BB}" type="datetimeFigureOut">
               <a:rPr lang="fr-FR" smtClean="0"/>
-              <a:t>06/10/2021</a:t>
+              <a:t>07/10/2021</a:t>
             </a:fld>
             <a:endParaRPr lang="fr-FR"/>
           </a:p>
@@ -2318,7 +2318,7 @@
           <a:p>
             <a:fld id="{C529BFDE-C802-4A42-A1D2-96470B08F6BB}" type="datetimeFigureOut">
               <a:rPr lang="fr-FR" smtClean="0"/>
-              <a:t>06/10/2021</a:t>
+              <a:t>07/10/2021</a:t>
             </a:fld>
             <a:endParaRPr lang="fr-FR"/>
           </a:p>
@@ -2583,7 +2583,7 @@
           <a:p>
             <a:fld id="{C529BFDE-C802-4A42-A1D2-96470B08F6BB}" type="datetimeFigureOut">
               <a:rPr lang="fr-FR" smtClean="0"/>
-              <a:t>06/10/2021</a:t>
+              <a:t>07/10/2021</a:t>
             </a:fld>
             <a:endParaRPr lang="fr-FR"/>
           </a:p>
@@ -2995,7 +2995,7 @@
           <a:p>
             <a:fld id="{C529BFDE-C802-4A42-A1D2-96470B08F6BB}" type="datetimeFigureOut">
               <a:rPr lang="fr-FR" smtClean="0"/>
-              <a:t>06/10/2021</a:t>
+              <a:t>07/10/2021</a:t>
             </a:fld>
             <a:endParaRPr lang="fr-FR"/>
           </a:p>
@@ -3136,7 +3136,7 @@
           <a:p>
             <a:fld id="{C529BFDE-C802-4A42-A1D2-96470B08F6BB}" type="datetimeFigureOut">
               <a:rPr lang="fr-FR" smtClean="0"/>
-              <a:t>06/10/2021</a:t>
+              <a:t>07/10/2021</a:t>
             </a:fld>
             <a:endParaRPr lang="fr-FR"/>
           </a:p>
@@ -3249,7 +3249,7 @@
           <a:p>
             <a:fld id="{C529BFDE-C802-4A42-A1D2-96470B08F6BB}" type="datetimeFigureOut">
               <a:rPr lang="fr-FR" smtClean="0"/>
-              <a:t>06/10/2021</a:t>
+              <a:t>07/10/2021</a:t>
             </a:fld>
             <a:endParaRPr lang="fr-FR"/>
           </a:p>
@@ -3560,7 +3560,7 @@
           <a:p>
             <a:fld id="{C529BFDE-C802-4A42-A1D2-96470B08F6BB}" type="datetimeFigureOut">
               <a:rPr lang="fr-FR" smtClean="0"/>
-              <a:t>06/10/2021</a:t>
+              <a:t>07/10/2021</a:t>
             </a:fld>
             <a:endParaRPr lang="fr-FR"/>
           </a:p>
@@ -3848,7 +3848,7 @@
           <a:p>
             <a:fld id="{C529BFDE-C802-4A42-A1D2-96470B08F6BB}" type="datetimeFigureOut">
               <a:rPr lang="fr-FR" smtClean="0"/>
-              <a:t>06/10/2021</a:t>
+              <a:t>07/10/2021</a:t>
             </a:fld>
             <a:endParaRPr lang="fr-FR"/>
           </a:p>
@@ -4089,7 +4089,7 @@
           <a:p>
             <a:fld id="{C529BFDE-C802-4A42-A1D2-96470B08F6BB}" type="datetimeFigureOut">
               <a:rPr lang="fr-FR" smtClean="0"/>
-              <a:t>06/10/2021</a:t>
+              <a:t>07/10/2021</a:t>
             </a:fld>
             <a:endParaRPr lang="fr-FR"/>
           </a:p>
@@ -8194,7 +8194,7 @@
                 </a:solidFill>
                 <a:latin typeface="Agency FB" panose="020B0503020202020204" pitchFamily="34" charset="0"/>
               </a:rPr>
-              <a:t>5,48 secondes</a:t>
+              <a:t>4,48 secondes</a:t>
             </a:r>
           </a:p>
         </p:txBody>
@@ -8279,7 +8279,7 @@
                   <a:srgbClr val="FFFF00"/>
                 </a:highlight>
               </a:rPr>
-              <a:t>x2740</a:t>
+              <a:t>x2240</a:t>
             </a:r>
           </a:p>
         </p:txBody>
@@ -10526,8 +10526,8 @@
           </a:p>
         </p:txBody>
       </p:sp>
-      <mc:AlternateContent xmlns:mc="http://schemas.openxmlformats.org/markup-compatibility/2006">
-        <mc:Choice xmlns:p14="http://schemas.microsoft.com/office/powerpoint/2010/main" Requires="p14">
+      <mc:AlternateContent xmlns:mc="http://schemas.openxmlformats.org/markup-compatibility/2006" xmlns:p14="http://schemas.microsoft.com/office/powerpoint/2010/main">
+        <mc:Choice Requires="p14">
           <p:contentPart p14:bwMode="auto" r:id="rId82">
             <p14:nvContentPartPr>
               <p14:cNvPr id="69" name="Encre 68">
@@ -10546,7 +10546,7 @@
             </p14:xfrm>
           </p:contentPart>
         </mc:Choice>
-        <mc:Fallback>
+        <mc:Fallback xmlns="">
           <p:pic>
             <p:nvPicPr>
               <p:cNvPr id="69" name="Encre 68">
